--- a/Documentation/TODO.pptx
+++ b/Documentation/TODO.pptx
@@ -3128,7 +3128,7 @@
           <a:p>
             <a:fld id="{300E0152-FD71-476E-93B4-2748553546FC}" type="datetimeFigureOut">
               <a:rPr lang="fr-FR" smtClean="0"/>
-              <a:t>08/04/2022</a:t>
+              <a:t>11/04/2022</a:t>
             </a:fld>
             <a:endParaRPr lang="fr-FR"/>
           </a:p>
@@ -3306,7 +3306,7 @@
           <a:p>
             <a:fld id="{7E818C28-E326-4E30-9CF2-2C1A4C894E1E}" type="datetimeFigureOut">
               <a:rPr lang="fr-FR" noProof="0" smtClean="0"/>
-              <a:t>08/04/2022</a:t>
+              <a:t>11/04/2022</a:t>
             </a:fld>
             <a:endParaRPr lang="fr-FR" noProof="0"/>
           </a:p>
@@ -4351,7 +4351,7 @@
             <a:pPr rtl="0"/>
             <a:fld id="{84D57ED5-9CB3-4471-9B6F-968F3C8F84E1}" type="datetime1">
               <a:rPr lang="fr-FR" noProof="0" smtClean="0"/>
-              <a:t>08/04/2022</a:t>
+              <a:t>11/04/2022</a:t>
             </a:fld>
             <a:endParaRPr lang="fr-FR" noProof="0"/>
           </a:p>
@@ -4693,7 +4693,7 @@
             <a:pPr rtl="0"/>
             <a:fld id="{82C21BD6-09AD-4CE8-91E4-0CCB39C35B1C}" type="datetime1">
               <a:rPr lang="fr-FR" noProof="0" smtClean="0"/>
-              <a:t>08/04/2022</a:t>
+              <a:t>11/04/2022</a:t>
             </a:fld>
             <a:endParaRPr lang="fr-FR" noProof="0"/>
           </a:p>
@@ -5098,7 +5098,7 @@
             <a:pPr rtl="0"/>
             <a:fld id="{3C77B77F-91DD-4C26-904A-477D7569DB10}" type="datetime1">
               <a:rPr lang="fr-FR" noProof="0" smtClean="0"/>
-              <a:t>08/04/2022</a:t>
+              <a:t>11/04/2022</a:t>
             </a:fld>
             <a:endParaRPr lang="fr-FR" noProof="0"/>
           </a:p>
@@ -5438,7 +5438,7 @@
             <a:pPr rtl="0"/>
             <a:fld id="{BF2D40E6-123C-44C7-96E6-E5EB17E95AC5}" type="datetime1">
               <a:rPr lang="fr-FR" noProof="0" smtClean="0"/>
-              <a:t>08/04/2022</a:t>
+              <a:t>11/04/2022</a:t>
             </a:fld>
             <a:endParaRPr lang="fr-FR" noProof="0"/>
           </a:p>
@@ -5763,7 +5763,7 @@
             <a:pPr rtl="0"/>
             <a:fld id="{BF2D40E6-123C-44C7-96E6-E5EB17E95AC5}" type="datetime1">
               <a:rPr lang="fr-FR" noProof="0" smtClean="0"/>
-              <a:t>08/04/2022</a:t>
+              <a:t>11/04/2022</a:t>
             </a:fld>
             <a:endParaRPr lang="fr-FR" noProof="0"/>
           </a:p>
@@ -6164,7 +6164,7 @@
             <a:pPr rtl="0"/>
             <a:fld id="{5E9C6408-3BC8-40DF-BC19-0E01079E3CE3}" type="datetime1">
               <a:rPr lang="fr-FR" noProof="0" smtClean="0"/>
-              <a:t>08/04/2022</a:t>
+              <a:t>11/04/2022</a:t>
             </a:fld>
             <a:endParaRPr lang="fr-FR" noProof="0"/>
           </a:p>
@@ -6425,7 +6425,7 @@
             <a:pPr rtl="0"/>
             <a:fld id="{475489E5-EE2A-4D3B-B34D-823A7028B4FB}" type="datetime1">
               <a:rPr lang="fr-FR" noProof="0" smtClean="0"/>
-              <a:t>08/04/2022</a:t>
+              <a:t>11/04/2022</a:t>
             </a:fld>
             <a:endParaRPr lang="fr-FR" noProof="0"/>
           </a:p>
@@ -6691,7 +6691,7 @@
             <a:pPr rtl="0"/>
             <a:fld id="{CD123ACB-C9EE-4C9E-B8CE-AAAC5E9A0232}" type="datetime1">
               <a:rPr lang="fr-FR" noProof="0" smtClean="0"/>
-              <a:t>08/04/2022</a:t>
+              <a:t>11/04/2022</a:t>
             </a:fld>
             <a:endParaRPr lang="fr-FR" noProof="0"/>
           </a:p>
@@ -6957,7 +6957,7 @@
             <a:pPr rtl="0"/>
             <a:fld id="{6860E4D8-56D9-4E46-AB44-CADDEB05CB81}" type="datetime1">
               <a:rPr lang="fr-FR" noProof="0" smtClean="0"/>
-              <a:t>08/04/2022</a:t>
+              <a:t>11/04/2022</a:t>
             </a:fld>
             <a:endParaRPr lang="fr-FR" noProof="0"/>
           </a:p>
@@ -7290,7 +7290,7 @@
             <a:pPr rtl="0"/>
             <a:fld id="{BF2D40E6-123C-44C7-96E6-E5EB17E95AC5}" type="datetime1">
               <a:rPr lang="fr-FR" noProof="0" smtClean="0"/>
-              <a:t>08/04/2022</a:t>
+              <a:t>11/04/2022</a:t>
             </a:fld>
             <a:endParaRPr lang="fr-FR" noProof="0"/>
           </a:p>
@@ -7618,7 +7618,7 @@
             <a:pPr rtl="0"/>
             <a:fld id="{5ADDB20C-1774-4B16-9666-0BE66B3E81AC}" type="datetime1">
               <a:rPr lang="fr-FR" noProof="0" smtClean="0"/>
-              <a:t>08/04/2022</a:t>
+              <a:t>11/04/2022</a:t>
             </a:fld>
             <a:endParaRPr lang="fr-FR" noProof="0"/>
           </a:p>
@@ -8079,7 +8079,7 @@
             <a:pPr rtl="0"/>
             <a:fld id="{1F37DF42-8FE2-4196-B087-A644399BE082}" type="datetime1">
               <a:rPr lang="fr-FR" noProof="0" smtClean="0"/>
-              <a:t>08/04/2022</a:t>
+              <a:t>11/04/2022</a:t>
             </a:fld>
             <a:endParaRPr lang="fr-FR" noProof="0"/>
           </a:p>
@@ -8288,7 +8288,7 @@
             <a:pPr rtl="0"/>
             <a:fld id="{BF2D40E6-123C-44C7-96E6-E5EB17E95AC5}" type="datetime1">
               <a:rPr lang="fr-FR" noProof="0" smtClean="0"/>
-              <a:t>08/04/2022</a:t>
+              <a:t>11/04/2022</a:t>
             </a:fld>
             <a:endParaRPr lang="fr-FR" noProof="0"/>
           </a:p>
@@ -8470,7 +8470,7 @@
             <a:pPr rtl="0"/>
             <a:fld id="{A9AA5441-00F0-4727-A8C3-46A783FC5724}" type="datetime1">
               <a:rPr lang="fr-FR" noProof="0" smtClean="0"/>
-              <a:t>08/04/2022</a:t>
+              <a:t>11/04/2022</a:t>
             </a:fld>
             <a:endParaRPr lang="fr-FR" noProof="0"/>
           </a:p>
@@ -8807,7 +8807,7 @@
             <a:pPr rtl="0"/>
             <a:fld id="{C032274E-A475-49B8-A4A0-80F13BCA3C3A}" type="datetime1">
               <a:rPr lang="fr-FR" noProof="0" smtClean="0"/>
-              <a:t>08/04/2022</a:t>
+              <a:t>11/04/2022</a:t>
             </a:fld>
             <a:endParaRPr lang="fr-FR" noProof="0"/>
           </a:p>
@@ -9156,7 +9156,7 @@
             <a:pPr rtl="0"/>
             <a:fld id="{F9CED46A-8872-470A-807E-03961E183B93}" type="datetime1">
               <a:rPr lang="fr-FR" noProof="0" smtClean="0"/>
-              <a:t>08/04/2022</a:t>
+              <a:t>11/04/2022</a:t>
             </a:fld>
             <a:endParaRPr lang="fr-FR" noProof="0"/>
           </a:p>
@@ -11214,7 +11214,7 @@
             <a:pPr rtl="0"/>
             <a:fld id="{BF2D40E6-123C-44C7-96E6-E5EB17E95AC5}" type="datetime1">
               <a:rPr lang="fr-FR" noProof="0" smtClean="0"/>
-              <a:t>08/04/2022</a:t>
+              <a:t>11/04/2022</a:t>
             </a:fld>
             <a:endParaRPr lang="fr-FR" noProof="0"/>
           </a:p>
@@ -12507,13 +12507,8 @@
           <a:p>
             <a:r>
               <a:rPr lang="fr-FR" dirty="0"/>
-              <a:t>Cas </a:t>
+              <a:t>Cas d’utilisation : Gestion des taches</a:t>
             </a:r>
-            <a:r>
-              <a:rPr lang="fr-FR" dirty="0"/>
-              <a:t>d’utilisation : Gestion des taches</a:t>
-            </a:r>
-            <a:endParaRPr lang="fr-FR" dirty="0"/>
           </a:p>
         </p:txBody>
       </p:sp>
@@ -13154,6 +13149,30 @@
           <a:xfrm>
             <a:off x="6905590" y="1276667"/>
             <a:ext cx="4295775" cy="1400175"/>
+          </a:xfrm>
+          <a:prstGeom prst="rect">
+            <a:avLst/>
+          </a:prstGeom>
+        </p:spPr>
+      </p:pic>
+      <p:pic>
+        <p:nvPicPr>
+          <p:cNvPr id="3" name="Image 2"/>
+          <p:cNvPicPr>
+            <a:picLocks noChangeAspect="1"/>
+          </p:cNvPicPr>
+          <p:nvPr/>
+        </p:nvPicPr>
+        <p:blipFill>
+          <a:blip r:embed="rId4"/>
+          <a:stretch>
+            <a:fillRect/>
+          </a:stretch>
+        </p:blipFill>
+        <p:spPr>
+          <a:xfrm>
+            <a:off x="6905590" y="2820648"/>
+            <a:ext cx="1800225" cy="1552575"/>
           </a:xfrm>
           <a:prstGeom prst="rect">
             <a:avLst/>
@@ -14567,20 +14586,20 @@
 </file>
 
 <file path=customXml/item2.xml><?xml version="1.0" encoding="utf-8"?>
-<p:properties xmlns:p="http://schemas.microsoft.com/office/2006/metadata/properties" xmlns:xsi="http://www.w3.org/2001/XMLSchema-instance" xmlns:pc="http://schemas.microsoft.com/office/infopath/2007/PartnerControls">
-  <documentManagement>
-    <MediaServiceKeyPoints xmlns="71af3243-3dd4-4a8d-8c0d-dd76da1f02a5" xsi:nil="true"/>
-  </documentManagement>
-</p:properties>
-</file>
-
-<file path=customXml/item3.xml><?xml version="1.0" encoding="utf-8"?>
 <?mso-contentType ?>
 <FormTemplates xmlns="http://schemas.microsoft.com/sharepoint/v3/contenttype/forms">
   <Display>DocumentLibraryForm</Display>
   <Edit>DocumentLibraryForm</Edit>
   <New>DocumentLibraryForm</New>
 </FormTemplates>
+</file>
+
+<file path=customXml/item3.xml><?xml version="1.0" encoding="utf-8"?>
+<p:properties xmlns:p="http://schemas.microsoft.com/office/2006/metadata/properties" xmlns:xsi="http://www.w3.org/2001/XMLSchema-instance" xmlns:pc="http://schemas.microsoft.com/office/infopath/2007/PartnerControls">
+  <documentManagement>
+    <MediaServiceKeyPoints xmlns="71af3243-3dd4-4a8d-8c0d-dd76da1f02a5" xsi:nil="true"/>
+  </documentManagement>
+</p:properties>
 </file>
 
 <file path=customXml/itemProps1.xml><?xml version="1.0" encoding="utf-8"?>
@@ -14603,6 +14622,14 @@
 </file>
 
 <file path=customXml/itemProps2.xml><?xml version="1.0" encoding="utf-8"?>
+<ds:datastoreItem xmlns:ds="http://schemas.openxmlformats.org/officeDocument/2006/customXml" ds:itemID="{507C3E52-A0B1-49C0-88BD-66B715EE8BB7}">
+  <ds:schemaRefs>
+    <ds:schemaRef ds:uri="http://schemas.microsoft.com/sharepoint/v3/contenttype/forms"/>
+  </ds:schemaRefs>
+</ds:datastoreItem>
+</file>
+
+<file path=customXml/itemProps3.xml><?xml version="1.0" encoding="utf-8"?>
 <ds:datastoreItem xmlns:ds="http://schemas.openxmlformats.org/officeDocument/2006/customXml" ds:itemID="{CCB8F5F2-61AB-4CE6-A5E3-F34B87B0EE42}">
   <ds:schemaRefs>
     <ds:schemaRef ds:uri="http://schemas.microsoft.com/office/2006/documentManagement/types"/>
@@ -14617,12 +14644,4 @@
     <ds:schemaRef ds:uri="http://purl.org/dc/dcmitype/"/>
   </ds:schemaRefs>
 </ds:datastoreItem>
-</file>
-
-<file path=customXml/itemProps3.xml><?xml version="1.0" encoding="utf-8"?>
-<ds:datastoreItem xmlns:ds="http://schemas.openxmlformats.org/officeDocument/2006/customXml" ds:itemID="{507C3E52-A0B1-49C0-88BD-66B715EE8BB7}">
-  <ds:schemaRefs>
-    <ds:schemaRef ds:uri="http://schemas.microsoft.com/sharepoint/v3/contenttype/forms"/>
-  </ds:schemaRefs>
-</ds:datastoreItem>
 </file>
--- a/Documentation/TODO.pptx
+++ b/Documentation/TODO.pptx
@@ -5,10 +5,10 @@
     <p:sldMasterId id="2147483818" r:id="rId4"/>
   </p:sldMasterIdLst>
   <p:notesMasterIdLst>
-    <p:notesMasterId r:id="rId17"/>
+    <p:notesMasterId r:id="rId18"/>
   </p:notesMasterIdLst>
   <p:handoutMasterIdLst>
-    <p:handoutMasterId r:id="rId18"/>
+    <p:handoutMasterId r:id="rId19"/>
   </p:handoutMasterIdLst>
   <p:sldIdLst>
     <p:sldId id="268" r:id="rId5"/>
@@ -22,7 +22,8 @@
     <p:sldId id="283" r:id="rId13"/>
     <p:sldId id="284" r:id="rId14"/>
     <p:sldId id="285" r:id="rId15"/>
-    <p:sldId id="282" r:id="rId16"/>
+    <p:sldId id="286" r:id="rId16"/>
+    <p:sldId id="282" r:id="rId17"/>
   </p:sldIdLst>
   <p:sldSz cx="12192000" cy="6858000"/>
   <p:notesSz cx="6858000" cy="9144000"/>
@@ -4143,7 +4144,7 @@
           <a:p>
             <a:fld id="{319E0709-8032-4F3E-A041-680E7FBB13CC}" type="slidenum">
               <a:rPr lang="fr-FR" noProof="0" smtClean="0"/>
-              <a:t>12</a:t>
+              <a:t>13</a:t>
             </a:fld>
             <a:endParaRPr lang="fr-FR" noProof="0"/>
           </a:p>
@@ -12084,6 +12085,255 @@
 </file>
 
 <file path=ppt/slides/slide12.xml><?xml version="1.0" encoding="utf-8"?>
+<p:sld xmlns:a="http://schemas.openxmlformats.org/drawingml/2006/main" xmlns:r="http://schemas.openxmlformats.org/officeDocument/2006/relationships" xmlns:p="http://schemas.openxmlformats.org/presentationml/2006/main">
+  <p:cSld>
+    <p:spTree>
+      <p:nvGrpSpPr>
+        <p:cNvPr id="1" name=""/>
+        <p:cNvGrpSpPr/>
+        <p:nvPr/>
+      </p:nvGrpSpPr>
+      <p:grpSpPr>
+        <a:xfrm>
+          <a:off x="0" y="0"/>
+          <a:ext cx="0" cy="0"/>
+          <a:chOff x="0" y="0"/>
+          <a:chExt cx="0" cy="0"/>
+        </a:xfrm>
+      </p:grpSpPr>
+      <p:sp>
+        <p:nvSpPr>
+          <p:cNvPr id="5" name="Titre 1">
+            <a:extLst>
+              <a:ext uri="{FF2B5EF4-FFF2-40B4-BE49-F238E27FC236}">
+                <a16:creationId xmlns:a16="http://schemas.microsoft.com/office/drawing/2014/main" id="{23F6D5E8-15CF-4755-910B-1B5A1E777357}"/>
+              </a:ext>
+            </a:extLst>
+          </p:cNvPr>
+          <p:cNvSpPr>
+            <a:spLocks noGrp="1"/>
+          </p:cNvSpPr>
+          <p:nvPr>
+            <p:ph type="title"/>
+          </p:nvPr>
+        </p:nvSpPr>
+        <p:spPr>
+          <a:xfrm>
+            <a:off x="1619182" y="130052"/>
+            <a:ext cx="10572817" cy="1280890"/>
+          </a:xfrm>
+        </p:spPr>
+        <p:txBody>
+          <a:bodyPr rtlCol="0">
+            <a:normAutofit/>
+          </a:bodyPr>
+          <a:lstStyle/>
+          <a:p>
+            <a:pPr rtl="0"/>
+            <a:r>
+              <a:rPr lang="fr-FR" dirty="0" smtClean="0"/>
+              <a:t/>
+            </a:r>
+            <a:br>
+              <a:rPr lang="fr-FR" dirty="0" smtClean="0"/>
+            </a:br>
+            <a:r>
+              <a:rPr lang="fr-FR" dirty="0" err="1" smtClean="0"/>
+              <a:t>COntribuer</a:t>
+            </a:r>
+            <a:endParaRPr lang="fr-FR" dirty="0"/>
+          </a:p>
+        </p:txBody>
+      </p:sp>
+      <p:sp>
+        <p:nvSpPr>
+          <p:cNvPr id="2" name="Rectangle 1"/>
+          <p:cNvSpPr/>
+          <p:nvPr/>
+        </p:nvSpPr>
+        <p:spPr>
+          <a:xfrm>
+            <a:off x="3048000" y="2395384"/>
+            <a:ext cx="6096000" cy="2067233"/>
+          </a:xfrm>
+          <a:prstGeom prst="rect">
+            <a:avLst/>
+          </a:prstGeom>
+        </p:spPr>
+        <p:txBody>
+          <a:bodyPr>
+            <a:spAutoFit/>
+          </a:bodyPr>
+          <a:lstStyle/>
+          <a:p>
+            <a:pPr fontAlgn="auto">
+              <a:lnSpc>
+                <a:spcPts val="1425"/>
+              </a:lnSpc>
+              <a:spcAft>
+                <a:spcPts val="0"/>
+              </a:spcAft>
+            </a:pPr>
+            <a:r>
+              <a:rPr lang="fr-FR" kern="0" dirty="0">
+                <a:solidFill>
+                  <a:srgbClr val="D4D4D4"/>
+                </a:solidFill>
+                <a:latin typeface="Consolas" panose="020B0609020204030204" pitchFamily="49" charset="0"/>
+                <a:ea typeface="Times New Roman" panose="02020603050405020304" pitchFamily="18" charset="0"/>
+                <a:cs typeface="Times New Roman" panose="02020603050405020304" pitchFamily="18" charset="0"/>
+              </a:rPr>
+              <a:t>- Ajouter un espace membre / profil utilisateur, avec statistique des taches de l’utilisateur</a:t>
+            </a:r>
+            <a:endParaRPr lang="fr-FR" sz="2400" kern="150" dirty="0">
+              <a:latin typeface="Liberation Serif"/>
+              <a:ea typeface="SimSun" panose="02010600030101010101" pitchFamily="2" charset="-122"/>
+              <a:cs typeface="Lucida Sans"/>
+            </a:endParaRPr>
+          </a:p>
+          <a:p>
+            <a:pPr fontAlgn="auto">
+              <a:lnSpc>
+                <a:spcPts val="1425"/>
+              </a:lnSpc>
+              <a:spcAft>
+                <a:spcPts val="0"/>
+              </a:spcAft>
+            </a:pPr>
+            <a:r>
+              <a:rPr lang="fr-FR" kern="0" dirty="0">
+                <a:solidFill>
+                  <a:srgbClr val="D4D4D4"/>
+                </a:solidFill>
+                <a:latin typeface="Consolas" panose="020B0609020204030204" pitchFamily="49" charset="0"/>
+                <a:ea typeface="Times New Roman" panose="02020603050405020304" pitchFamily="18" charset="0"/>
+                <a:cs typeface="Times New Roman" panose="02020603050405020304" pitchFamily="18" charset="0"/>
+              </a:rPr>
+              <a:t>    - Permettre l’ajout de nouvelle catégorie (ex : Taches mises en attente, taches abandonnés, …</a:t>
+            </a:r>
+            <a:r>
+              <a:rPr lang="fr-FR" kern="0" dirty="0" err="1">
+                <a:solidFill>
+                  <a:srgbClr val="D4D4D4"/>
+                </a:solidFill>
+                <a:latin typeface="Consolas" panose="020B0609020204030204" pitchFamily="49" charset="0"/>
+                <a:ea typeface="Times New Roman" panose="02020603050405020304" pitchFamily="18" charset="0"/>
+                <a:cs typeface="Times New Roman" panose="02020603050405020304" pitchFamily="18" charset="0"/>
+              </a:rPr>
+              <a:t>etc</a:t>
+            </a:r>
+            <a:r>
+              <a:rPr lang="fr-FR" kern="0" dirty="0">
+                <a:solidFill>
+                  <a:srgbClr val="D4D4D4"/>
+                </a:solidFill>
+                <a:latin typeface="Consolas" panose="020B0609020204030204" pitchFamily="49" charset="0"/>
+                <a:ea typeface="Times New Roman" panose="02020603050405020304" pitchFamily="18" charset="0"/>
+                <a:cs typeface="Times New Roman" panose="02020603050405020304" pitchFamily="18" charset="0"/>
+              </a:rPr>
+              <a:t>)</a:t>
+            </a:r>
+            <a:endParaRPr lang="fr-FR" sz="2400" kern="150" dirty="0">
+              <a:latin typeface="Liberation Serif"/>
+              <a:ea typeface="SimSun" panose="02010600030101010101" pitchFamily="2" charset="-122"/>
+              <a:cs typeface="Lucida Sans"/>
+            </a:endParaRPr>
+          </a:p>
+          <a:p>
+            <a:pPr fontAlgn="auto">
+              <a:lnSpc>
+                <a:spcPts val="1425"/>
+              </a:lnSpc>
+              <a:spcAft>
+                <a:spcPts val="0"/>
+              </a:spcAft>
+            </a:pPr>
+            <a:r>
+              <a:rPr lang="fr-FR" kern="0" dirty="0">
+                <a:solidFill>
+                  <a:srgbClr val="D4D4D4"/>
+                </a:solidFill>
+                <a:latin typeface="Consolas" panose="020B0609020204030204" pitchFamily="49" charset="0"/>
+                <a:ea typeface="Times New Roman" panose="02020603050405020304" pitchFamily="18" charset="0"/>
+                <a:cs typeface="Times New Roman" panose="02020603050405020304" pitchFamily="18" charset="0"/>
+              </a:rPr>
+              <a:t>    - Ajout Date de fin prévisionnelle, date de fin effective, archivage ancienne taches</a:t>
+            </a:r>
+            <a:endParaRPr lang="fr-FR" sz="2400" kern="150" dirty="0">
+              <a:latin typeface="Liberation Serif"/>
+              <a:ea typeface="SimSun" panose="02010600030101010101" pitchFamily="2" charset="-122"/>
+              <a:cs typeface="Lucida Sans"/>
+            </a:endParaRPr>
+          </a:p>
+          <a:p>
+            <a:pPr fontAlgn="auto">
+              <a:lnSpc>
+                <a:spcPts val="1425"/>
+              </a:lnSpc>
+              <a:spcAft>
+                <a:spcPts val="0"/>
+              </a:spcAft>
+            </a:pPr>
+            <a:r>
+              <a:rPr lang="fr-FR" kern="0" dirty="0">
+                <a:solidFill>
+                  <a:srgbClr val="D4D4D4"/>
+                </a:solidFill>
+                <a:latin typeface="Consolas" panose="020B0609020204030204" pitchFamily="49" charset="0"/>
+                <a:ea typeface="Times New Roman" panose="02020603050405020304" pitchFamily="18" charset="0"/>
+                <a:cs typeface="Times New Roman" panose="02020603050405020304" pitchFamily="18" charset="0"/>
+              </a:rPr>
+              <a:t>    - Passage à Symfony 6</a:t>
+            </a:r>
+            <a:endParaRPr lang="fr-FR" sz="2400" kern="150" dirty="0">
+              <a:latin typeface="Liberation Serif"/>
+              <a:ea typeface="SimSun" panose="02010600030101010101" pitchFamily="2" charset="-122"/>
+              <a:cs typeface="Lucida Sans"/>
+            </a:endParaRPr>
+          </a:p>
+          <a:p>
+            <a:pPr fontAlgn="auto">
+              <a:lnSpc>
+                <a:spcPts val="1425"/>
+              </a:lnSpc>
+              <a:spcAft>
+                <a:spcPts val="0"/>
+              </a:spcAft>
+            </a:pPr>
+            <a:r>
+              <a:rPr lang="fr-FR" kern="0" dirty="0">
+                <a:solidFill>
+                  <a:srgbClr val="D4D4D4"/>
+                </a:solidFill>
+                <a:latin typeface="Consolas" panose="020B0609020204030204" pitchFamily="49" charset="0"/>
+                <a:ea typeface="Times New Roman" panose="02020603050405020304" pitchFamily="18" charset="0"/>
+                <a:cs typeface="Times New Roman" panose="02020603050405020304" pitchFamily="18" charset="0"/>
+              </a:rPr>
+              <a:t>    - Optimisation des Templates (Trop de lignes de code)</a:t>
+            </a:r>
+            <a:endParaRPr lang="fr-FR" sz="2400" kern="150" dirty="0">
+              <a:effectLst/>
+              <a:latin typeface="Liberation Serif"/>
+              <a:ea typeface="SimSun" panose="02010600030101010101" pitchFamily="2" charset="-122"/>
+              <a:cs typeface="Lucida Sans"/>
+            </a:endParaRPr>
+          </a:p>
+        </p:txBody>
+      </p:sp>
+    </p:spTree>
+    <p:extLst>
+      <p:ext uri="{BB962C8B-B14F-4D97-AF65-F5344CB8AC3E}">
+        <p14:creationId xmlns:p14="http://schemas.microsoft.com/office/powerpoint/2010/main" val="3690938419"/>
+      </p:ext>
+    </p:extLst>
+  </p:cSld>
+  <p:clrMapOvr>
+    <a:masterClrMapping/>
+  </p:clrMapOvr>
+</p:sld>
+</file>
+
+<file path=ppt/slides/slide13.xml><?xml version="1.0" encoding="utf-8"?>
 <p:sld xmlns:a="http://schemas.openxmlformats.org/drawingml/2006/main" xmlns:r="http://schemas.openxmlformats.org/officeDocument/2006/relationships" xmlns:p="http://schemas.openxmlformats.org/presentationml/2006/main">
   <p:cSld>
     <p:bg>
@@ -14586,20 +14836,20 @@
 </file>
 
 <file path=customXml/item2.xml><?xml version="1.0" encoding="utf-8"?>
+<p:properties xmlns:p="http://schemas.microsoft.com/office/2006/metadata/properties" xmlns:xsi="http://www.w3.org/2001/XMLSchema-instance" xmlns:pc="http://schemas.microsoft.com/office/infopath/2007/PartnerControls">
+  <documentManagement>
+    <MediaServiceKeyPoints xmlns="71af3243-3dd4-4a8d-8c0d-dd76da1f02a5" xsi:nil="true"/>
+  </documentManagement>
+</p:properties>
+</file>
+
+<file path=customXml/item3.xml><?xml version="1.0" encoding="utf-8"?>
 <?mso-contentType ?>
 <FormTemplates xmlns="http://schemas.microsoft.com/sharepoint/v3/contenttype/forms">
   <Display>DocumentLibraryForm</Display>
   <Edit>DocumentLibraryForm</Edit>
   <New>DocumentLibraryForm</New>
 </FormTemplates>
-</file>
-
-<file path=customXml/item3.xml><?xml version="1.0" encoding="utf-8"?>
-<p:properties xmlns:p="http://schemas.microsoft.com/office/2006/metadata/properties" xmlns:xsi="http://www.w3.org/2001/XMLSchema-instance" xmlns:pc="http://schemas.microsoft.com/office/infopath/2007/PartnerControls">
-  <documentManagement>
-    <MediaServiceKeyPoints xmlns="71af3243-3dd4-4a8d-8c0d-dd76da1f02a5" xsi:nil="true"/>
-  </documentManagement>
-</p:properties>
 </file>
 
 <file path=customXml/itemProps1.xml><?xml version="1.0" encoding="utf-8"?>
@@ -14622,14 +14872,6 @@
 </file>
 
 <file path=customXml/itemProps2.xml><?xml version="1.0" encoding="utf-8"?>
-<ds:datastoreItem xmlns:ds="http://schemas.openxmlformats.org/officeDocument/2006/customXml" ds:itemID="{507C3E52-A0B1-49C0-88BD-66B715EE8BB7}">
-  <ds:schemaRefs>
-    <ds:schemaRef ds:uri="http://schemas.microsoft.com/sharepoint/v3/contenttype/forms"/>
-  </ds:schemaRefs>
-</ds:datastoreItem>
-</file>
-
-<file path=customXml/itemProps3.xml><?xml version="1.0" encoding="utf-8"?>
 <ds:datastoreItem xmlns:ds="http://schemas.openxmlformats.org/officeDocument/2006/customXml" ds:itemID="{CCB8F5F2-61AB-4CE6-A5E3-F34B87B0EE42}">
   <ds:schemaRefs>
     <ds:schemaRef ds:uri="http://schemas.microsoft.com/office/2006/documentManagement/types"/>
@@ -14644,4 +14886,12 @@
     <ds:schemaRef ds:uri="http://purl.org/dc/dcmitype/"/>
   </ds:schemaRefs>
 </ds:datastoreItem>
+</file>
+
+<file path=customXml/itemProps3.xml><?xml version="1.0" encoding="utf-8"?>
+<ds:datastoreItem xmlns:ds="http://schemas.openxmlformats.org/officeDocument/2006/customXml" ds:itemID="{507C3E52-A0B1-49C0-88BD-66B715EE8BB7}">
+  <ds:schemaRefs>
+    <ds:schemaRef ds:uri="http://schemas.microsoft.com/sharepoint/v3/contenttype/forms"/>
+  </ds:schemaRefs>
+</ds:datastoreItem>
 </file>
--- a/Documentation/TODO.pptx
+++ b/Documentation/TODO.pptx
@@ -5,25 +5,26 @@
     <p:sldMasterId id="2147483818" r:id="rId4"/>
   </p:sldMasterIdLst>
   <p:notesMasterIdLst>
-    <p:notesMasterId r:id="rId18"/>
+    <p:notesMasterId r:id="rId19"/>
   </p:notesMasterIdLst>
   <p:handoutMasterIdLst>
-    <p:handoutMasterId r:id="rId19"/>
+    <p:handoutMasterId r:id="rId20"/>
   </p:handoutMasterIdLst>
   <p:sldIdLst>
     <p:sldId id="268" r:id="rId5"/>
     <p:sldId id="269" r:id="rId6"/>
-    <p:sldId id="273" r:id="rId7"/>
-    <p:sldId id="276" r:id="rId8"/>
-    <p:sldId id="267" r:id="rId9"/>
-    <p:sldId id="279" r:id="rId10"/>
-    <p:sldId id="280" r:id="rId11"/>
-    <p:sldId id="281" r:id="rId12"/>
-    <p:sldId id="283" r:id="rId13"/>
-    <p:sldId id="284" r:id="rId14"/>
-    <p:sldId id="285" r:id="rId15"/>
-    <p:sldId id="286" r:id="rId16"/>
-    <p:sldId id="282" r:id="rId17"/>
+    <p:sldId id="287" r:id="rId7"/>
+    <p:sldId id="273" r:id="rId8"/>
+    <p:sldId id="276" r:id="rId9"/>
+    <p:sldId id="267" r:id="rId10"/>
+    <p:sldId id="279" r:id="rId11"/>
+    <p:sldId id="280" r:id="rId12"/>
+    <p:sldId id="281" r:id="rId13"/>
+    <p:sldId id="283" r:id="rId14"/>
+    <p:sldId id="284" r:id="rId15"/>
+    <p:sldId id="285" r:id="rId16"/>
+    <p:sldId id="286" r:id="rId17"/>
+    <p:sldId id="282" r:id="rId18"/>
   </p:sldIdLst>
   <p:sldSz cx="12192000" cy="6858000"/>
   <p:notesSz cx="6858000" cy="9144000"/>
@@ -915,6 +916,788 @@
 </dgm:colorsDef>
 </file>
 
+<file path=ppt/diagrams/colors2.xml><?xml version="1.0" encoding="utf-8"?>
+<dgm:colorsDef xmlns:dgm="http://schemas.openxmlformats.org/drawingml/2006/diagram" xmlns:a="http://schemas.openxmlformats.org/drawingml/2006/main" uniqueId="urn:microsoft.com/office/officeart/2005/8/colors/colorful2">
+  <dgm:title val=""/>
+  <dgm:desc val=""/>
+  <dgm:catLst>
+    <dgm:cat type="colorful" pri="10200"/>
+  </dgm:catLst>
+  <dgm:styleLbl name="node0">
+    <dgm:fillClrLst meth="repeat">
+      <a:schemeClr val="accent1"/>
+    </dgm:fillClrLst>
+    <dgm:linClrLst meth="repeat">
+      <a:schemeClr val="lt1"/>
+    </dgm:linClrLst>
+    <dgm:effectClrLst/>
+    <dgm:txLinClrLst/>
+    <dgm:txFillClrLst/>
+    <dgm:txEffectClrLst/>
+  </dgm:styleLbl>
+  <dgm:styleLbl name="node1">
+    <dgm:fillClrLst>
+      <a:schemeClr val="accent2"/>
+      <a:schemeClr val="accent3"/>
+    </dgm:fillClrLst>
+    <dgm:linClrLst meth="repeat">
+      <a:schemeClr val="lt1"/>
+    </dgm:linClrLst>
+    <dgm:effectClrLst/>
+    <dgm:txLinClrLst/>
+    <dgm:txFillClrLst/>
+    <dgm:txEffectClrLst/>
+  </dgm:styleLbl>
+  <dgm:styleLbl name="alignNode1">
+    <dgm:fillClrLst>
+      <a:schemeClr val="accent2"/>
+      <a:schemeClr val="accent3"/>
+    </dgm:fillClrLst>
+    <dgm:linClrLst>
+      <a:schemeClr val="accent2"/>
+      <a:schemeClr val="accent3"/>
+    </dgm:linClrLst>
+    <dgm:effectClrLst/>
+    <dgm:txLinClrLst/>
+    <dgm:txFillClrLst/>
+    <dgm:txEffectClrLst/>
+  </dgm:styleLbl>
+  <dgm:styleLbl name="lnNode1">
+    <dgm:fillClrLst>
+      <a:schemeClr val="accent2"/>
+      <a:schemeClr val="accent3"/>
+    </dgm:fillClrLst>
+    <dgm:linClrLst meth="repeat">
+      <a:schemeClr val="lt1"/>
+    </dgm:linClrLst>
+    <dgm:effectClrLst/>
+    <dgm:txLinClrLst/>
+    <dgm:txFillClrLst/>
+    <dgm:txEffectClrLst/>
+  </dgm:styleLbl>
+  <dgm:styleLbl name="vennNode1">
+    <dgm:fillClrLst>
+      <a:schemeClr val="accent2">
+        <a:alpha val="50000"/>
+      </a:schemeClr>
+      <a:schemeClr val="accent3">
+        <a:alpha val="50000"/>
+      </a:schemeClr>
+    </dgm:fillClrLst>
+    <dgm:linClrLst meth="repeat">
+      <a:schemeClr val="lt1"/>
+    </dgm:linClrLst>
+    <dgm:effectClrLst/>
+    <dgm:txLinClrLst/>
+    <dgm:txFillClrLst/>
+    <dgm:txEffectClrLst/>
+  </dgm:styleLbl>
+  <dgm:styleLbl name="node2">
+    <dgm:fillClrLst>
+      <a:schemeClr val="accent3"/>
+    </dgm:fillClrLst>
+    <dgm:linClrLst meth="repeat">
+      <a:schemeClr val="lt1"/>
+    </dgm:linClrLst>
+    <dgm:effectClrLst/>
+    <dgm:txLinClrLst/>
+    <dgm:txFillClrLst/>
+    <dgm:txEffectClrLst/>
+  </dgm:styleLbl>
+  <dgm:styleLbl name="node3">
+    <dgm:fillClrLst>
+      <a:schemeClr val="accent4"/>
+    </dgm:fillClrLst>
+    <dgm:linClrLst meth="repeat">
+      <a:schemeClr val="lt1"/>
+    </dgm:linClrLst>
+    <dgm:effectClrLst/>
+    <dgm:txLinClrLst/>
+    <dgm:txFillClrLst/>
+    <dgm:txEffectClrLst/>
+  </dgm:styleLbl>
+  <dgm:styleLbl name="node4">
+    <dgm:fillClrLst>
+      <a:schemeClr val="accent5"/>
+    </dgm:fillClrLst>
+    <dgm:linClrLst meth="repeat">
+      <a:schemeClr val="lt1"/>
+    </dgm:linClrLst>
+    <dgm:effectClrLst/>
+    <dgm:txLinClrLst/>
+    <dgm:txFillClrLst/>
+    <dgm:txEffectClrLst/>
+  </dgm:styleLbl>
+  <dgm:styleLbl name="fgImgPlace1">
+    <dgm:fillClrLst>
+      <a:schemeClr val="accent2">
+        <a:tint val="50000"/>
+      </a:schemeClr>
+      <a:schemeClr val="accent3">
+        <a:tint val="50000"/>
+      </a:schemeClr>
+    </dgm:fillClrLst>
+    <dgm:linClrLst meth="repeat">
+      <a:schemeClr val="lt1"/>
+    </dgm:linClrLst>
+    <dgm:effectClrLst/>
+    <dgm:txLinClrLst/>
+    <dgm:txFillClrLst meth="repeat">
+      <a:schemeClr val="lt1"/>
+    </dgm:txFillClrLst>
+    <dgm:txEffectClrLst/>
+  </dgm:styleLbl>
+  <dgm:styleLbl name="alignImgPlace1">
+    <dgm:fillClrLst>
+      <a:schemeClr val="accent2">
+        <a:tint val="50000"/>
+      </a:schemeClr>
+      <a:schemeClr val="accent3">
+        <a:tint val="20000"/>
+      </a:schemeClr>
+    </dgm:fillClrLst>
+    <dgm:linClrLst meth="repeat">
+      <a:schemeClr val="lt1"/>
+    </dgm:linClrLst>
+    <dgm:effectClrLst/>
+    <dgm:txLinClrLst/>
+    <dgm:txFillClrLst meth="repeat">
+      <a:schemeClr val="lt1"/>
+    </dgm:txFillClrLst>
+    <dgm:txEffectClrLst/>
+  </dgm:styleLbl>
+  <dgm:styleLbl name="bgImgPlace1">
+    <dgm:fillClrLst>
+      <a:schemeClr val="accent2">
+        <a:tint val="50000"/>
+      </a:schemeClr>
+      <a:schemeClr val="accent3">
+        <a:tint val="20000"/>
+      </a:schemeClr>
+    </dgm:fillClrLst>
+    <dgm:linClrLst meth="repeat">
+      <a:schemeClr val="lt1"/>
+    </dgm:linClrLst>
+    <dgm:effectClrLst/>
+    <dgm:txLinClrLst/>
+    <dgm:txFillClrLst meth="repeat">
+      <a:schemeClr val="lt1"/>
+    </dgm:txFillClrLst>
+    <dgm:txEffectClrLst/>
+  </dgm:styleLbl>
+  <dgm:styleLbl name="sibTrans2D1">
+    <dgm:fillClrLst>
+      <a:schemeClr val="accent2"/>
+      <a:schemeClr val="accent3"/>
+    </dgm:fillClrLst>
+    <dgm:linClrLst meth="repeat">
+      <a:schemeClr val="lt1"/>
+    </dgm:linClrLst>
+    <dgm:effectClrLst/>
+    <dgm:txLinClrLst/>
+    <dgm:txFillClrLst/>
+    <dgm:txEffectClrLst/>
+  </dgm:styleLbl>
+  <dgm:styleLbl name="fgSibTrans2D1">
+    <dgm:fillClrLst>
+      <a:schemeClr val="accent2"/>
+      <a:schemeClr val="accent3"/>
+    </dgm:fillClrLst>
+    <dgm:linClrLst meth="repeat">
+      <a:schemeClr val="lt1"/>
+    </dgm:linClrLst>
+    <dgm:effectClrLst/>
+    <dgm:txLinClrLst/>
+    <dgm:txFillClrLst meth="repeat">
+      <a:schemeClr val="lt1"/>
+    </dgm:txFillClrLst>
+    <dgm:txEffectClrLst/>
+  </dgm:styleLbl>
+  <dgm:styleLbl name="bgSibTrans2D1">
+    <dgm:fillClrLst>
+      <a:schemeClr val="accent2"/>
+      <a:schemeClr val="accent3"/>
+    </dgm:fillClrLst>
+    <dgm:linClrLst meth="repeat">
+      <a:schemeClr val="lt1"/>
+    </dgm:linClrLst>
+    <dgm:effectClrLst/>
+    <dgm:txLinClrLst/>
+    <dgm:txFillClrLst meth="repeat">
+      <a:schemeClr val="lt1"/>
+    </dgm:txFillClrLst>
+    <dgm:txEffectClrLst/>
+  </dgm:styleLbl>
+  <dgm:styleLbl name="sibTrans1D1">
+    <dgm:fillClrLst/>
+    <dgm:linClrLst>
+      <a:schemeClr val="accent2"/>
+      <a:schemeClr val="accent3"/>
+    </dgm:linClrLst>
+    <dgm:effectClrLst/>
+    <dgm:txLinClrLst/>
+    <dgm:txFillClrLst meth="repeat">
+      <a:schemeClr val="tx1"/>
+    </dgm:txFillClrLst>
+    <dgm:txEffectClrLst/>
+  </dgm:styleLbl>
+  <dgm:styleLbl name="callout">
+    <dgm:fillClrLst meth="repeat">
+      <a:schemeClr val="accent2"/>
+    </dgm:fillClrLst>
+    <dgm:linClrLst meth="repeat">
+      <a:schemeClr val="accent2">
+        <a:tint val="50000"/>
+      </a:schemeClr>
+    </dgm:linClrLst>
+    <dgm:effectClrLst/>
+    <dgm:txLinClrLst/>
+    <dgm:txFillClrLst meth="repeat">
+      <a:schemeClr val="tx1"/>
+    </dgm:txFillClrLst>
+    <dgm:txEffectClrLst/>
+  </dgm:styleLbl>
+  <dgm:styleLbl name="asst0">
+    <dgm:fillClrLst meth="repeat">
+      <a:schemeClr val="accent2"/>
+    </dgm:fillClrLst>
+    <dgm:linClrLst meth="repeat">
+      <a:schemeClr val="lt1">
+        <a:shade val="80000"/>
+      </a:schemeClr>
+    </dgm:linClrLst>
+    <dgm:effectClrLst/>
+    <dgm:txLinClrLst/>
+    <dgm:txFillClrLst/>
+    <dgm:txEffectClrLst/>
+  </dgm:styleLbl>
+  <dgm:styleLbl name="asst1">
+    <dgm:fillClrLst meth="repeat">
+      <a:schemeClr val="accent3"/>
+    </dgm:fillClrLst>
+    <dgm:linClrLst meth="repeat">
+      <a:schemeClr val="lt1">
+        <a:shade val="80000"/>
+      </a:schemeClr>
+    </dgm:linClrLst>
+    <dgm:effectClrLst/>
+    <dgm:txLinClrLst/>
+    <dgm:txFillClrLst/>
+    <dgm:txEffectClrLst/>
+  </dgm:styleLbl>
+  <dgm:styleLbl name="asst2">
+    <dgm:fillClrLst>
+      <a:schemeClr val="accent4"/>
+    </dgm:fillClrLst>
+    <dgm:linClrLst meth="repeat">
+      <a:schemeClr val="lt1"/>
+    </dgm:linClrLst>
+    <dgm:effectClrLst/>
+    <dgm:txLinClrLst/>
+    <dgm:txFillClrLst/>
+    <dgm:txEffectClrLst/>
+  </dgm:styleLbl>
+  <dgm:styleLbl name="asst3">
+    <dgm:fillClrLst>
+      <a:schemeClr val="accent5"/>
+    </dgm:fillClrLst>
+    <dgm:linClrLst meth="repeat">
+      <a:schemeClr val="lt1"/>
+    </dgm:linClrLst>
+    <dgm:effectClrLst/>
+    <dgm:txLinClrLst/>
+    <dgm:txFillClrLst/>
+    <dgm:txEffectClrLst/>
+  </dgm:styleLbl>
+  <dgm:styleLbl name="asst4">
+    <dgm:fillClrLst>
+      <a:schemeClr val="accent6"/>
+    </dgm:fillClrLst>
+    <dgm:linClrLst meth="repeat">
+      <a:schemeClr val="lt1"/>
+    </dgm:linClrLst>
+    <dgm:effectClrLst/>
+    <dgm:txLinClrLst/>
+    <dgm:txFillClrLst/>
+    <dgm:txEffectClrLst/>
+  </dgm:styleLbl>
+  <dgm:styleLbl name="parChTrans2D1">
+    <dgm:fillClrLst meth="repeat">
+      <a:schemeClr val="accent2"/>
+    </dgm:fillClrLst>
+    <dgm:linClrLst meth="repeat">
+      <a:schemeClr val="lt1"/>
+    </dgm:linClrLst>
+    <dgm:effectClrLst/>
+    <dgm:txLinClrLst/>
+    <dgm:txFillClrLst meth="repeat">
+      <a:schemeClr val="lt1"/>
+    </dgm:txFillClrLst>
+    <dgm:txEffectClrLst/>
+  </dgm:styleLbl>
+  <dgm:styleLbl name="parChTrans2D2">
+    <dgm:fillClrLst meth="repeat">
+      <a:schemeClr val="accent3"/>
+    </dgm:fillClrLst>
+    <dgm:linClrLst meth="repeat">
+      <a:schemeClr val="lt1"/>
+    </dgm:linClrLst>
+    <dgm:effectClrLst/>
+    <dgm:txLinClrLst/>
+    <dgm:txFillClrLst/>
+    <dgm:txEffectClrLst/>
+  </dgm:styleLbl>
+  <dgm:styleLbl name="parChTrans2D3">
+    <dgm:fillClrLst meth="repeat">
+      <a:schemeClr val="accent4"/>
+    </dgm:fillClrLst>
+    <dgm:linClrLst meth="repeat">
+      <a:schemeClr val="lt1"/>
+    </dgm:linClrLst>
+    <dgm:effectClrLst/>
+    <dgm:txLinClrLst/>
+    <dgm:txFillClrLst/>
+    <dgm:txEffectClrLst/>
+  </dgm:styleLbl>
+  <dgm:styleLbl name="parChTrans2D4">
+    <dgm:fillClrLst meth="repeat">
+      <a:schemeClr val="accent5"/>
+    </dgm:fillClrLst>
+    <dgm:linClrLst meth="repeat">
+      <a:schemeClr val="lt1"/>
+    </dgm:linClrLst>
+    <dgm:effectClrLst/>
+    <dgm:txLinClrLst/>
+    <dgm:txFillClrLst meth="repeat">
+      <a:schemeClr val="lt1"/>
+    </dgm:txFillClrLst>
+    <dgm:txEffectClrLst/>
+  </dgm:styleLbl>
+  <dgm:styleLbl name="parChTrans1D1">
+    <dgm:fillClrLst meth="repeat">
+      <a:schemeClr val="accent2"/>
+    </dgm:fillClrLst>
+    <dgm:linClrLst meth="repeat">
+      <a:schemeClr val="accent2"/>
+    </dgm:linClrLst>
+    <dgm:effectClrLst/>
+    <dgm:txLinClrLst/>
+    <dgm:txFillClrLst meth="repeat">
+      <a:schemeClr val="tx1"/>
+    </dgm:txFillClrLst>
+    <dgm:txEffectClrLst/>
+  </dgm:styleLbl>
+  <dgm:styleLbl name="parChTrans1D2">
+    <dgm:fillClrLst meth="repeat">
+      <a:schemeClr val="accent2">
+        <a:tint val="90000"/>
+      </a:schemeClr>
+    </dgm:fillClrLst>
+    <dgm:linClrLst meth="repeat">
+      <a:schemeClr val="accent3"/>
+    </dgm:linClrLst>
+    <dgm:effectClrLst/>
+    <dgm:txLinClrLst/>
+    <dgm:txFillClrLst meth="repeat">
+      <a:schemeClr val="tx1"/>
+    </dgm:txFillClrLst>
+    <dgm:txEffectClrLst/>
+  </dgm:styleLbl>
+  <dgm:styleLbl name="parChTrans1D3">
+    <dgm:fillClrLst meth="repeat">
+      <a:schemeClr val="accent2">
+        <a:tint val="70000"/>
+      </a:schemeClr>
+    </dgm:fillClrLst>
+    <dgm:linClrLst meth="repeat">
+      <a:schemeClr val="accent4"/>
+    </dgm:linClrLst>
+    <dgm:effectClrLst/>
+    <dgm:txLinClrLst/>
+    <dgm:txFillClrLst meth="repeat">
+      <a:schemeClr val="tx1"/>
+    </dgm:txFillClrLst>
+    <dgm:txEffectClrLst/>
+  </dgm:styleLbl>
+  <dgm:styleLbl name="parChTrans1D4">
+    <dgm:fillClrLst meth="repeat">
+      <a:schemeClr val="accent2">
+        <a:tint val="50000"/>
+      </a:schemeClr>
+    </dgm:fillClrLst>
+    <dgm:linClrLst meth="repeat">
+      <a:schemeClr val="accent5"/>
+    </dgm:linClrLst>
+    <dgm:effectClrLst/>
+    <dgm:txLinClrLst/>
+    <dgm:txFillClrLst meth="repeat">
+      <a:schemeClr val="tx1"/>
+    </dgm:txFillClrLst>
+    <dgm:txEffectClrLst/>
+  </dgm:styleLbl>
+  <dgm:styleLbl name="fgAcc1">
+    <dgm:fillClrLst meth="repeat">
+      <a:schemeClr val="lt1">
+        <a:alpha val="90000"/>
+      </a:schemeClr>
+    </dgm:fillClrLst>
+    <dgm:linClrLst>
+      <a:schemeClr val="accent2"/>
+      <a:schemeClr val="accent3"/>
+    </dgm:linClrLst>
+    <dgm:effectClrLst/>
+    <dgm:txLinClrLst/>
+    <dgm:txFillClrLst meth="repeat">
+      <a:schemeClr val="dk1"/>
+    </dgm:txFillClrLst>
+    <dgm:txEffectClrLst/>
+  </dgm:styleLbl>
+  <dgm:styleLbl name="conFgAcc1">
+    <dgm:fillClrLst meth="repeat">
+      <a:schemeClr val="lt1">
+        <a:alpha val="90000"/>
+      </a:schemeClr>
+    </dgm:fillClrLst>
+    <dgm:linClrLst>
+      <a:schemeClr val="accent2"/>
+      <a:schemeClr val="accent3"/>
+    </dgm:linClrLst>
+    <dgm:effectClrLst/>
+    <dgm:txLinClrLst/>
+    <dgm:txFillClrLst meth="repeat">
+      <a:schemeClr val="dk1"/>
+    </dgm:txFillClrLst>
+    <dgm:txEffectClrLst/>
+  </dgm:styleLbl>
+  <dgm:styleLbl name="alignAcc1">
+    <dgm:fillClrLst meth="repeat">
+      <a:schemeClr val="lt1">
+        <a:alpha val="90000"/>
+      </a:schemeClr>
+    </dgm:fillClrLst>
+    <dgm:linClrLst>
+      <a:schemeClr val="accent2"/>
+      <a:schemeClr val="accent3"/>
+    </dgm:linClrLst>
+    <dgm:effectClrLst/>
+    <dgm:txLinClrLst/>
+    <dgm:txFillClrLst meth="repeat">
+      <a:schemeClr val="dk1"/>
+    </dgm:txFillClrLst>
+    <dgm:txEffectClrLst/>
+  </dgm:styleLbl>
+  <dgm:styleLbl name="trAlignAcc1">
+    <dgm:fillClrLst meth="repeat">
+      <a:schemeClr val="lt1">
+        <a:alpha val="40000"/>
+      </a:schemeClr>
+    </dgm:fillClrLst>
+    <dgm:linClrLst meth="repeat">
+      <a:schemeClr val="accent2"/>
+    </dgm:linClrLst>
+    <dgm:effectClrLst/>
+    <dgm:txLinClrLst/>
+    <dgm:txFillClrLst meth="repeat">
+      <a:schemeClr val="dk1"/>
+    </dgm:txFillClrLst>
+    <dgm:txEffectClrLst/>
+  </dgm:styleLbl>
+  <dgm:styleLbl name="bgAcc1">
+    <dgm:fillClrLst meth="repeat">
+      <a:schemeClr val="lt1">
+        <a:alpha val="90000"/>
+      </a:schemeClr>
+    </dgm:fillClrLst>
+    <dgm:linClrLst>
+      <a:schemeClr val="accent2"/>
+      <a:schemeClr val="accent3"/>
+    </dgm:linClrLst>
+    <dgm:effectClrLst/>
+    <dgm:txLinClrLst/>
+    <dgm:txFillClrLst meth="repeat">
+      <a:schemeClr val="dk1"/>
+    </dgm:txFillClrLst>
+    <dgm:txEffectClrLst/>
+  </dgm:styleLbl>
+  <dgm:styleLbl name="solidFgAcc1">
+    <dgm:fillClrLst meth="repeat">
+      <a:schemeClr val="lt1"/>
+    </dgm:fillClrLst>
+    <dgm:linClrLst>
+      <a:schemeClr val="accent2"/>
+      <a:schemeClr val="accent3"/>
+    </dgm:linClrLst>
+    <dgm:effectClrLst/>
+    <dgm:txLinClrLst/>
+    <dgm:txFillClrLst meth="repeat">
+      <a:schemeClr val="dk1"/>
+    </dgm:txFillClrLst>
+    <dgm:txEffectClrLst/>
+  </dgm:styleLbl>
+  <dgm:styleLbl name="solidAlignAcc1">
+    <dgm:fillClrLst meth="repeat">
+      <a:schemeClr val="lt1"/>
+    </dgm:fillClrLst>
+    <dgm:linClrLst>
+      <a:schemeClr val="accent2"/>
+      <a:schemeClr val="accent3"/>
+    </dgm:linClrLst>
+    <dgm:effectClrLst/>
+    <dgm:txLinClrLst/>
+    <dgm:txFillClrLst meth="repeat">
+      <a:schemeClr val="dk1"/>
+    </dgm:txFillClrLst>
+    <dgm:txEffectClrLst/>
+  </dgm:styleLbl>
+  <dgm:styleLbl name="solidBgAcc1">
+    <dgm:fillClrLst meth="repeat">
+      <a:schemeClr val="lt1"/>
+    </dgm:fillClrLst>
+    <dgm:linClrLst>
+      <a:schemeClr val="accent2"/>
+      <a:schemeClr val="accent3"/>
+    </dgm:linClrLst>
+    <dgm:effectClrLst/>
+    <dgm:txLinClrLst/>
+    <dgm:txFillClrLst meth="repeat">
+      <a:schemeClr val="dk1"/>
+    </dgm:txFillClrLst>
+    <dgm:txEffectClrLst/>
+  </dgm:styleLbl>
+  <dgm:styleLbl name="fgAccFollowNode1">
+    <dgm:fillClrLst>
+      <a:schemeClr val="accent2">
+        <a:tint val="40000"/>
+        <a:alpha val="90000"/>
+      </a:schemeClr>
+      <a:schemeClr val="accent3">
+        <a:tint val="40000"/>
+        <a:alpha val="90000"/>
+      </a:schemeClr>
+    </dgm:fillClrLst>
+    <dgm:linClrLst>
+      <a:schemeClr val="accent2">
+        <a:tint val="40000"/>
+        <a:alpha val="90000"/>
+      </a:schemeClr>
+      <a:schemeClr val="accent3">
+        <a:tint val="40000"/>
+        <a:alpha val="90000"/>
+      </a:schemeClr>
+    </dgm:linClrLst>
+    <dgm:effectClrLst/>
+    <dgm:txLinClrLst/>
+    <dgm:txFillClrLst meth="repeat">
+      <a:schemeClr val="dk1"/>
+    </dgm:txFillClrLst>
+    <dgm:txEffectClrLst/>
+  </dgm:styleLbl>
+  <dgm:styleLbl name="alignAccFollowNode1">
+    <dgm:fillClrLst>
+      <a:schemeClr val="accent2">
+        <a:tint val="40000"/>
+        <a:alpha val="90000"/>
+      </a:schemeClr>
+      <a:schemeClr val="accent3">
+        <a:tint val="40000"/>
+        <a:alpha val="90000"/>
+      </a:schemeClr>
+    </dgm:fillClrLst>
+    <dgm:linClrLst>
+      <a:schemeClr val="accent2">
+        <a:tint val="40000"/>
+        <a:alpha val="90000"/>
+      </a:schemeClr>
+      <a:schemeClr val="accent3">
+        <a:tint val="40000"/>
+        <a:alpha val="90000"/>
+      </a:schemeClr>
+    </dgm:linClrLst>
+    <dgm:effectClrLst/>
+    <dgm:txLinClrLst/>
+    <dgm:txFillClrLst meth="repeat">
+      <a:schemeClr val="dk1"/>
+    </dgm:txFillClrLst>
+    <dgm:txEffectClrLst/>
+  </dgm:styleLbl>
+  <dgm:styleLbl name="bgAccFollowNode1">
+    <dgm:fillClrLst>
+      <a:schemeClr val="accent2">
+        <a:tint val="40000"/>
+        <a:alpha val="90000"/>
+      </a:schemeClr>
+      <a:schemeClr val="accent3">
+        <a:tint val="40000"/>
+        <a:alpha val="90000"/>
+      </a:schemeClr>
+    </dgm:fillClrLst>
+    <dgm:linClrLst>
+      <a:schemeClr val="accent2">
+        <a:tint val="40000"/>
+        <a:alpha val="90000"/>
+      </a:schemeClr>
+      <a:schemeClr val="accent3">
+        <a:tint val="40000"/>
+        <a:alpha val="90000"/>
+      </a:schemeClr>
+    </dgm:linClrLst>
+    <dgm:effectClrLst/>
+    <dgm:txLinClrLst/>
+    <dgm:txFillClrLst meth="repeat">
+      <a:schemeClr val="dk1"/>
+    </dgm:txFillClrLst>
+    <dgm:txEffectClrLst/>
+  </dgm:styleLbl>
+  <dgm:styleLbl name="fgAcc0">
+    <dgm:fillClrLst meth="repeat">
+      <a:schemeClr val="lt1">
+        <a:alpha val="90000"/>
+      </a:schemeClr>
+    </dgm:fillClrLst>
+    <dgm:linClrLst>
+      <a:schemeClr val="accent1"/>
+    </dgm:linClrLst>
+    <dgm:effectClrLst/>
+    <dgm:txLinClrLst/>
+    <dgm:txFillClrLst meth="repeat">
+      <a:schemeClr val="dk1"/>
+    </dgm:txFillClrLst>
+    <dgm:txEffectClrLst/>
+  </dgm:styleLbl>
+  <dgm:styleLbl name="fgAcc2">
+    <dgm:fillClrLst meth="repeat">
+      <a:schemeClr val="lt1">
+        <a:alpha val="90000"/>
+      </a:schemeClr>
+    </dgm:fillClrLst>
+    <dgm:linClrLst>
+      <a:schemeClr val="accent3"/>
+    </dgm:linClrLst>
+    <dgm:effectClrLst/>
+    <dgm:txLinClrLst/>
+    <dgm:txFillClrLst meth="repeat">
+      <a:schemeClr val="dk1"/>
+    </dgm:txFillClrLst>
+    <dgm:txEffectClrLst/>
+  </dgm:styleLbl>
+  <dgm:styleLbl name="fgAcc3">
+    <dgm:fillClrLst meth="repeat">
+      <a:schemeClr val="lt1">
+        <a:alpha val="90000"/>
+      </a:schemeClr>
+    </dgm:fillClrLst>
+    <dgm:linClrLst>
+      <a:schemeClr val="accent4"/>
+    </dgm:linClrLst>
+    <dgm:effectClrLst/>
+    <dgm:txLinClrLst/>
+    <dgm:txFillClrLst meth="repeat">
+      <a:schemeClr val="dk1"/>
+    </dgm:txFillClrLst>
+    <dgm:txEffectClrLst/>
+  </dgm:styleLbl>
+  <dgm:styleLbl name="fgAcc4">
+    <dgm:fillClrLst meth="repeat">
+      <a:schemeClr val="lt1">
+        <a:alpha val="90000"/>
+      </a:schemeClr>
+    </dgm:fillClrLst>
+    <dgm:linClrLst>
+      <a:schemeClr val="accent5"/>
+    </dgm:linClrLst>
+    <dgm:effectClrLst/>
+    <dgm:txLinClrLst/>
+    <dgm:txFillClrLst meth="repeat">
+      <a:schemeClr val="dk1"/>
+    </dgm:txFillClrLst>
+    <dgm:txEffectClrLst/>
+  </dgm:styleLbl>
+  <dgm:styleLbl name="bgShp">
+    <dgm:fillClrLst meth="repeat">
+      <a:schemeClr val="accent2">
+        <a:tint val="40000"/>
+      </a:schemeClr>
+    </dgm:fillClrLst>
+    <dgm:linClrLst meth="repeat">
+      <a:schemeClr val="dk1"/>
+    </dgm:linClrLst>
+    <dgm:effectClrLst/>
+    <dgm:txLinClrLst/>
+    <dgm:txFillClrLst meth="repeat">
+      <a:schemeClr val="dk1"/>
+    </dgm:txFillClrLst>
+    <dgm:txEffectClrLst/>
+  </dgm:styleLbl>
+  <dgm:styleLbl name="dkBgShp">
+    <dgm:fillClrLst meth="repeat">
+      <a:schemeClr val="accent2">
+        <a:shade val="90000"/>
+      </a:schemeClr>
+    </dgm:fillClrLst>
+    <dgm:linClrLst meth="repeat">
+      <a:schemeClr val="dk1"/>
+    </dgm:linClrLst>
+    <dgm:effectClrLst/>
+    <dgm:txLinClrLst/>
+    <dgm:txFillClrLst meth="repeat">
+      <a:schemeClr val="lt1"/>
+    </dgm:txFillClrLst>
+    <dgm:txEffectClrLst/>
+  </dgm:styleLbl>
+  <dgm:styleLbl name="trBgShp">
+    <dgm:fillClrLst meth="repeat">
+      <a:schemeClr val="accent2">
+        <a:tint val="50000"/>
+        <a:alpha val="40000"/>
+      </a:schemeClr>
+    </dgm:fillClrLst>
+    <dgm:linClrLst meth="repeat">
+      <a:schemeClr val="accent2"/>
+    </dgm:linClrLst>
+    <dgm:effectClrLst/>
+    <dgm:txLinClrLst/>
+    <dgm:txFillClrLst meth="repeat">
+      <a:schemeClr val="lt1"/>
+    </dgm:txFillClrLst>
+    <dgm:txEffectClrLst/>
+  </dgm:styleLbl>
+  <dgm:styleLbl name="fgShp">
+    <dgm:fillClrLst meth="repeat">
+      <a:schemeClr val="accent2">
+        <a:tint val="40000"/>
+      </a:schemeClr>
+    </dgm:fillClrLst>
+    <dgm:linClrLst meth="repeat">
+      <a:schemeClr val="lt1"/>
+    </dgm:linClrLst>
+    <dgm:effectClrLst/>
+    <dgm:txLinClrLst/>
+    <dgm:txFillClrLst meth="repeat">
+      <a:schemeClr val="dk1"/>
+    </dgm:txFillClrLst>
+    <dgm:txEffectClrLst/>
+  </dgm:styleLbl>
+  <dgm:styleLbl name="revTx">
+    <dgm:fillClrLst meth="repeat">
+      <a:schemeClr val="lt1">
+        <a:alpha val="0"/>
+      </a:schemeClr>
+    </dgm:fillClrLst>
+    <dgm:linClrLst meth="repeat">
+      <a:schemeClr val="dk1">
+        <a:alpha val="0"/>
+      </a:schemeClr>
+    </dgm:linClrLst>
+    <dgm:effectClrLst/>
+    <dgm:txLinClrLst/>
+    <dgm:txFillClrLst meth="repeat">
+      <a:schemeClr val="tx1"/>
+    </dgm:txFillClrLst>
+    <dgm:txEffectClrLst/>
+  </dgm:styleLbl>
+</dgm:colorsDef>
+</file>
+
 <file path=ppt/diagrams/data1.xml><?xml version="1.0" encoding="utf-8"?>
 <dgm:dataModel xmlns:dgm="http://schemas.openxmlformats.org/drawingml/2006/diagram" xmlns:a="http://schemas.openxmlformats.org/drawingml/2006/main">
   <dgm:ptLst>
@@ -940,7 +1723,7 @@
           <a:pPr rtl="0"/>
           <a:r>
             <a:rPr lang="fr-FR" b="0" i="0" dirty="0" smtClean="0"/>
-            <a:t>Implémentation de nouvelles fonctionnalités ;</a:t>
+            <a:t>Implémentation de nouvelles fonctionnalités </a:t>
           </a:r>
           <a:endParaRPr lang="fr-FR" b="0" noProof="0" dirty="0"/>
         </a:p>
@@ -1021,6 +1804,265 @@
           <a:r>
             <a:rPr lang="fr-FR" b="0" i="0" dirty="0" smtClean="0"/>
             <a:t>Implémentation de tests automatisés.</a:t>
+          </a:r>
+          <a:endParaRPr lang="fr-FR" noProof="0" dirty="0"/>
+        </a:p>
+      </dgm:t>
+    </dgm:pt>
+    <dgm:pt modelId="{3D674B97-6DC6-4A12-85BA-0976D3064237}" type="parTrans" cxnId="{4B40C8DC-6B57-4F5B-8440-7241C649700B}">
+      <dgm:prSet/>
+      <dgm:spPr/>
+      <dgm:t>
+        <a:bodyPr rtlCol="0"/>
+        <a:lstStyle/>
+        <a:p>
+          <a:pPr rtl="0"/>
+          <a:endParaRPr lang="fr-FR" sz="700" noProof="0" dirty="0"/>
+        </a:p>
+      </dgm:t>
+    </dgm:pt>
+    <dgm:pt modelId="{BFE0749E-E343-4A6F-BD09-2810EE6B4BD7}" type="sibTrans" cxnId="{4B40C8DC-6B57-4F5B-8440-7241C649700B}">
+      <dgm:prSet phldrT="3"/>
+      <dgm:spPr/>
+      <dgm:t>
+        <a:bodyPr rtlCol="0"/>
+        <a:lstStyle/>
+        <a:p>
+          <a:pPr rtl="0"/>
+          <a:endParaRPr lang="fr-FR" noProof="0" dirty="0"/>
+        </a:p>
+      </dgm:t>
+    </dgm:pt>
+    <dgm:pt modelId="{05CB8F5C-D395-AD40-BBD9-53369BE84640}" type="pres">
+      <dgm:prSet presAssocID="{D4503D04-C97E-4622-AE07-D0307CB3B4CA}" presName="vert0" presStyleCnt="0">
+        <dgm:presLayoutVars>
+          <dgm:dir/>
+          <dgm:animOne val="branch"/>
+          <dgm:animLvl val="lvl"/>
+        </dgm:presLayoutVars>
+      </dgm:prSet>
+      <dgm:spPr/>
+      <dgm:t>
+        <a:bodyPr/>
+        <a:lstStyle/>
+        <a:p>
+          <a:endParaRPr lang="fr-FR"/>
+        </a:p>
+      </dgm:t>
+    </dgm:pt>
+    <dgm:pt modelId="{15F5B303-C42A-0F46-B1B4-9FC2C90E8F5B}" type="pres">
+      <dgm:prSet presAssocID="{AAC263CB-8256-4B03-92FE-1622698FB3E9}" presName="thickLine" presStyleLbl="alignNode1" presStyleIdx="0" presStyleCnt="3"/>
+      <dgm:spPr/>
+    </dgm:pt>
+    <dgm:pt modelId="{8991E26A-5377-6C4C-8ACE-EF7A7F0A5D91}" type="pres">
+      <dgm:prSet presAssocID="{AAC263CB-8256-4B03-92FE-1622698FB3E9}" presName="horz1" presStyleCnt="0"/>
+      <dgm:spPr/>
+    </dgm:pt>
+    <dgm:pt modelId="{ADE9C513-F9D6-7C40-9628-67B2B6D9AAB3}" type="pres">
+      <dgm:prSet presAssocID="{AAC263CB-8256-4B03-92FE-1622698FB3E9}" presName="tx1" presStyleLbl="revTx" presStyleIdx="0" presStyleCnt="3"/>
+      <dgm:spPr/>
+      <dgm:t>
+        <a:bodyPr/>
+        <a:lstStyle/>
+        <a:p>
+          <a:endParaRPr lang="fr-FR"/>
+        </a:p>
+      </dgm:t>
+    </dgm:pt>
+    <dgm:pt modelId="{5EBEDC1B-DA6E-E346-9EA8-82F9E7C92E5D}" type="pres">
+      <dgm:prSet presAssocID="{AAC263CB-8256-4B03-92FE-1622698FB3E9}" presName="vert1" presStyleCnt="0"/>
+      <dgm:spPr/>
+    </dgm:pt>
+    <dgm:pt modelId="{B6682269-A845-6E41-9BE5-F15128675201}" type="pres">
+      <dgm:prSet presAssocID="{4E8D2E69-0173-4BD3-B96A-7A9C5DD12B47}" presName="thickLine" presStyleLbl="alignNode1" presStyleIdx="1" presStyleCnt="3"/>
+      <dgm:spPr/>
+    </dgm:pt>
+    <dgm:pt modelId="{B6250893-DD69-9641-83FE-37FE4BA6A95F}" type="pres">
+      <dgm:prSet presAssocID="{4E8D2E69-0173-4BD3-B96A-7A9C5DD12B47}" presName="horz1" presStyleCnt="0"/>
+      <dgm:spPr/>
+    </dgm:pt>
+    <dgm:pt modelId="{C98F729D-14CA-1448-A52F-24A02E051745}" type="pres">
+      <dgm:prSet presAssocID="{4E8D2E69-0173-4BD3-B96A-7A9C5DD12B47}" presName="tx1" presStyleLbl="revTx" presStyleIdx="1" presStyleCnt="3"/>
+      <dgm:spPr/>
+      <dgm:t>
+        <a:bodyPr/>
+        <a:lstStyle/>
+        <a:p>
+          <a:endParaRPr lang="fr-FR"/>
+        </a:p>
+      </dgm:t>
+    </dgm:pt>
+    <dgm:pt modelId="{A5761775-219E-F647-B0FE-73507CBA0C1C}" type="pres">
+      <dgm:prSet presAssocID="{4E8D2E69-0173-4BD3-B96A-7A9C5DD12B47}" presName="vert1" presStyleCnt="0"/>
+      <dgm:spPr/>
+    </dgm:pt>
+    <dgm:pt modelId="{D1894A20-DB91-634C-8782-9C8A13103FF6}" type="pres">
+      <dgm:prSet presAssocID="{93A6A030-ABAB-4EFA-B539-0FDB3E07C1EF}" presName="thickLine" presStyleLbl="alignNode1" presStyleIdx="2" presStyleCnt="3"/>
+      <dgm:spPr/>
+    </dgm:pt>
+    <dgm:pt modelId="{853F3E66-3B0E-C841-98D5-6802A7A2E4A8}" type="pres">
+      <dgm:prSet presAssocID="{93A6A030-ABAB-4EFA-B539-0FDB3E07C1EF}" presName="horz1" presStyleCnt="0"/>
+      <dgm:spPr/>
+    </dgm:pt>
+    <dgm:pt modelId="{B705F7BA-757C-6549-9C73-2326015D6723}" type="pres">
+      <dgm:prSet presAssocID="{93A6A030-ABAB-4EFA-B539-0FDB3E07C1EF}" presName="tx1" presStyleLbl="revTx" presStyleIdx="2" presStyleCnt="3"/>
+      <dgm:spPr/>
+      <dgm:t>
+        <a:bodyPr/>
+        <a:lstStyle/>
+        <a:p>
+          <a:endParaRPr lang="fr-FR"/>
+        </a:p>
+      </dgm:t>
+    </dgm:pt>
+    <dgm:pt modelId="{9AF48A18-E74E-3E43-BCF5-5CD009AF2410}" type="pres">
+      <dgm:prSet presAssocID="{93A6A030-ABAB-4EFA-B539-0FDB3E07C1EF}" presName="vert1" presStyleCnt="0"/>
+      <dgm:spPr/>
+    </dgm:pt>
+  </dgm:ptLst>
+  <dgm:cxnLst>
+    <dgm:cxn modelId="{6B5095C9-0410-4AA3-B27B-9F5461D584A9}" type="presOf" srcId="{AAC263CB-8256-4B03-92FE-1622698FB3E9}" destId="{ADE9C513-F9D6-7C40-9628-67B2B6D9AAB3}" srcOrd="0" destOrd="0" presId="urn:microsoft.com/office/officeart/2008/layout/LinedList"/>
+    <dgm:cxn modelId="{4B40C8DC-6B57-4F5B-8440-7241C649700B}" srcId="{D4503D04-C97E-4622-AE07-D0307CB3B4CA}" destId="{93A6A030-ABAB-4EFA-B539-0FDB3E07C1EF}" srcOrd="2" destOrd="0" parTransId="{3D674B97-6DC6-4A12-85BA-0976D3064237}" sibTransId="{BFE0749E-E343-4A6F-BD09-2810EE6B4BD7}"/>
+    <dgm:cxn modelId="{C5E94186-9CB6-4C42-92B3-C546CC53A7B9}" srcId="{D4503D04-C97E-4622-AE07-D0307CB3B4CA}" destId="{AAC263CB-8256-4B03-92FE-1622698FB3E9}" srcOrd="0" destOrd="0" parTransId="{0BEED663-FC38-4EAD-940F-4C475D2C87DB}" sibTransId="{808B76D0-8EC7-469A-93AC-7A6017188A9D}"/>
+    <dgm:cxn modelId="{5DCD85D4-C9AC-4FF9-8CF7-75A1DB339DF0}" type="presOf" srcId="{4E8D2E69-0173-4BD3-B96A-7A9C5DD12B47}" destId="{C98F729D-14CA-1448-A52F-24A02E051745}" srcOrd="0" destOrd="0" presId="urn:microsoft.com/office/officeart/2008/layout/LinedList"/>
+    <dgm:cxn modelId="{1C480D9B-BFFF-487A-A296-1909F8771784}" type="presOf" srcId="{93A6A030-ABAB-4EFA-B539-0FDB3E07C1EF}" destId="{B705F7BA-757C-6549-9C73-2326015D6723}" srcOrd="0" destOrd="0" presId="urn:microsoft.com/office/officeart/2008/layout/LinedList"/>
+    <dgm:cxn modelId="{0F866C41-EB5F-47BD-A2CD-A58671F15B67}" srcId="{D4503D04-C97E-4622-AE07-D0307CB3B4CA}" destId="{4E8D2E69-0173-4BD3-B96A-7A9C5DD12B47}" srcOrd="1" destOrd="0" parTransId="{B954BF22-E3B3-4A1C-802E-590228BE2D9C}" sibTransId="{FEF1E80E-8A9E-4B0A-817C-2A4CFDCF3FB2}"/>
+    <dgm:cxn modelId="{B961F658-1A01-419D-8829-C19CF33B683E}" type="presOf" srcId="{D4503D04-C97E-4622-AE07-D0307CB3B4CA}" destId="{05CB8F5C-D395-AD40-BBD9-53369BE84640}" srcOrd="0" destOrd="0" presId="urn:microsoft.com/office/officeart/2008/layout/LinedList"/>
+    <dgm:cxn modelId="{305B609F-F4D4-467A-8D6C-0CE8327B5064}" type="presParOf" srcId="{05CB8F5C-D395-AD40-BBD9-53369BE84640}" destId="{15F5B303-C42A-0F46-B1B4-9FC2C90E8F5B}" srcOrd="0" destOrd="0" presId="urn:microsoft.com/office/officeart/2008/layout/LinedList"/>
+    <dgm:cxn modelId="{1FF3B57A-B3B2-47B4-BF99-6BF3AE14355A}" type="presParOf" srcId="{05CB8F5C-D395-AD40-BBD9-53369BE84640}" destId="{8991E26A-5377-6C4C-8ACE-EF7A7F0A5D91}" srcOrd="1" destOrd="0" presId="urn:microsoft.com/office/officeart/2008/layout/LinedList"/>
+    <dgm:cxn modelId="{CD6252FF-5568-41D9-9B28-4FA46E8379E2}" type="presParOf" srcId="{8991E26A-5377-6C4C-8ACE-EF7A7F0A5D91}" destId="{ADE9C513-F9D6-7C40-9628-67B2B6D9AAB3}" srcOrd="0" destOrd="0" presId="urn:microsoft.com/office/officeart/2008/layout/LinedList"/>
+    <dgm:cxn modelId="{0C3480C7-7EF3-4C7D-9287-C263F3299DD2}" type="presParOf" srcId="{8991E26A-5377-6C4C-8ACE-EF7A7F0A5D91}" destId="{5EBEDC1B-DA6E-E346-9EA8-82F9E7C92E5D}" srcOrd="1" destOrd="0" presId="urn:microsoft.com/office/officeart/2008/layout/LinedList"/>
+    <dgm:cxn modelId="{3F16D9FD-91FC-4C5A-990C-0E6B40BC39BE}" type="presParOf" srcId="{05CB8F5C-D395-AD40-BBD9-53369BE84640}" destId="{B6682269-A845-6E41-9BE5-F15128675201}" srcOrd="2" destOrd="0" presId="urn:microsoft.com/office/officeart/2008/layout/LinedList"/>
+    <dgm:cxn modelId="{93551DAF-37A9-4B0F-88D7-C532A565C645}" type="presParOf" srcId="{05CB8F5C-D395-AD40-BBD9-53369BE84640}" destId="{B6250893-DD69-9641-83FE-37FE4BA6A95F}" srcOrd="3" destOrd="0" presId="urn:microsoft.com/office/officeart/2008/layout/LinedList"/>
+    <dgm:cxn modelId="{43B49782-15C2-457E-B349-A76A5BAAE1D0}" type="presParOf" srcId="{B6250893-DD69-9641-83FE-37FE4BA6A95F}" destId="{C98F729D-14CA-1448-A52F-24A02E051745}" srcOrd="0" destOrd="0" presId="urn:microsoft.com/office/officeart/2008/layout/LinedList"/>
+    <dgm:cxn modelId="{13E09BE0-0395-431C-8941-FB9DA6C3A9C0}" type="presParOf" srcId="{B6250893-DD69-9641-83FE-37FE4BA6A95F}" destId="{A5761775-219E-F647-B0FE-73507CBA0C1C}" srcOrd="1" destOrd="0" presId="urn:microsoft.com/office/officeart/2008/layout/LinedList"/>
+    <dgm:cxn modelId="{7C47D258-CADF-4379-ACB0-53035ABF9896}" type="presParOf" srcId="{05CB8F5C-D395-AD40-BBD9-53369BE84640}" destId="{D1894A20-DB91-634C-8782-9C8A13103FF6}" srcOrd="4" destOrd="0" presId="urn:microsoft.com/office/officeart/2008/layout/LinedList"/>
+    <dgm:cxn modelId="{52191ABC-F4E2-49BC-8DF8-7052F5A8B576}" type="presParOf" srcId="{05CB8F5C-D395-AD40-BBD9-53369BE84640}" destId="{853F3E66-3B0E-C841-98D5-6802A7A2E4A8}" srcOrd="5" destOrd="0" presId="urn:microsoft.com/office/officeart/2008/layout/LinedList"/>
+    <dgm:cxn modelId="{380DD7A1-93C9-4F55-AC16-9C70BD97C3A4}" type="presParOf" srcId="{853F3E66-3B0E-C841-98D5-6802A7A2E4A8}" destId="{B705F7BA-757C-6549-9C73-2326015D6723}" srcOrd="0" destOrd="0" presId="urn:microsoft.com/office/officeart/2008/layout/LinedList"/>
+    <dgm:cxn modelId="{C1A29389-0FA5-45C7-9310-044A512177EB}" type="presParOf" srcId="{853F3E66-3B0E-C841-98D5-6802A7A2E4A8}" destId="{9AF48A18-E74E-3E43-BCF5-5CD009AF2410}" srcOrd="1" destOrd="0" presId="urn:microsoft.com/office/officeart/2008/layout/LinedList"/>
+  </dgm:cxnLst>
+  <dgm:bg>
+    <a:noFill/>
+  </dgm:bg>
+  <dgm:whole/>
+  <dgm:extLst>
+    <a:ext uri="http://schemas.microsoft.com/office/drawing/2008/diagram">
+      <dsp:dataModelExt xmlns:dsp="http://schemas.microsoft.com/office/drawing/2008/diagram" relId="rId7" minVer="http://schemas.openxmlformats.org/drawingml/2006/diagram"/>
+    </a:ext>
+  </dgm:extLst>
+</dgm:dataModel>
+</file>
+
+<file path=ppt/diagrams/data2.xml><?xml version="1.0" encoding="utf-8"?>
+<dgm:dataModel xmlns:dgm="http://schemas.openxmlformats.org/drawingml/2006/diagram" xmlns:a="http://schemas.openxmlformats.org/drawingml/2006/main">
+  <dgm:ptLst>
+    <dgm:pt modelId="{D4503D04-C97E-4622-AE07-D0307CB3B4CA}" type="doc">
+      <dgm:prSet loTypeId="urn:microsoft.com/office/officeart/2008/layout/LinedList" loCatId="cycle" qsTypeId="urn:microsoft.com/office/officeart/2005/8/quickstyle/simple3" qsCatId="simple" csTypeId="urn:microsoft.com/office/officeart/2005/8/colors/colorful2" csCatId="colorful" phldr="1"/>
+      <dgm:spPr/>
+      <dgm:t>
+        <a:bodyPr rtlCol="0"/>
+        <a:lstStyle/>
+        <a:p>
+          <a:pPr rtl="0"/>
+          <a:endParaRPr lang="en-US"/>
+        </a:p>
+      </dgm:t>
+    </dgm:pt>
+    <dgm:pt modelId="{AAC263CB-8256-4B03-92FE-1622698FB3E9}">
+      <dgm:prSet/>
+      <dgm:spPr/>
+      <dgm:t>
+        <a:bodyPr rtlCol="0" anchor="ctr"/>
+        <a:lstStyle/>
+        <a:p>
+          <a:pPr rtl="0"/>
+          <a:r>
+            <a:rPr lang="fr-FR" b="0" i="0" dirty="0" smtClean="0"/>
+            <a:t>Relier les taches aux utilisateurs</a:t>
+          </a:r>
+          <a:endParaRPr lang="fr-FR" b="0" noProof="0" dirty="0"/>
+        </a:p>
+      </dgm:t>
+    </dgm:pt>
+    <dgm:pt modelId="{0BEED663-FC38-4EAD-940F-4C475D2C87DB}" type="parTrans" cxnId="{C5E94186-9CB6-4C42-92B3-C546CC53A7B9}">
+      <dgm:prSet/>
+      <dgm:spPr/>
+      <dgm:t>
+        <a:bodyPr rtlCol="0"/>
+        <a:lstStyle/>
+        <a:p>
+          <a:pPr rtl="0"/>
+          <a:endParaRPr lang="fr-FR" sz="700" noProof="0" dirty="0"/>
+        </a:p>
+      </dgm:t>
+    </dgm:pt>
+    <dgm:pt modelId="{808B76D0-8EC7-469A-93AC-7A6017188A9D}" type="sibTrans" cxnId="{C5E94186-9CB6-4C42-92B3-C546CC53A7B9}">
+      <dgm:prSet phldrT="1"/>
+      <dgm:spPr/>
+      <dgm:t>
+        <a:bodyPr rtlCol="0"/>
+        <a:lstStyle/>
+        <a:p>
+          <a:pPr rtl="0"/>
+          <a:endParaRPr lang="fr-FR" noProof="0" dirty="0"/>
+        </a:p>
+      </dgm:t>
+    </dgm:pt>
+    <dgm:pt modelId="{4E8D2E69-0173-4BD3-B96A-7A9C5DD12B47}">
+      <dgm:prSet/>
+      <dgm:spPr/>
+      <dgm:t>
+        <a:bodyPr rtlCol="0" anchor="ctr"/>
+        <a:lstStyle/>
+        <a:p>
+          <a:pPr rtl="0"/>
+          <a:r>
+            <a:rPr lang="fr-FR" b="0" i="0" dirty="0" smtClean="0"/>
+            <a:t>Modification Auteur impossible</a:t>
+          </a:r>
+          <a:r>
+            <a:rPr lang="fr-FR" b="0" i="0" dirty="0" smtClean="0"/>
+            <a:t> </a:t>
+          </a:r>
+          <a:endParaRPr lang="fr-FR" noProof="0" dirty="0"/>
+        </a:p>
+      </dgm:t>
+    </dgm:pt>
+    <dgm:pt modelId="{B954BF22-E3B3-4A1C-802E-590228BE2D9C}" type="parTrans" cxnId="{0F866C41-EB5F-47BD-A2CD-A58671F15B67}">
+      <dgm:prSet/>
+      <dgm:spPr/>
+      <dgm:t>
+        <a:bodyPr rtlCol="0"/>
+        <a:lstStyle/>
+        <a:p>
+          <a:pPr rtl="0"/>
+          <a:endParaRPr lang="fr-FR" sz="700" noProof="0" dirty="0"/>
+        </a:p>
+      </dgm:t>
+    </dgm:pt>
+    <dgm:pt modelId="{FEF1E80E-8A9E-4B0A-817C-2A4CFDCF3FB2}" type="sibTrans" cxnId="{0F866C41-EB5F-47BD-A2CD-A58671F15B67}">
+      <dgm:prSet phldrT="2"/>
+      <dgm:spPr/>
+      <dgm:t>
+        <a:bodyPr rtlCol="0"/>
+        <a:lstStyle/>
+        <a:p>
+          <a:pPr rtl="0"/>
+          <a:endParaRPr lang="fr-FR" noProof="0" dirty="0"/>
+        </a:p>
+      </dgm:t>
+    </dgm:pt>
+    <dgm:pt modelId="{93A6A030-ABAB-4EFA-B539-0FDB3E07C1EF}">
+      <dgm:prSet/>
+      <dgm:spPr/>
+      <dgm:t>
+        <a:bodyPr rtlCol="0" anchor="ctr"/>
+        <a:lstStyle/>
+        <a:p>
+          <a:pPr rtl="0"/>
+          <a:r>
+            <a:rPr lang="fr-FR" b="0" i="0" dirty="0" smtClean="0"/>
+            <a:t>Taches anonymes seulement modifiable par administrateur</a:t>
           </a:r>
           <a:endParaRPr lang="fr-FR" noProof="0" dirty="0"/>
         </a:p>
@@ -1259,12 +2301,12 @@
         <a:fontRef idx="minor"/>
       </dsp:style>
       <dsp:txBody>
-        <a:bodyPr spcFirstLastPara="0" vert="horz" wrap="square" lIns="110490" tIns="110490" rIns="110490" bIns="110490" numCol="1" spcCol="1270" rtlCol="0" anchor="ctr" anchorCtr="0">
+        <a:bodyPr spcFirstLastPara="0" vert="horz" wrap="square" lIns="114300" tIns="114300" rIns="114300" bIns="114300" numCol="1" spcCol="1270" rtlCol="0" anchor="ctr" anchorCtr="0">
           <a:noAutofit/>
         </a:bodyPr>
         <a:lstStyle/>
         <a:p>
-          <a:pPr lvl="0" algn="l" defTabSz="1289050" rtl="0">
+          <a:pPr lvl="0" algn="l" defTabSz="1333500" rtl="0">
             <a:lnSpc>
               <a:spcPct val="90000"/>
             </a:lnSpc>
@@ -1276,10 +2318,10 @@
             </a:spcAft>
           </a:pPr>
           <a:r>
-            <a:rPr lang="fr-FR" sz="2900" b="0" i="0" kern="1200" dirty="0" smtClean="0"/>
-            <a:t>Implémentation de nouvelles fonctionnalités ;</a:t>
+            <a:rPr lang="fr-FR" sz="3000" b="0" i="0" kern="1200" dirty="0" smtClean="0"/>
+            <a:t>Implémentation de nouvelles fonctionnalités </a:t>
           </a:r>
-          <a:endParaRPr lang="fr-FR" sz="2900" b="0" kern="1200" noProof="0" dirty="0"/>
+          <a:endParaRPr lang="fr-FR" sz="3000" b="0" kern="1200" noProof="0" dirty="0"/>
         </a:p>
       </dsp:txBody>
       <dsp:txXfrm>
@@ -1368,12 +2410,12 @@
         <a:fontRef idx="minor"/>
       </dsp:style>
       <dsp:txBody>
-        <a:bodyPr spcFirstLastPara="0" vert="horz" wrap="square" lIns="110490" tIns="110490" rIns="110490" bIns="110490" numCol="1" spcCol="1270" rtlCol="0" anchor="ctr" anchorCtr="0">
+        <a:bodyPr spcFirstLastPara="0" vert="horz" wrap="square" lIns="114300" tIns="114300" rIns="114300" bIns="114300" numCol="1" spcCol="1270" rtlCol="0" anchor="ctr" anchorCtr="0">
           <a:noAutofit/>
         </a:bodyPr>
         <a:lstStyle/>
         <a:p>
-          <a:pPr lvl="0" algn="l" defTabSz="1289050" rtl="0">
+          <a:pPr lvl="0" algn="l" defTabSz="1333500" rtl="0">
             <a:lnSpc>
               <a:spcPct val="90000"/>
             </a:lnSpc>
@@ -1385,10 +2427,10 @@
             </a:spcAft>
           </a:pPr>
           <a:r>
-            <a:rPr lang="fr-FR" sz="2900" b="0" i="0" kern="1200" dirty="0" smtClean="0"/>
+            <a:rPr lang="fr-FR" sz="3000" b="0" i="0" kern="1200" dirty="0" smtClean="0"/>
             <a:t>Correction d’anomalies </a:t>
           </a:r>
-          <a:endParaRPr lang="fr-FR" sz="2900" kern="1200" noProof="0" dirty="0"/>
+          <a:endParaRPr lang="fr-FR" sz="3000" kern="1200" noProof="0" dirty="0"/>
         </a:p>
       </dsp:txBody>
       <dsp:txXfrm>
@@ -1477,12 +2519,12 @@
         <a:fontRef idx="minor"/>
       </dsp:style>
       <dsp:txBody>
-        <a:bodyPr spcFirstLastPara="0" vert="horz" wrap="square" lIns="110490" tIns="110490" rIns="110490" bIns="110490" numCol="1" spcCol="1270" rtlCol="0" anchor="ctr" anchorCtr="0">
+        <a:bodyPr spcFirstLastPara="0" vert="horz" wrap="square" lIns="114300" tIns="114300" rIns="114300" bIns="114300" numCol="1" spcCol="1270" rtlCol="0" anchor="ctr" anchorCtr="0">
           <a:noAutofit/>
         </a:bodyPr>
         <a:lstStyle/>
         <a:p>
-          <a:pPr lvl="0" algn="l" defTabSz="1289050" rtl="0">
+          <a:pPr lvl="0" algn="l" defTabSz="1333500" rtl="0">
             <a:lnSpc>
               <a:spcPct val="90000"/>
             </a:lnSpc>
@@ -1494,10 +2536,353 @@
             </a:spcAft>
           </a:pPr>
           <a:r>
-            <a:rPr lang="fr-FR" sz="2900" b="0" i="0" kern="1200" dirty="0" smtClean="0"/>
+            <a:rPr lang="fr-FR" sz="3000" b="0" i="0" kern="1200" dirty="0" smtClean="0"/>
             <a:t>Implémentation de tests automatisés.</a:t>
           </a:r>
-          <a:endParaRPr lang="fr-FR" sz="2900" kern="1200" noProof="0" dirty="0"/>
+          <a:endParaRPr lang="fr-FR" sz="3000" kern="1200" noProof="0" dirty="0"/>
+        </a:p>
+      </dsp:txBody>
+      <dsp:txXfrm>
+        <a:off x="0" y="2518218"/>
+        <a:ext cx="4833256" cy="1258186"/>
+      </dsp:txXfrm>
+    </dsp:sp>
+  </dsp:spTree>
+</dsp:drawing>
+</file>
+
+<file path=ppt/diagrams/drawing2.xml><?xml version="1.0" encoding="utf-8"?>
+<dsp:drawing xmlns:dgm="http://schemas.openxmlformats.org/drawingml/2006/diagram" xmlns:dsp="http://schemas.microsoft.com/office/drawing/2008/diagram" xmlns:a="http://schemas.openxmlformats.org/drawingml/2006/main">
+  <dsp:spTree>
+    <dsp:nvGrpSpPr>
+      <dsp:cNvPr id="0" name=""/>
+      <dsp:cNvGrpSpPr/>
+    </dsp:nvGrpSpPr>
+    <dsp:grpSpPr/>
+    <dsp:sp modelId="{15F5B303-C42A-0F46-B1B4-9FC2C90E8F5B}">
+      <dsp:nvSpPr>
+        <dsp:cNvPr id="0" name=""/>
+        <dsp:cNvSpPr/>
+      </dsp:nvSpPr>
+      <dsp:spPr>
+        <a:xfrm>
+          <a:off x="0" y="1844"/>
+          <a:ext cx="4833256" cy="0"/>
+        </a:xfrm>
+        <a:prstGeom prst="line">
+          <a:avLst/>
+        </a:prstGeom>
+        <a:solidFill>
+          <a:schemeClr val="accent2">
+            <a:hueOff val="0"/>
+            <a:satOff val="0"/>
+            <a:lumOff val="0"/>
+            <a:alphaOff val="0"/>
+          </a:schemeClr>
+        </a:solidFill>
+        <a:ln w="9525" cap="rnd" cmpd="sng" algn="ctr">
+          <a:solidFill>
+            <a:schemeClr val="accent2">
+              <a:hueOff val="0"/>
+              <a:satOff val="0"/>
+              <a:lumOff val="0"/>
+              <a:alphaOff val="0"/>
+            </a:schemeClr>
+          </a:solidFill>
+          <a:prstDash val="solid"/>
+        </a:ln>
+        <a:effectLst/>
+      </dsp:spPr>
+      <dsp:style>
+        <a:lnRef idx="1">
+          <a:scrgbClr r="0" g="0" b="0"/>
+        </a:lnRef>
+        <a:fillRef idx="2">
+          <a:scrgbClr r="0" g="0" b="0"/>
+        </a:fillRef>
+        <a:effectRef idx="1">
+          <a:scrgbClr r="0" g="0" b="0"/>
+        </a:effectRef>
+        <a:fontRef idx="minor">
+          <a:schemeClr val="dk1"/>
+        </a:fontRef>
+      </dsp:style>
+    </dsp:sp>
+    <dsp:sp modelId="{ADE9C513-F9D6-7C40-9628-67B2B6D9AAB3}">
+      <dsp:nvSpPr>
+        <dsp:cNvPr id="0" name=""/>
+        <dsp:cNvSpPr/>
+      </dsp:nvSpPr>
+      <dsp:spPr>
+        <a:xfrm>
+          <a:off x="0" y="1844"/>
+          <a:ext cx="4833256" cy="1258186"/>
+        </a:xfrm>
+        <a:prstGeom prst="rect">
+          <a:avLst/>
+        </a:prstGeom>
+        <a:noFill/>
+        <a:ln>
+          <a:noFill/>
+        </a:ln>
+        <a:effectLst/>
+      </dsp:spPr>
+      <dsp:style>
+        <a:lnRef idx="0">
+          <a:scrgbClr r="0" g="0" b="0"/>
+        </a:lnRef>
+        <a:fillRef idx="0">
+          <a:scrgbClr r="0" g="0" b="0"/>
+        </a:fillRef>
+        <a:effectRef idx="0">
+          <a:scrgbClr r="0" g="0" b="0"/>
+        </a:effectRef>
+        <a:fontRef idx="minor"/>
+      </dsp:style>
+      <dsp:txBody>
+        <a:bodyPr spcFirstLastPara="0" vert="horz" wrap="square" lIns="95250" tIns="95250" rIns="95250" bIns="95250" numCol="1" spcCol="1270" rtlCol="0" anchor="ctr" anchorCtr="0">
+          <a:noAutofit/>
+        </a:bodyPr>
+        <a:lstStyle/>
+        <a:p>
+          <a:pPr lvl="0" algn="l" defTabSz="1111250" rtl="0">
+            <a:lnSpc>
+              <a:spcPct val="90000"/>
+            </a:lnSpc>
+            <a:spcBef>
+              <a:spcPct val="0"/>
+            </a:spcBef>
+            <a:spcAft>
+              <a:spcPct val="35000"/>
+            </a:spcAft>
+          </a:pPr>
+          <a:r>
+            <a:rPr lang="fr-FR" sz="2500" b="0" i="0" kern="1200" dirty="0" smtClean="0"/>
+            <a:t>Relier les taches aux utilisateurs</a:t>
+          </a:r>
+          <a:endParaRPr lang="fr-FR" sz="2500" b="0" kern="1200" noProof="0" dirty="0"/>
+        </a:p>
+      </dsp:txBody>
+      <dsp:txXfrm>
+        <a:off x="0" y="1844"/>
+        <a:ext cx="4833256" cy="1258186"/>
+      </dsp:txXfrm>
+    </dsp:sp>
+    <dsp:sp modelId="{B6682269-A845-6E41-9BE5-F15128675201}">
+      <dsp:nvSpPr>
+        <dsp:cNvPr id="0" name=""/>
+        <dsp:cNvSpPr/>
+      </dsp:nvSpPr>
+      <dsp:spPr>
+        <a:xfrm>
+          <a:off x="0" y="1260031"/>
+          <a:ext cx="4833256" cy="0"/>
+        </a:xfrm>
+        <a:prstGeom prst="line">
+          <a:avLst/>
+        </a:prstGeom>
+        <a:solidFill>
+          <a:schemeClr val="accent2">
+            <a:hueOff val="-3825240"/>
+            <a:satOff val="-5640"/>
+            <a:lumOff val="-392"/>
+            <a:alphaOff val="0"/>
+          </a:schemeClr>
+        </a:solidFill>
+        <a:ln w="9525" cap="rnd" cmpd="sng" algn="ctr">
+          <a:solidFill>
+            <a:schemeClr val="accent2">
+              <a:hueOff val="-3825240"/>
+              <a:satOff val="-5640"/>
+              <a:lumOff val="-392"/>
+              <a:alphaOff val="0"/>
+            </a:schemeClr>
+          </a:solidFill>
+          <a:prstDash val="solid"/>
+        </a:ln>
+        <a:effectLst/>
+      </dsp:spPr>
+      <dsp:style>
+        <a:lnRef idx="1">
+          <a:scrgbClr r="0" g="0" b="0"/>
+        </a:lnRef>
+        <a:fillRef idx="2">
+          <a:scrgbClr r="0" g="0" b="0"/>
+        </a:fillRef>
+        <a:effectRef idx="1">
+          <a:scrgbClr r="0" g="0" b="0"/>
+        </a:effectRef>
+        <a:fontRef idx="minor">
+          <a:schemeClr val="dk1"/>
+        </a:fontRef>
+      </dsp:style>
+    </dsp:sp>
+    <dsp:sp modelId="{C98F729D-14CA-1448-A52F-24A02E051745}">
+      <dsp:nvSpPr>
+        <dsp:cNvPr id="0" name=""/>
+        <dsp:cNvSpPr/>
+      </dsp:nvSpPr>
+      <dsp:spPr>
+        <a:xfrm>
+          <a:off x="0" y="1260031"/>
+          <a:ext cx="4833256" cy="1258186"/>
+        </a:xfrm>
+        <a:prstGeom prst="rect">
+          <a:avLst/>
+        </a:prstGeom>
+        <a:noFill/>
+        <a:ln>
+          <a:noFill/>
+        </a:ln>
+        <a:effectLst/>
+      </dsp:spPr>
+      <dsp:style>
+        <a:lnRef idx="0">
+          <a:scrgbClr r="0" g="0" b="0"/>
+        </a:lnRef>
+        <a:fillRef idx="0">
+          <a:scrgbClr r="0" g="0" b="0"/>
+        </a:fillRef>
+        <a:effectRef idx="0">
+          <a:scrgbClr r="0" g="0" b="0"/>
+        </a:effectRef>
+        <a:fontRef idx="minor"/>
+      </dsp:style>
+      <dsp:txBody>
+        <a:bodyPr spcFirstLastPara="0" vert="horz" wrap="square" lIns="95250" tIns="95250" rIns="95250" bIns="95250" numCol="1" spcCol="1270" rtlCol="0" anchor="ctr" anchorCtr="0">
+          <a:noAutofit/>
+        </a:bodyPr>
+        <a:lstStyle/>
+        <a:p>
+          <a:pPr lvl="0" algn="l" defTabSz="1111250" rtl="0">
+            <a:lnSpc>
+              <a:spcPct val="90000"/>
+            </a:lnSpc>
+            <a:spcBef>
+              <a:spcPct val="0"/>
+            </a:spcBef>
+            <a:spcAft>
+              <a:spcPct val="35000"/>
+            </a:spcAft>
+          </a:pPr>
+          <a:r>
+            <a:rPr lang="fr-FR" sz="2500" b="0" i="0" kern="1200" dirty="0" smtClean="0"/>
+            <a:t>Modification Auteur impossible</a:t>
+          </a:r>
+          <a:r>
+            <a:rPr lang="fr-FR" sz="2500" b="0" i="0" kern="1200" dirty="0" smtClean="0"/>
+            <a:t> </a:t>
+          </a:r>
+          <a:endParaRPr lang="fr-FR" sz="2500" kern="1200" noProof="0" dirty="0"/>
+        </a:p>
+      </dsp:txBody>
+      <dsp:txXfrm>
+        <a:off x="0" y="1260031"/>
+        <a:ext cx="4833256" cy="1258186"/>
+      </dsp:txXfrm>
+    </dsp:sp>
+    <dsp:sp modelId="{D1894A20-DB91-634C-8782-9C8A13103FF6}">
+      <dsp:nvSpPr>
+        <dsp:cNvPr id="0" name=""/>
+        <dsp:cNvSpPr/>
+      </dsp:nvSpPr>
+      <dsp:spPr>
+        <a:xfrm>
+          <a:off x="0" y="2518218"/>
+          <a:ext cx="4833256" cy="0"/>
+        </a:xfrm>
+        <a:prstGeom prst="line">
+          <a:avLst/>
+        </a:prstGeom>
+        <a:solidFill>
+          <a:schemeClr val="accent2">
+            <a:hueOff val="-7650481"/>
+            <a:satOff val="-11280"/>
+            <a:lumOff val="-785"/>
+            <a:alphaOff val="0"/>
+          </a:schemeClr>
+        </a:solidFill>
+        <a:ln w="9525" cap="rnd" cmpd="sng" algn="ctr">
+          <a:solidFill>
+            <a:schemeClr val="accent2">
+              <a:hueOff val="-7650481"/>
+              <a:satOff val="-11280"/>
+              <a:lumOff val="-785"/>
+              <a:alphaOff val="0"/>
+            </a:schemeClr>
+          </a:solidFill>
+          <a:prstDash val="solid"/>
+        </a:ln>
+        <a:effectLst/>
+      </dsp:spPr>
+      <dsp:style>
+        <a:lnRef idx="1">
+          <a:scrgbClr r="0" g="0" b="0"/>
+        </a:lnRef>
+        <a:fillRef idx="2">
+          <a:scrgbClr r="0" g="0" b="0"/>
+        </a:fillRef>
+        <a:effectRef idx="1">
+          <a:scrgbClr r="0" g="0" b="0"/>
+        </a:effectRef>
+        <a:fontRef idx="minor">
+          <a:schemeClr val="dk1"/>
+        </a:fontRef>
+      </dsp:style>
+    </dsp:sp>
+    <dsp:sp modelId="{B705F7BA-757C-6549-9C73-2326015D6723}">
+      <dsp:nvSpPr>
+        <dsp:cNvPr id="0" name=""/>
+        <dsp:cNvSpPr/>
+      </dsp:nvSpPr>
+      <dsp:spPr>
+        <a:xfrm>
+          <a:off x="0" y="2518218"/>
+          <a:ext cx="4833256" cy="1258186"/>
+        </a:xfrm>
+        <a:prstGeom prst="rect">
+          <a:avLst/>
+        </a:prstGeom>
+        <a:noFill/>
+        <a:ln>
+          <a:noFill/>
+        </a:ln>
+        <a:effectLst/>
+      </dsp:spPr>
+      <dsp:style>
+        <a:lnRef idx="0">
+          <a:scrgbClr r="0" g="0" b="0"/>
+        </a:lnRef>
+        <a:fillRef idx="0">
+          <a:scrgbClr r="0" g="0" b="0"/>
+        </a:fillRef>
+        <a:effectRef idx="0">
+          <a:scrgbClr r="0" g="0" b="0"/>
+        </a:effectRef>
+        <a:fontRef idx="minor"/>
+      </dsp:style>
+      <dsp:txBody>
+        <a:bodyPr spcFirstLastPara="0" vert="horz" wrap="square" lIns="95250" tIns="95250" rIns="95250" bIns="95250" numCol="1" spcCol="1270" rtlCol="0" anchor="ctr" anchorCtr="0">
+          <a:noAutofit/>
+        </a:bodyPr>
+        <a:lstStyle/>
+        <a:p>
+          <a:pPr lvl="0" algn="l" defTabSz="1111250" rtl="0">
+            <a:lnSpc>
+              <a:spcPct val="90000"/>
+            </a:lnSpc>
+            <a:spcBef>
+              <a:spcPct val="0"/>
+            </a:spcBef>
+            <a:spcAft>
+              <a:spcPct val="35000"/>
+            </a:spcAft>
+          </a:pPr>
+          <a:r>
+            <a:rPr lang="fr-FR" sz="2500" b="0" i="0" kern="1200" dirty="0" smtClean="0"/>
+            <a:t>Taches anonymes seulement modifiable par administrateur</a:t>
+          </a:r>
+          <a:endParaRPr lang="fr-FR" sz="2500" kern="1200" noProof="0" dirty="0"/>
         </a:p>
       </dsp:txBody>
       <dsp:txXfrm>
@@ -1510,6 +2895,472 @@
 </file>
 
 <file path=ppt/diagrams/layout1.xml><?xml version="1.0" encoding="utf-8"?>
+<dgm:layoutDef xmlns:dgm="http://schemas.openxmlformats.org/drawingml/2006/diagram" xmlns:a="http://schemas.openxmlformats.org/drawingml/2006/main" uniqueId="urn:microsoft.com/office/officeart/2008/layout/LinedList">
+  <dgm:title val=""/>
+  <dgm:desc val=""/>
+  <dgm:catLst>
+    <dgm:cat type="hierarchy" pri="8000"/>
+    <dgm:cat type="list" pri="2500"/>
+  </dgm:catLst>
+  <dgm:sampData>
+    <dgm:dataModel>
+      <dgm:ptLst>
+        <dgm:pt modelId="0" type="doc"/>
+        <dgm:pt modelId="1">
+          <dgm:prSet phldr="1"/>
+        </dgm:pt>
+        <dgm:pt modelId="11">
+          <dgm:prSet phldr="1"/>
+        </dgm:pt>
+        <dgm:pt modelId="12">
+          <dgm:prSet phldr="1"/>
+        </dgm:pt>
+        <dgm:pt modelId="13">
+          <dgm:prSet phldr="1"/>
+        </dgm:pt>
+      </dgm:ptLst>
+      <dgm:cxnLst>
+        <dgm:cxn modelId="2" srcId="0" destId="1" srcOrd="0" destOrd="0"/>
+        <dgm:cxn modelId="3" srcId="1" destId="11" srcOrd="0" destOrd="0"/>
+        <dgm:cxn modelId="4" srcId="1" destId="12" srcOrd="1" destOrd="0"/>
+        <dgm:cxn modelId="5" srcId="1" destId="13" srcOrd="2" destOrd="0"/>
+      </dgm:cxnLst>
+      <dgm:bg/>
+      <dgm:whole/>
+    </dgm:dataModel>
+  </dgm:sampData>
+  <dgm:styleData>
+    <dgm:dataModel>
+      <dgm:ptLst>
+        <dgm:pt modelId="0" type="doc"/>
+        <dgm:pt modelId="1">
+          <dgm:prSet phldr="1"/>
+        </dgm:pt>
+        <dgm:pt modelId="11">
+          <dgm:prSet phldr="1"/>
+        </dgm:pt>
+        <dgm:pt modelId="12">
+          <dgm:prSet phldr="1"/>
+        </dgm:pt>
+      </dgm:ptLst>
+      <dgm:cxnLst>
+        <dgm:cxn modelId="2" srcId="0" destId="1" srcOrd="0" destOrd="0"/>
+        <dgm:cxn modelId="3" srcId="1" destId="11" srcOrd="0" destOrd="0"/>
+        <dgm:cxn modelId="4" srcId="1" destId="12" srcOrd="1" destOrd="0"/>
+      </dgm:cxnLst>
+      <dgm:bg/>
+      <dgm:whole/>
+    </dgm:dataModel>
+  </dgm:styleData>
+  <dgm:clrData>
+    <dgm:dataModel>
+      <dgm:ptLst>
+        <dgm:pt modelId="0" type="doc"/>
+        <dgm:pt modelId="1">
+          <dgm:prSet phldr="1"/>
+        </dgm:pt>
+        <dgm:pt modelId="11">
+          <dgm:prSet phldr="1"/>
+        </dgm:pt>
+        <dgm:pt modelId="12">
+          <dgm:prSet phldr="1"/>
+        </dgm:pt>
+      </dgm:ptLst>
+      <dgm:cxnLst>
+        <dgm:cxn modelId="2" srcId="0" destId="1" srcOrd="0" destOrd="0"/>
+        <dgm:cxn modelId="3" srcId="1" destId="11" srcOrd="0" destOrd="0"/>
+        <dgm:cxn modelId="4" srcId="1" destId="12" srcOrd="1" destOrd="0"/>
+      </dgm:cxnLst>
+      <dgm:bg/>
+      <dgm:whole/>
+    </dgm:dataModel>
+  </dgm:clrData>
+  <dgm:layoutNode name="vert0">
+    <dgm:varLst>
+      <dgm:dir/>
+      <dgm:animOne val="branch"/>
+      <dgm:animLvl val="lvl"/>
+    </dgm:varLst>
+    <dgm:choose name="Name0">
+      <dgm:if name="Name1" func="var" arg="dir" op="equ" val="norm">
+        <dgm:alg type="lin">
+          <dgm:param type="linDir" val="fromT"/>
+          <dgm:param type="nodeHorzAlign" val="l"/>
+        </dgm:alg>
+      </dgm:if>
+      <dgm:else name="Name2">
+        <dgm:alg type="lin">
+          <dgm:param type="linDir" val="fromT"/>
+          <dgm:param type="nodeHorzAlign" val="r"/>
+        </dgm:alg>
+      </dgm:else>
+    </dgm:choose>
+    <dgm:shape xmlns:r="http://schemas.openxmlformats.org/officeDocument/2006/relationships" r:blip="">
+      <dgm:adjLst/>
+    </dgm:shape>
+    <dgm:presOf/>
+    <dgm:constrLst>
+      <dgm:constr type="w" for="ch" forName="horz1" refType="w"/>
+      <dgm:constr type="h" for="ch" forName="horz1" refType="h"/>
+      <dgm:constr type="h" for="des" forName="vert1" refType="h"/>
+      <dgm:constr type="h" for="des" forName="tx1" refType="h"/>
+      <dgm:constr type="h" for="des" forName="horz2" refType="h"/>
+      <dgm:constr type="h" for="des" forName="vert2" refType="h"/>
+      <dgm:constr type="h" for="des" forName="horz3" refType="h"/>
+      <dgm:constr type="h" for="des" forName="vert3" refType="h"/>
+      <dgm:constr type="h" for="des" forName="horz4" refType="h"/>
+      <dgm:constr type="h" for="des" ptType="node" refType="h"/>
+      <dgm:constr type="primFontSz" for="des" forName="tx1" op="equ" val="65"/>
+      <dgm:constr type="primFontSz" for="des" forName="tx2" op="equ" val="65"/>
+      <dgm:constr type="primFontSz" for="des" forName="tx3" op="equ" val="65"/>
+      <dgm:constr type="primFontSz" for="des" forName="tx4" op="equ" val="65"/>
+      <dgm:constr type="w" for="des" forName="thickLine" refType="w"/>
+      <dgm:constr type="h" for="des" forName="thickLine"/>
+      <dgm:constr type="h" for="des" forName="thinLine1"/>
+      <dgm:constr type="h" for="des" forName="thinLine2b"/>
+      <dgm:constr type="h" for="des" forName="thinLine3"/>
+      <dgm:constr type="h" for="des" forName="vertSpace2a" refType="h" fact="0.05"/>
+      <dgm:constr type="h" for="des" forName="vertSpace2b" refType="h" refFor="des" refForName="vertSpace2a"/>
+    </dgm:constrLst>
+    <dgm:forEach name="Name3" axis="ch" ptType="node">
+      <dgm:layoutNode name="thickLine" styleLbl="alignNode1">
+        <dgm:alg type="sp"/>
+        <dgm:shape xmlns:r="http://schemas.openxmlformats.org/officeDocument/2006/relationships" type="line" r:blip="">
+          <dgm:adjLst/>
+        </dgm:shape>
+        <dgm:presOf/>
+      </dgm:layoutNode>
+      <dgm:layoutNode name="horz1">
+        <dgm:choose name="Name4">
+          <dgm:if name="Name5" func="var" arg="dir" op="equ" val="norm">
+            <dgm:alg type="lin">
+              <dgm:param type="linDir" val="fromL"/>
+              <dgm:param type="nodeVertAlign" val="t"/>
+            </dgm:alg>
+          </dgm:if>
+          <dgm:else name="Name6">
+            <dgm:alg type="lin">
+              <dgm:param type="linDir" val="fromR"/>
+              <dgm:param type="nodeVertAlign" val="t"/>
+            </dgm:alg>
+          </dgm:else>
+        </dgm:choose>
+        <dgm:shape xmlns:r="http://schemas.openxmlformats.org/officeDocument/2006/relationships" r:blip="">
+          <dgm:adjLst/>
+        </dgm:shape>
+        <dgm:presOf/>
+        <dgm:choose name="Name7">
+          <dgm:if name="Name8" axis="root des" func="maxDepth" op="equ" val="1">
+            <dgm:constrLst>
+              <dgm:constr type="w" for="ch" forName="tx1" refType="w"/>
+            </dgm:constrLst>
+          </dgm:if>
+          <dgm:if name="Name9" axis="root des" func="maxDepth" op="equ" val="2">
+            <dgm:constrLst>
+              <dgm:constr type="w" for="ch" forName="tx1" refType="w" fact="0.2"/>
+              <dgm:constr type="w" for="des" forName="tx2" refType="w" fact="0.785"/>
+              <dgm:constr type="w" for="des" forName="horzSpace2" refType="w" fact="0.015"/>
+              <dgm:constr type="w" for="des" forName="thinLine2b" refType="w" fact="0.8"/>
+            </dgm:constrLst>
+          </dgm:if>
+          <dgm:if name="Name10" axis="root des" func="maxDepth" op="equ" val="3">
+            <dgm:constrLst>
+              <dgm:constr type="w" for="ch" forName="tx1" refType="w" fact="0.2"/>
+              <dgm:constr type="w" for="des" forName="tx2" refType="w" fact="0.385"/>
+              <dgm:constr type="w" for="des" forName="tx3" refType="w" fact="0.385"/>
+              <dgm:constr type="w" for="des" forName="horzSpace2" refType="w" fact="0.015"/>
+              <dgm:constr type="w" for="des" forName="horzSpace3" refType="w" fact="0.015"/>
+              <dgm:constr type="w" for="des" forName="thinLine2b" refType="w" fact="0.8"/>
+              <dgm:constr type="w" for="des" forName="thinLine3" refType="w" fact="0.385"/>
+            </dgm:constrLst>
+          </dgm:if>
+          <dgm:if name="Name11" axis="root des" func="maxDepth" op="gte" val="4">
+            <dgm:constrLst>
+              <dgm:constr type="w" for="ch" forName="tx1" refType="w" fact="0.2"/>
+              <dgm:constr type="w" for="des" forName="tx2" refType="w" fact="0.2516"/>
+              <dgm:constr type="w" for="des" forName="tx3" refType="w" fact="0.2516"/>
+              <dgm:constr type="w" for="des" forName="tx4" refType="w" fact="0.2516"/>
+              <dgm:constr type="w" for="des" forName="horzSpace2" refType="w" fact="0.015"/>
+              <dgm:constr type="w" for="des" forName="horzSpace3" refType="w" fact="0.015"/>
+              <dgm:constr type="w" for="des" forName="horzSpace4" refType="w" fact="0.015"/>
+              <dgm:constr type="w" for="des" forName="thinLine2b" refType="w" fact="0.8"/>
+              <dgm:constr type="w" for="des" forName="thinLine3" refType="w" fact="0.5332"/>
+            </dgm:constrLst>
+          </dgm:if>
+          <dgm:else name="Name12"/>
+        </dgm:choose>
+        <dgm:layoutNode name="tx1" styleLbl="revTx">
+          <dgm:alg type="tx">
+            <dgm:param type="parTxLTRAlign" val="l"/>
+            <dgm:param type="parTxRTLAlign" val="r"/>
+            <dgm:param type="txAnchorVert" val="t"/>
+          </dgm:alg>
+          <dgm:shape xmlns:r="http://schemas.openxmlformats.org/officeDocument/2006/relationships" type="rect" r:blip="">
+            <dgm:adjLst/>
+          </dgm:shape>
+          <dgm:presOf axis="self"/>
+          <dgm:constrLst>
+            <dgm:constr type="tMarg" refType="primFontSz" fact="0.3"/>
+            <dgm:constr type="bMarg" refType="primFontSz" fact="0.3"/>
+            <dgm:constr type="lMarg" refType="primFontSz" fact="0.3"/>
+            <dgm:constr type="rMarg" refType="primFontSz" fact="0.3"/>
+          </dgm:constrLst>
+          <dgm:ruleLst>
+            <dgm:rule type="primFontSz" val="5" fact="NaN" max="NaN"/>
+          </dgm:ruleLst>
+        </dgm:layoutNode>
+        <dgm:layoutNode name="vert1">
+          <dgm:choose name="Name13">
+            <dgm:if name="Name14" func="var" arg="dir" op="equ" val="norm">
+              <dgm:alg type="lin">
+                <dgm:param type="linDir" val="fromT"/>
+                <dgm:param type="nodeHorzAlign" val="l"/>
+              </dgm:alg>
+            </dgm:if>
+            <dgm:else name="Name15">
+              <dgm:alg type="lin">
+                <dgm:param type="linDir" val="fromT"/>
+                <dgm:param type="nodeHorzAlign" val="r"/>
+              </dgm:alg>
+            </dgm:else>
+          </dgm:choose>
+          <dgm:shape xmlns:r="http://schemas.openxmlformats.org/officeDocument/2006/relationships" r:blip="">
+            <dgm:adjLst/>
+          </dgm:shape>
+          <dgm:presOf/>
+          <dgm:forEach name="Name16" axis="ch" ptType="node">
+            <dgm:choose name="Name17">
+              <dgm:if name="Name18" axis="self" ptType="node" func="pos" op="equ" val="1">
+                <dgm:layoutNode name="vertSpace2a">
+                  <dgm:alg type="sp"/>
+                  <dgm:shape xmlns:r="http://schemas.openxmlformats.org/officeDocument/2006/relationships" r:blip="">
+                    <dgm:adjLst/>
+                  </dgm:shape>
+                  <dgm:presOf/>
+                </dgm:layoutNode>
+              </dgm:if>
+              <dgm:else name="Name19"/>
+            </dgm:choose>
+            <dgm:layoutNode name="horz2">
+              <dgm:choose name="Name20">
+                <dgm:if name="Name21" func="var" arg="dir" op="equ" val="norm">
+                  <dgm:alg type="lin">
+                    <dgm:param type="linDir" val="fromL"/>
+                    <dgm:param type="nodeVertAlign" val="t"/>
+                  </dgm:alg>
+                </dgm:if>
+                <dgm:else name="Name22">
+                  <dgm:alg type="lin">
+                    <dgm:param type="linDir" val="fromR"/>
+                    <dgm:param type="nodeVertAlign" val="t"/>
+                  </dgm:alg>
+                </dgm:else>
+              </dgm:choose>
+              <dgm:shape xmlns:r="http://schemas.openxmlformats.org/officeDocument/2006/relationships" r:blip="">
+                <dgm:adjLst/>
+              </dgm:shape>
+              <dgm:presOf/>
+              <dgm:layoutNode name="horzSpace2">
+                <dgm:alg type="sp"/>
+                <dgm:shape xmlns:r="http://schemas.openxmlformats.org/officeDocument/2006/relationships" r:blip="">
+                  <dgm:adjLst/>
+                </dgm:shape>
+                <dgm:presOf/>
+              </dgm:layoutNode>
+              <dgm:layoutNode name="tx2" styleLbl="revTx">
+                <dgm:alg type="tx">
+                  <dgm:param type="parTxLTRAlign" val="l"/>
+                  <dgm:param type="parTxRTLAlign" val="r"/>
+                  <dgm:param type="txAnchorVert" val="t"/>
+                </dgm:alg>
+                <dgm:shape xmlns:r="http://schemas.openxmlformats.org/officeDocument/2006/relationships" type="rect" r:blip="">
+                  <dgm:adjLst/>
+                </dgm:shape>
+                <dgm:presOf axis="self"/>
+                <dgm:constrLst>
+                  <dgm:constr type="tMarg" refType="primFontSz" fact="0.3"/>
+                  <dgm:constr type="bMarg" refType="primFontSz" fact="0.3"/>
+                  <dgm:constr type="lMarg" refType="primFontSz" fact="0.3"/>
+                  <dgm:constr type="rMarg" refType="primFontSz" fact="0.3"/>
+                </dgm:constrLst>
+                <dgm:ruleLst>
+                  <dgm:rule type="primFontSz" val="5" fact="NaN" max="NaN"/>
+                </dgm:ruleLst>
+              </dgm:layoutNode>
+              <dgm:layoutNode name="vert2">
+                <dgm:choose name="Name23">
+                  <dgm:if name="Name24" func="var" arg="dir" op="equ" val="norm">
+                    <dgm:alg type="lin">
+                      <dgm:param type="linDir" val="fromT"/>
+                      <dgm:param type="nodeHorzAlign" val="l"/>
+                    </dgm:alg>
+                  </dgm:if>
+                  <dgm:else name="Name25">
+                    <dgm:alg type="lin">
+                      <dgm:param type="linDir" val="fromT"/>
+                      <dgm:param type="nodeHorzAlign" val="r"/>
+                    </dgm:alg>
+                  </dgm:else>
+                </dgm:choose>
+                <dgm:shape xmlns:r="http://schemas.openxmlformats.org/officeDocument/2006/relationships" r:blip="">
+                  <dgm:adjLst/>
+                </dgm:shape>
+                <dgm:presOf/>
+                <dgm:forEach name="Name26" axis="ch" ptType="node">
+                  <dgm:layoutNode name="horz3">
+                    <dgm:choose name="Name27">
+                      <dgm:if name="Name28" func="var" arg="dir" op="equ" val="norm">
+                        <dgm:alg type="lin">
+                          <dgm:param type="linDir" val="fromL"/>
+                          <dgm:param type="nodeVertAlign" val="t"/>
+                        </dgm:alg>
+                      </dgm:if>
+                      <dgm:else name="Name29">
+                        <dgm:alg type="lin">
+                          <dgm:param type="linDir" val="fromR"/>
+                          <dgm:param type="nodeVertAlign" val="t"/>
+                        </dgm:alg>
+                      </dgm:else>
+                    </dgm:choose>
+                    <dgm:shape xmlns:r="http://schemas.openxmlformats.org/officeDocument/2006/relationships" r:blip="">
+                      <dgm:adjLst/>
+                    </dgm:shape>
+                    <dgm:presOf/>
+                    <dgm:layoutNode name="horzSpace3">
+                      <dgm:alg type="sp"/>
+                      <dgm:shape xmlns:r="http://schemas.openxmlformats.org/officeDocument/2006/relationships" r:blip="">
+                        <dgm:adjLst/>
+                      </dgm:shape>
+                      <dgm:presOf/>
+                    </dgm:layoutNode>
+                    <dgm:layoutNode name="tx3" styleLbl="revTx">
+                      <dgm:alg type="tx">
+                        <dgm:param type="parTxLTRAlign" val="l"/>
+                        <dgm:param type="parTxRTLAlign" val="r"/>
+                        <dgm:param type="txAnchorVert" val="t"/>
+                      </dgm:alg>
+                      <dgm:shape xmlns:r="http://schemas.openxmlformats.org/officeDocument/2006/relationships" type="rect" r:blip="">
+                        <dgm:adjLst/>
+                      </dgm:shape>
+                      <dgm:presOf axis="self"/>
+                      <dgm:constrLst>
+                        <dgm:constr type="tMarg" refType="primFontSz" fact="0.3"/>
+                        <dgm:constr type="bMarg" refType="primFontSz" fact="0.3"/>
+                        <dgm:constr type="lMarg" refType="primFontSz" fact="0.3"/>
+                        <dgm:constr type="rMarg" refType="primFontSz" fact="0.3"/>
+                      </dgm:constrLst>
+                      <dgm:ruleLst>
+                        <dgm:rule type="primFontSz" val="5" fact="NaN" max="NaN"/>
+                      </dgm:ruleLst>
+                    </dgm:layoutNode>
+                    <dgm:layoutNode name="vert3">
+                      <dgm:choose name="Name30">
+                        <dgm:if name="Name31" func="var" arg="dir" op="equ" val="norm">
+                          <dgm:alg type="lin">
+                            <dgm:param type="linDir" val="fromT"/>
+                            <dgm:param type="nodeHorzAlign" val="l"/>
+                          </dgm:alg>
+                        </dgm:if>
+                        <dgm:else name="Name32">
+                          <dgm:alg type="lin">
+                            <dgm:param type="linDir" val="fromT"/>
+                            <dgm:param type="nodeHorzAlign" val="r"/>
+                          </dgm:alg>
+                        </dgm:else>
+                      </dgm:choose>
+                      <dgm:shape xmlns:r="http://schemas.openxmlformats.org/officeDocument/2006/relationships" r:blip="">
+                        <dgm:adjLst/>
+                      </dgm:shape>
+                      <dgm:presOf/>
+                      <dgm:forEach name="Name33" axis="ch" ptType="node">
+                        <dgm:layoutNode name="horz4">
+                          <dgm:choose name="Name34">
+                            <dgm:if name="Name35" func="var" arg="dir" op="equ" val="norm">
+                              <dgm:alg type="lin">
+                                <dgm:param type="linDir" val="fromL"/>
+                                <dgm:param type="nodeVertAlign" val="t"/>
+                              </dgm:alg>
+                            </dgm:if>
+                            <dgm:else name="Name36">
+                              <dgm:alg type="lin">
+                                <dgm:param type="linDir" val="fromR"/>
+                                <dgm:param type="nodeVertAlign" val="t"/>
+                              </dgm:alg>
+                            </dgm:else>
+                          </dgm:choose>
+                          <dgm:shape xmlns:r="http://schemas.openxmlformats.org/officeDocument/2006/relationships" r:blip="">
+                            <dgm:adjLst/>
+                          </dgm:shape>
+                          <dgm:presOf/>
+                          <dgm:layoutNode name="horzSpace4">
+                            <dgm:alg type="sp"/>
+                            <dgm:shape xmlns:r="http://schemas.openxmlformats.org/officeDocument/2006/relationships" r:blip="">
+                              <dgm:adjLst/>
+                            </dgm:shape>
+                            <dgm:presOf/>
+                          </dgm:layoutNode>
+                          <dgm:layoutNode name="tx4" styleLbl="revTx">
+                            <dgm:varLst>
+                              <dgm:bulletEnabled val="1"/>
+                            </dgm:varLst>
+                            <dgm:alg type="tx">
+                              <dgm:param type="parTxLTRAlign" val="l"/>
+                              <dgm:param type="parTxRTLAlign" val="r"/>
+                              <dgm:param type="txAnchorVert" val="t"/>
+                            </dgm:alg>
+                            <dgm:shape xmlns:r="http://schemas.openxmlformats.org/officeDocument/2006/relationships" type="rect" r:blip="">
+                              <dgm:adjLst/>
+                            </dgm:shape>
+                            <dgm:presOf axis="desOrSelf" ptType="node"/>
+                            <dgm:constrLst>
+                              <dgm:constr type="tMarg" refType="primFontSz" fact="0.3"/>
+                              <dgm:constr type="bMarg" refType="primFontSz" fact="0.3"/>
+                              <dgm:constr type="lMarg" refType="primFontSz" fact="0.3"/>
+                              <dgm:constr type="rMarg" refType="primFontSz" fact="0.3"/>
+                            </dgm:constrLst>
+                            <dgm:ruleLst>
+                              <dgm:rule type="primFontSz" val="5" fact="NaN" max="NaN"/>
+                            </dgm:ruleLst>
+                          </dgm:layoutNode>
+                        </dgm:layoutNode>
+                      </dgm:forEach>
+                    </dgm:layoutNode>
+                  </dgm:layoutNode>
+                  <dgm:forEach name="Name37" axis="followSib" ptType="sibTrans" cnt="1">
+                    <dgm:layoutNode name="thinLine3" styleLbl="callout">
+                      <dgm:alg type="sp"/>
+                      <dgm:shape xmlns:r="http://schemas.openxmlformats.org/officeDocument/2006/relationships" type="line" r:blip="">
+                        <dgm:adjLst/>
+                      </dgm:shape>
+                      <dgm:presOf/>
+                    </dgm:layoutNode>
+                  </dgm:forEach>
+                </dgm:forEach>
+              </dgm:layoutNode>
+            </dgm:layoutNode>
+            <dgm:layoutNode name="thinLine2b" styleLbl="callout">
+              <dgm:alg type="sp"/>
+              <dgm:shape xmlns:r="http://schemas.openxmlformats.org/officeDocument/2006/relationships" type="line" r:blip="">
+                <dgm:adjLst/>
+              </dgm:shape>
+              <dgm:presOf/>
+            </dgm:layoutNode>
+            <dgm:layoutNode name="vertSpace2b">
+              <dgm:alg type="sp"/>
+              <dgm:shape xmlns:r="http://schemas.openxmlformats.org/officeDocument/2006/relationships" r:blip="">
+                <dgm:adjLst/>
+              </dgm:shape>
+              <dgm:presOf/>
+            </dgm:layoutNode>
+          </dgm:forEach>
+        </dgm:layoutNode>
+      </dgm:layoutNode>
+    </dgm:forEach>
+  </dgm:layoutNode>
+</dgm:layoutDef>
+</file>
+
+<file path=ppt/diagrams/layout2.xml><?xml version="1.0" encoding="utf-8"?>
 <dgm:layoutDef xmlns:dgm="http://schemas.openxmlformats.org/drawingml/2006/diagram" xmlns:a="http://schemas.openxmlformats.org/drawingml/2006/main" uniqueId="urn:microsoft.com/office/officeart/2008/layout/LinedList">
   <dgm:title val=""/>
   <dgm:desc val=""/>
@@ -3035,6 +4886,1066 @@
 </dgm:styleDef>
 </file>
 
+<file path=ppt/diagrams/quickStyle2.xml><?xml version="1.0" encoding="utf-8"?>
+<dgm:styleDef xmlns:dgm="http://schemas.openxmlformats.org/drawingml/2006/diagram" xmlns:a="http://schemas.openxmlformats.org/drawingml/2006/main" uniqueId="urn:microsoft.com/office/officeart/2005/8/quickstyle/simple3">
+  <dgm:title val=""/>
+  <dgm:desc val=""/>
+  <dgm:catLst>
+    <dgm:cat type="simple" pri="10300"/>
+  </dgm:catLst>
+  <dgm:scene3d>
+    <a:camera prst="orthographicFront"/>
+    <a:lightRig rig="threePt" dir="t"/>
+  </dgm:scene3d>
+  <dgm:styleLbl name="node0">
+    <dgm:scene3d>
+      <a:camera prst="orthographicFront"/>
+      <a:lightRig rig="flat" dir="t"/>
+    </dgm:scene3d>
+    <dgm:sp3d prstMaterial="dkEdge">
+      <a:bevelT w="8200" h="38100"/>
+    </dgm:sp3d>
+    <dgm:txPr/>
+    <dgm:style>
+      <a:lnRef idx="0">
+        <a:scrgbClr r="0" g="0" b="0"/>
+      </a:lnRef>
+      <a:fillRef idx="2">
+        <a:scrgbClr r="0" g="0" b="0"/>
+      </a:fillRef>
+      <a:effectRef idx="1">
+        <a:scrgbClr r="0" g="0" b="0"/>
+      </a:effectRef>
+      <a:fontRef idx="minor">
+        <a:schemeClr val="dk1"/>
+      </a:fontRef>
+    </dgm:style>
+  </dgm:styleLbl>
+  <dgm:styleLbl name="lnNode1">
+    <dgm:scene3d>
+      <a:camera prst="orthographicFront"/>
+      <a:lightRig rig="flat" dir="t"/>
+    </dgm:scene3d>
+    <dgm:sp3d prstMaterial="dkEdge">
+      <a:bevelT w="8200" h="38100"/>
+    </dgm:sp3d>
+    <dgm:txPr/>
+    <dgm:style>
+      <a:lnRef idx="1">
+        <a:scrgbClr r="0" g="0" b="0"/>
+      </a:lnRef>
+      <a:fillRef idx="2">
+        <a:scrgbClr r="0" g="0" b="0"/>
+      </a:fillRef>
+      <a:effectRef idx="0">
+        <a:scrgbClr r="0" g="0" b="0"/>
+      </a:effectRef>
+      <a:fontRef idx="minor">
+        <a:schemeClr val="dk1"/>
+      </a:fontRef>
+    </dgm:style>
+  </dgm:styleLbl>
+  <dgm:styleLbl name="vennNode1">
+    <dgm:scene3d>
+      <a:camera prst="orthographicFront"/>
+      <a:lightRig rig="flat" dir="t"/>
+    </dgm:scene3d>
+    <dgm:sp3d prstMaterial="dkEdge">
+      <a:bevelT w="8200" h="38100"/>
+    </dgm:sp3d>
+    <dgm:txPr/>
+    <dgm:style>
+      <a:lnRef idx="0">
+        <a:scrgbClr r="0" g="0" b="0"/>
+      </a:lnRef>
+      <a:fillRef idx="2">
+        <a:scrgbClr r="0" g="0" b="0"/>
+      </a:fillRef>
+      <a:effectRef idx="0">
+        <a:scrgbClr r="0" g="0" b="0"/>
+      </a:effectRef>
+      <a:fontRef idx="minor">
+        <a:schemeClr val="tx1"/>
+      </a:fontRef>
+    </dgm:style>
+  </dgm:styleLbl>
+  <dgm:styleLbl name="alignNode1">
+    <dgm:scene3d>
+      <a:camera prst="orthographicFront"/>
+      <a:lightRig rig="threePt" dir="t"/>
+    </dgm:scene3d>
+    <dgm:sp3d/>
+    <dgm:txPr/>
+    <dgm:style>
+      <a:lnRef idx="1">
+        <a:scrgbClr r="0" g="0" b="0"/>
+      </a:lnRef>
+      <a:fillRef idx="2">
+        <a:scrgbClr r="0" g="0" b="0"/>
+      </a:fillRef>
+      <a:effectRef idx="1">
+        <a:scrgbClr r="0" g="0" b="0"/>
+      </a:effectRef>
+      <a:fontRef idx="minor">
+        <a:schemeClr val="dk1"/>
+      </a:fontRef>
+    </dgm:style>
+  </dgm:styleLbl>
+  <dgm:styleLbl name="node1">
+    <dgm:scene3d>
+      <a:camera prst="orthographicFront"/>
+      <a:lightRig rig="flat" dir="t"/>
+    </dgm:scene3d>
+    <dgm:sp3d prstMaterial="dkEdge">
+      <a:bevelT w="8200" h="38100"/>
+    </dgm:sp3d>
+    <dgm:txPr/>
+    <dgm:style>
+      <a:lnRef idx="0">
+        <a:scrgbClr r="0" g="0" b="0"/>
+      </a:lnRef>
+      <a:fillRef idx="2">
+        <a:scrgbClr r="0" g="0" b="0"/>
+      </a:fillRef>
+      <a:effectRef idx="1">
+        <a:scrgbClr r="0" g="0" b="0"/>
+      </a:effectRef>
+      <a:fontRef idx="minor">
+        <a:schemeClr val="dk1"/>
+      </a:fontRef>
+    </dgm:style>
+  </dgm:styleLbl>
+  <dgm:styleLbl name="node2">
+    <dgm:scene3d>
+      <a:camera prst="orthographicFront"/>
+      <a:lightRig rig="flat" dir="t"/>
+    </dgm:scene3d>
+    <dgm:sp3d prstMaterial="dkEdge">
+      <a:bevelT w="8200" h="38100"/>
+    </dgm:sp3d>
+    <dgm:txPr/>
+    <dgm:style>
+      <a:lnRef idx="0">
+        <a:scrgbClr r="0" g="0" b="0"/>
+      </a:lnRef>
+      <a:fillRef idx="2">
+        <a:scrgbClr r="0" g="0" b="0"/>
+      </a:fillRef>
+      <a:effectRef idx="1">
+        <a:scrgbClr r="0" g="0" b="0"/>
+      </a:effectRef>
+      <a:fontRef idx="minor">
+        <a:schemeClr val="dk1"/>
+      </a:fontRef>
+    </dgm:style>
+  </dgm:styleLbl>
+  <dgm:styleLbl name="node3">
+    <dgm:scene3d>
+      <a:camera prst="orthographicFront"/>
+      <a:lightRig rig="flat" dir="t"/>
+    </dgm:scene3d>
+    <dgm:sp3d prstMaterial="dkEdge">
+      <a:bevelT w="8200" h="38100"/>
+    </dgm:sp3d>
+    <dgm:txPr/>
+    <dgm:style>
+      <a:lnRef idx="0">
+        <a:scrgbClr r="0" g="0" b="0"/>
+      </a:lnRef>
+      <a:fillRef idx="2">
+        <a:scrgbClr r="0" g="0" b="0"/>
+      </a:fillRef>
+      <a:effectRef idx="1">
+        <a:scrgbClr r="0" g="0" b="0"/>
+      </a:effectRef>
+      <a:fontRef idx="minor">
+        <a:schemeClr val="dk1"/>
+      </a:fontRef>
+    </dgm:style>
+  </dgm:styleLbl>
+  <dgm:styleLbl name="node4">
+    <dgm:scene3d>
+      <a:camera prst="orthographicFront"/>
+      <a:lightRig rig="flat" dir="t"/>
+    </dgm:scene3d>
+    <dgm:sp3d prstMaterial="dkEdge">
+      <a:bevelT w="8200" h="38100"/>
+    </dgm:sp3d>
+    <dgm:txPr/>
+    <dgm:style>
+      <a:lnRef idx="0">
+        <a:scrgbClr r="0" g="0" b="0"/>
+      </a:lnRef>
+      <a:fillRef idx="2">
+        <a:scrgbClr r="0" g="0" b="0"/>
+      </a:fillRef>
+      <a:effectRef idx="1">
+        <a:scrgbClr r="0" g="0" b="0"/>
+      </a:effectRef>
+      <a:fontRef idx="minor">
+        <a:schemeClr val="dk1"/>
+      </a:fontRef>
+    </dgm:style>
+  </dgm:styleLbl>
+  <dgm:styleLbl name="fgImgPlace1">
+    <dgm:scene3d>
+      <a:camera prst="orthographicFront"/>
+      <a:lightRig rig="threePt" dir="t"/>
+    </dgm:scene3d>
+    <dgm:sp3d/>
+    <dgm:txPr/>
+    <dgm:style>
+      <a:lnRef idx="1">
+        <a:scrgbClr r="0" g="0" b="0"/>
+      </a:lnRef>
+      <a:fillRef idx="1">
+        <a:scrgbClr r="0" g="0" b="0"/>
+      </a:fillRef>
+      <a:effectRef idx="1">
+        <a:scrgbClr r="0" g="0" b="0"/>
+      </a:effectRef>
+      <a:fontRef idx="minor"/>
+    </dgm:style>
+  </dgm:styleLbl>
+  <dgm:styleLbl name="alignImgPlace1">
+    <dgm:scene3d>
+      <a:camera prst="orthographicFront"/>
+      <a:lightRig rig="threePt" dir="t"/>
+    </dgm:scene3d>
+    <dgm:sp3d/>
+    <dgm:txPr/>
+    <dgm:style>
+      <a:lnRef idx="1">
+        <a:scrgbClr r="0" g="0" b="0"/>
+      </a:lnRef>
+      <a:fillRef idx="1">
+        <a:scrgbClr r="0" g="0" b="0"/>
+      </a:fillRef>
+      <a:effectRef idx="1">
+        <a:scrgbClr r="0" g="0" b="0"/>
+      </a:effectRef>
+      <a:fontRef idx="minor"/>
+    </dgm:style>
+  </dgm:styleLbl>
+  <dgm:styleLbl name="bgImgPlace1">
+    <dgm:scene3d>
+      <a:camera prst="orthographicFront"/>
+      <a:lightRig rig="threePt" dir="t"/>
+    </dgm:scene3d>
+    <dgm:sp3d/>
+    <dgm:txPr/>
+    <dgm:style>
+      <a:lnRef idx="1">
+        <a:scrgbClr r="0" g="0" b="0"/>
+      </a:lnRef>
+      <a:fillRef idx="1">
+        <a:scrgbClr r="0" g="0" b="0"/>
+      </a:fillRef>
+      <a:effectRef idx="1">
+        <a:scrgbClr r="0" g="0" b="0"/>
+      </a:effectRef>
+      <a:fontRef idx="minor"/>
+    </dgm:style>
+  </dgm:styleLbl>
+  <dgm:styleLbl name="sibTrans2D1">
+    <dgm:scene3d>
+      <a:camera prst="orthographicFront"/>
+      <a:lightRig rig="threePt" dir="t"/>
+    </dgm:scene3d>
+    <dgm:sp3d/>
+    <dgm:txPr/>
+    <dgm:style>
+      <a:lnRef idx="0">
+        <a:scrgbClr r="0" g="0" b="0"/>
+      </a:lnRef>
+      <a:fillRef idx="2">
+        <a:scrgbClr r="0" g="0" b="0"/>
+      </a:fillRef>
+      <a:effectRef idx="1">
+        <a:scrgbClr r="0" g="0" b="0"/>
+      </a:effectRef>
+      <a:fontRef idx="minor">
+        <a:schemeClr val="dk1"/>
+      </a:fontRef>
+    </dgm:style>
+  </dgm:styleLbl>
+  <dgm:styleLbl name="fgSibTrans2D1">
+    <dgm:scene3d>
+      <a:camera prst="orthographicFront"/>
+      <a:lightRig rig="threePt" dir="t"/>
+    </dgm:scene3d>
+    <dgm:sp3d/>
+    <dgm:txPr/>
+    <dgm:style>
+      <a:lnRef idx="0">
+        <a:scrgbClr r="0" g="0" b="0"/>
+      </a:lnRef>
+      <a:fillRef idx="2">
+        <a:scrgbClr r="0" g="0" b="0"/>
+      </a:fillRef>
+      <a:effectRef idx="1">
+        <a:scrgbClr r="0" g="0" b="0"/>
+      </a:effectRef>
+      <a:fontRef idx="minor">
+        <a:schemeClr val="dk1"/>
+      </a:fontRef>
+    </dgm:style>
+  </dgm:styleLbl>
+  <dgm:styleLbl name="bgSibTrans2D1">
+    <dgm:scene3d>
+      <a:camera prst="orthographicFront"/>
+      <a:lightRig rig="threePt" dir="t"/>
+    </dgm:scene3d>
+    <dgm:sp3d/>
+    <dgm:txPr/>
+    <dgm:style>
+      <a:lnRef idx="0">
+        <a:scrgbClr r="0" g="0" b="0"/>
+      </a:lnRef>
+      <a:fillRef idx="2">
+        <a:scrgbClr r="0" g="0" b="0"/>
+      </a:fillRef>
+      <a:effectRef idx="1">
+        <a:scrgbClr r="0" g="0" b="0"/>
+      </a:effectRef>
+      <a:fontRef idx="minor">
+        <a:schemeClr val="dk1"/>
+      </a:fontRef>
+    </dgm:style>
+  </dgm:styleLbl>
+  <dgm:styleLbl name="sibTrans1D1">
+    <dgm:scene3d>
+      <a:camera prst="orthographicFront"/>
+      <a:lightRig rig="threePt" dir="t"/>
+    </dgm:scene3d>
+    <dgm:sp3d/>
+    <dgm:txPr/>
+    <dgm:style>
+      <a:lnRef idx="1">
+        <a:scrgbClr r="0" g="0" b="0"/>
+      </a:lnRef>
+      <a:fillRef idx="0">
+        <a:scrgbClr r="0" g="0" b="0"/>
+      </a:fillRef>
+      <a:effectRef idx="0">
+        <a:scrgbClr r="0" g="0" b="0"/>
+      </a:effectRef>
+      <a:fontRef idx="minor"/>
+    </dgm:style>
+  </dgm:styleLbl>
+  <dgm:styleLbl name="callout">
+    <dgm:scene3d>
+      <a:camera prst="orthographicFront"/>
+      <a:lightRig rig="threePt" dir="t"/>
+    </dgm:scene3d>
+    <dgm:sp3d/>
+    <dgm:txPr/>
+    <dgm:style>
+      <a:lnRef idx="1">
+        <a:scrgbClr r="0" g="0" b="0"/>
+      </a:lnRef>
+      <a:fillRef idx="2">
+        <a:scrgbClr r="0" g="0" b="0"/>
+      </a:fillRef>
+      <a:effectRef idx="1">
+        <a:scrgbClr r="0" g="0" b="0"/>
+      </a:effectRef>
+      <a:fontRef idx="minor"/>
+    </dgm:style>
+  </dgm:styleLbl>
+  <dgm:styleLbl name="asst0">
+    <dgm:scene3d>
+      <a:camera prst="orthographicFront"/>
+      <a:lightRig rig="flat" dir="t"/>
+    </dgm:scene3d>
+    <dgm:sp3d prstMaterial="dkEdge">
+      <a:bevelT w="8200" h="38100"/>
+    </dgm:sp3d>
+    <dgm:txPr/>
+    <dgm:style>
+      <a:lnRef idx="0">
+        <a:scrgbClr r="0" g="0" b="0"/>
+      </a:lnRef>
+      <a:fillRef idx="2">
+        <a:scrgbClr r="0" g="0" b="0"/>
+      </a:fillRef>
+      <a:effectRef idx="1">
+        <a:scrgbClr r="0" g="0" b="0"/>
+      </a:effectRef>
+      <a:fontRef idx="minor">
+        <a:schemeClr val="dk1"/>
+      </a:fontRef>
+    </dgm:style>
+  </dgm:styleLbl>
+  <dgm:styleLbl name="asst1">
+    <dgm:scene3d>
+      <a:camera prst="orthographicFront"/>
+      <a:lightRig rig="flat" dir="t"/>
+    </dgm:scene3d>
+    <dgm:sp3d prstMaterial="dkEdge">
+      <a:bevelT w="8200" h="38100"/>
+    </dgm:sp3d>
+    <dgm:txPr/>
+    <dgm:style>
+      <a:lnRef idx="0">
+        <a:scrgbClr r="0" g="0" b="0"/>
+      </a:lnRef>
+      <a:fillRef idx="2">
+        <a:scrgbClr r="0" g="0" b="0"/>
+      </a:fillRef>
+      <a:effectRef idx="1">
+        <a:scrgbClr r="0" g="0" b="0"/>
+      </a:effectRef>
+      <a:fontRef idx="minor">
+        <a:schemeClr val="dk1"/>
+      </a:fontRef>
+    </dgm:style>
+  </dgm:styleLbl>
+  <dgm:styleLbl name="asst2">
+    <dgm:scene3d>
+      <a:camera prst="orthographicFront"/>
+      <a:lightRig rig="flat" dir="t"/>
+    </dgm:scene3d>
+    <dgm:sp3d prstMaterial="dkEdge">
+      <a:bevelT w="8200" h="38100"/>
+    </dgm:sp3d>
+    <dgm:txPr/>
+    <dgm:style>
+      <a:lnRef idx="0">
+        <a:scrgbClr r="0" g="0" b="0"/>
+      </a:lnRef>
+      <a:fillRef idx="2">
+        <a:scrgbClr r="0" g="0" b="0"/>
+      </a:fillRef>
+      <a:effectRef idx="1">
+        <a:scrgbClr r="0" g="0" b="0"/>
+      </a:effectRef>
+      <a:fontRef idx="minor">
+        <a:schemeClr val="dk1"/>
+      </a:fontRef>
+    </dgm:style>
+  </dgm:styleLbl>
+  <dgm:styleLbl name="asst3">
+    <dgm:scene3d>
+      <a:camera prst="orthographicFront"/>
+      <a:lightRig rig="flat" dir="t"/>
+    </dgm:scene3d>
+    <dgm:sp3d prstMaterial="dkEdge">
+      <a:bevelT w="8200" h="38100"/>
+    </dgm:sp3d>
+    <dgm:txPr/>
+    <dgm:style>
+      <a:lnRef idx="0">
+        <a:scrgbClr r="0" g="0" b="0"/>
+      </a:lnRef>
+      <a:fillRef idx="2">
+        <a:scrgbClr r="0" g="0" b="0"/>
+      </a:fillRef>
+      <a:effectRef idx="1">
+        <a:scrgbClr r="0" g="0" b="0"/>
+      </a:effectRef>
+      <a:fontRef idx="minor">
+        <a:schemeClr val="dk1"/>
+      </a:fontRef>
+    </dgm:style>
+  </dgm:styleLbl>
+  <dgm:styleLbl name="asst4">
+    <dgm:scene3d>
+      <a:camera prst="orthographicFront"/>
+      <a:lightRig rig="flat" dir="t"/>
+    </dgm:scene3d>
+    <dgm:sp3d prstMaterial="dkEdge">
+      <a:bevelT w="8200" h="38100"/>
+    </dgm:sp3d>
+    <dgm:txPr/>
+    <dgm:style>
+      <a:lnRef idx="0">
+        <a:scrgbClr r="0" g="0" b="0"/>
+      </a:lnRef>
+      <a:fillRef idx="2">
+        <a:scrgbClr r="0" g="0" b="0"/>
+      </a:fillRef>
+      <a:effectRef idx="1">
+        <a:scrgbClr r="0" g="0" b="0"/>
+      </a:effectRef>
+      <a:fontRef idx="minor">
+        <a:schemeClr val="dk1"/>
+      </a:fontRef>
+    </dgm:style>
+  </dgm:styleLbl>
+  <dgm:styleLbl name="parChTrans2D1">
+    <dgm:scene3d>
+      <a:camera prst="orthographicFront"/>
+      <a:lightRig rig="threePt" dir="t"/>
+    </dgm:scene3d>
+    <dgm:sp3d/>
+    <dgm:txPr/>
+    <dgm:style>
+      <a:lnRef idx="1">
+        <a:scrgbClr r="0" g="0" b="0"/>
+      </a:lnRef>
+      <a:fillRef idx="2">
+        <a:scrgbClr r="0" g="0" b="0"/>
+      </a:fillRef>
+      <a:effectRef idx="1">
+        <a:scrgbClr r="0" g="0" b="0"/>
+      </a:effectRef>
+      <a:fontRef idx="minor">
+        <a:schemeClr val="dk1"/>
+      </a:fontRef>
+    </dgm:style>
+  </dgm:styleLbl>
+  <dgm:styleLbl name="parChTrans2D2">
+    <dgm:scene3d>
+      <a:camera prst="orthographicFront"/>
+      <a:lightRig rig="threePt" dir="t"/>
+    </dgm:scene3d>
+    <dgm:sp3d/>
+    <dgm:txPr/>
+    <dgm:style>
+      <a:lnRef idx="1">
+        <a:scrgbClr r="0" g="0" b="0"/>
+      </a:lnRef>
+      <a:fillRef idx="2">
+        <a:scrgbClr r="0" g="0" b="0"/>
+      </a:fillRef>
+      <a:effectRef idx="1">
+        <a:scrgbClr r="0" g="0" b="0"/>
+      </a:effectRef>
+      <a:fontRef idx="minor">
+        <a:schemeClr val="dk1"/>
+      </a:fontRef>
+    </dgm:style>
+  </dgm:styleLbl>
+  <dgm:styleLbl name="parChTrans2D3">
+    <dgm:scene3d>
+      <a:camera prst="orthographicFront"/>
+      <a:lightRig rig="threePt" dir="t"/>
+    </dgm:scene3d>
+    <dgm:sp3d/>
+    <dgm:txPr/>
+    <dgm:style>
+      <a:lnRef idx="1">
+        <a:scrgbClr r="0" g="0" b="0"/>
+      </a:lnRef>
+      <a:fillRef idx="2">
+        <a:scrgbClr r="0" g="0" b="0"/>
+      </a:fillRef>
+      <a:effectRef idx="1">
+        <a:scrgbClr r="0" g="0" b="0"/>
+      </a:effectRef>
+      <a:fontRef idx="minor">
+        <a:schemeClr val="dk1"/>
+      </a:fontRef>
+    </dgm:style>
+  </dgm:styleLbl>
+  <dgm:styleLbl name="parChTrans2D4">
+    <dgm:scene3d>
+      <a:camera prst="orthographicFront"/>
+      <a:lightRig rig="threePt" dir="t"/>
+    </dgm:scene3d>
+    <dgm:sp3d/>
+    <dgm:txPr/>
+    <dgm:style>
+      <a:lnRef idx="1">
+        <a:scrgbClr r="0" g="0" b="0"/>
+      </a:lnRef>
+      <a:fillRef idx="2">
+        <a:scrgbClr r="0" g="0" b="0"/>
+      </a:fillRef>
+      <a:effectRef idx="1">
+        <a:scrgbClr r="0" g="0" b="0"/>
+      </a:effectRef>
+      <a:fontRef idx="minor">
+        <a:schemeClr val="dk1"/>
+      </a:fontRef>
+    </dgm:style>
+  </dgm:styleLbl>
+  <dgm:styleLbl name="parChTrans1D1">
+    <dgm:scene3d>
+      <a:camera prst="orthographicFront"/>
+      <a:lightRig rig="threePt" dir="t"/>
+    </dgm:scene3d>
+    <dgm:sp3d/>
+    <dgm:txPr/>
+    <dgm:style>
+      <a:lnRef idx="2">
+        <a:scrgbClr r="0" g="0" b="0"/>
+      </a:lnRef>
+      <a:fillRef idx="0">
+        <a:scrgbClr r="0" g="0" b="0"/>
+      </a:fillRef>
+      <a:effectRef idx="0">
+        <a:scrgbClr r="0" g="0" b="0"/>
+      </a:effectRef>
+      <a:fontRef idx="minor"/>
+    </dgm:style>
+  </dgm:styleLbl>
+  <dgm:styleLbl name="parChTrans1D2">
+    <dgm:scene3d>
+      <a:camera prst="orthographicFront"/>
+      <a:lightRig rig="threePt" dir="t"/>
+    </dgm:scene3d>
+    <dgm:sp3d/>
+    <dgm:txPr/>
+    <dgm:style>
+      <a:lnRef idx="2">
+        <a:scrgbClr r="0" g="0" b="0"/>
+      </a:lnRef>
+      <a:fillRef idx="0">
+        <a:scrgbClr r="0" g="0" b="0"/>
+      </a:fillRef>
+      <a:effectRef idx="0">
+        <a:scrgbClr r="0" g="0" b="0"/>
+      </a:effectRef>
+      <a:fontRef idx="minor"/>
+    </dgm:style>
+  </dgm:styleLbl>
+  <dgm:styleLbl name="parChTrans1D3">
+    <dgm:scene3d>
+      <a:camera prst="orthographicFront"/>
+      <a:lightRig rig="threePt" dir="t"/>
+    </dgm:scene3d>
+    <dgm:sp3d/>
+    <dgm:txPr/>
+    <dgm:style>
+      <a:lnRef idx="2">
+        <a:scrgbClr r="0" g="0" b="0"/>
+      </a:lnRef>
+      <a:fillRef idx="0">
+        <a:scrgbClr r="0" g="0" b="0"/>
+      </a:fillRef>
+      <a:effectRef idx="0">
+        <a:scrgbClr r="0" g="0" b="0"/>
+      </a:effectRef>
+      <a:fontRef idx="minor"/>
+    </dgm:style>
+  </dgm:styleLbl>
+  <dgm:styleLbl name="parChTrans1D4">
+    <dgm:scene3d>
+      <a:camera prst="orthographicFront"/>
+      <a:lightRig rig="threePt" dir="t"/>
+    </dgm:scene3d>
+    <dgm:sp3d/>
+    <dgm:txPr/>
+    <dgm:style>
+      <a:lnRef idx="2">
+        <a:scrgbClr r="0" g="0" b="0"/>
+      </a:lnRef>
+      <a:fillRef idx="0">
+        <a:scrgbClr r="0" g="0" b="0"/>
+      </a:fillRef>
+      <a:effectRef idx="0">
+        <a:scrgbClr r="0" g="0" b="0"/>
+      </a:effectRef>
+      <a:fontRef idx="minor"/>
+    </dgm:style>
+  </dgm:styleLbl>
+  <dgm:styleLbl name="fgAcc1">
+    <dgm:scene3d>
+      <a:camera prst="orthographicFront"/>
+      <a:lightRig rig="threePt" dir="t"/>
+    </dgm:scene3d>
+    <dgm:sp3d/>
+    <dgm:txPr/>
+    <dgm:style>
+      <a:lnRef idx="1">
+        <a:scrgbClr r="0" g="0" b="0"/>
+      </a:lnRef>
+      <a:fillRef idx="1">
+        <a:scrgbClr r="0" g="0" b="0"/>
+      </a:fillRef>
+      <a:effectRef idx="0">
+        <a:scrgbClr r="0" g="0" b="0"/>
+      </a:effectRef>
+      <a:fontRef idx="minor"/>
+    </dgm:style>
+  </dgm:styleLbl>
+  <dgm:styleLbl name="conFgAcc1">
+    <dgm:scene3d>
+      <a:camera prst="orthographicFront"/>
+      <a:lightRig rig="threePt" dir="t"/>
+    </dgm:scene3d>
+    <dgm:sp3d/>
+    <dgm:txPr/>
+    <dgm:style>
+      <a:lnRef idx="1">
+        <a:scrgbClr r="0" g="0" b="0"/>
+      </a:lnRef>
+      <a:fillRef idx="1">
+        <a:scrgbClr r="0" g="0" b="0"/>
+      </a:fillRef>
+      <a:effectRef idx="0">
+        <a:scrgbClr r="0" g="0" b="0"/>
+      </a:effectRef>
+      <a:fontRef idx="minor"/>
+    </dgm:style>
+  </dgm:styleLbl>
+  <dgm:styleLbl name="alignAcc1">
+    <dgm:scene3d>
+      <a:camera prst="orthographicFront"/>
+      <a:lightRig rig="threePt" dir="t"/>
+    </dgm:scene3d>
+    <dgm:sp3d/>
+    <dgm:txPr/>
+    <dgm:style>
+      <a:lnRef idx="1">
+        <a:scrgbClr r="0" g="0" b="0"/>
+      </a:lnRef>
+      <a:fillRef idx="1">
+        <a:scrgbClr r="0" g="0" b="0"/>
+      </a:fillRef>
+      <a:effectRef idx="0">
+        <a:scrgbClr r="0" g="0" b="0"/>
+      </a:effectRef>
+      <a:fontRef idx="minor"/>
+    </dgm:style>
+  </dgm:styleLbl>
+  <dgm:styleLbl name="trAlignAcc1">
+    <dgm:scene3d>
+      <a:camera prst="orthographicFront"/>
+      <a:lightRig rig="threePt" dir="t"/>
+    </dgm:scene3d>
+    <dgm:sp3d/>
+    <dgm:txPr/>
+    <dgm:style>
+      <a:lnRef idx="1">
+        <a:scrgbClr r="0" g="0" b="0"/>
+      </a:lnRef>
+      <a:fillRef idx="1">
+        <a:scrgbClr r="0" g="0" b="0"/>
+      </a:fillRef>
+      <a:effectRef idx="0">
+        <a:scrgbClr r="0" g="0" b="0"/>
+      </a:effectRef>
+      <a:fontRef idx="minor"/>
+    </dgm:style>
+  </dgm:styleLbl>
+  <dgm:styleLbl name="bgAcc1">
+    <dgm:scene3d>
+      <a:camera prst="orthographicFront"/>
+      <a:lightRig rig="threePt" dir="t"/>
+    </dgm:scene3d>
+    <dgm:sp3d/>
+    <dgm:txPr/>
+    <dgm:style>
+      <a:lnRef idx="1">
+        <a:scrgbClr r="0" g="0" b="0"/>
+      </a:lnRef>
+      <a:fillRef idx="1">
+        <a:scrgbClr r="0" g="0" b="0"/>
+      </a:fillRef>
+      <a:effectRef idx="0">
+        <a:scrgbClr r="0" g="0" b="0"/>
+      </a:effectRef>
+      <a:fontRef idx="minor"/>
+    </dgm:style>
+  </dgm:styleLbl>
+  <dgm:styleLbl name="solidFgAcc1">
+    <dgm:scene3d>
+      <a:camera prst="orthographicFront"/>
+      <a:lightRig rig="threePt" dir="t"/>
+    </dgm:scene3d>
+    <dgm:sp3d/>
+    <dgm:txPr/>
+    <dgm:style>
+      <a:lnRef idx="1">
+        <a:scrgbClr r="0" g="0" b="0"/>
+      </a:lnRef>
+      <a:fillRef idx="2">
+        <a:scrgbClr r="0" g="0" b="0"/>
+      </a:fillRef>
+      <a:effectRef idx="0">
+        <a:scrgbClr r="0" g="0" b="0"/>
+      </a:effectRef>
+      <a:fontRef idx="minor"/>
+    </dgm:style>
+  </dgm:styleLbl>
+  <dgm:styleLbl name="solidAlignAcc1">
+    <dgm:scene3d>
+      <a:camera prst="orthographicFront"/>
+      <a:lightRig rig="threePt" dir="t"/>
+    </dgm:scene3d>
+    <dgm:sp3d/>
+    <dgm:txPr/>
+    <dgm:style>
+      <a:lnRef idx="1">
+        <a:scrgbClr r="0" g="0" b="0"/>
+      </a:lnRef>
+      <a:fillRef idx="1">
+        <a:scrgbClr r="0" g="0" b="0"/>
+      </a:fillRef>
+      <a:effectRef idx="0">
+        <a:scrgbClr r="0" g="0" b="0"/>
+      </a:effectRef>
+      <a:fontRef idx="minor"/>
+    </dgm:style>
+  </dgm:styleLbl>
+  <dgm:styleLbl name="solidBgAcc1">
+    <dgm:scene3d>
+      <a:camera prst="orthographicFront"/>
+      <a:lightRig rig="threePt" dir="t"/>
+    </dgm:scene3d>
+    <dgm:sp3d/>
+    <dgm:txPr/>
+    <dgm:style>
+      <a:lnRef idx="1">
+        <a:scrgbClr r="0" g="0" b="0"/>
+      </a:lnRef>
+      <a:fillRef idx="1">
+        <a:scrgbClr r="0" g="0" b="0"/>
+      </a:fillRef>
+      <a:effectRef idx="0">
+        <a:scrgbClr r="0" g="0" b="0"/>
+      </a:effectRef>
+      <a:fontRef idx="minor"/>
+    </dgm:style>
+  </dgm:styleLbl>
+  <dgm:styleLbl name="fgAccFollowNode1">
+    <dgm:scene3d>
+      <a:camera prst="orthographicFront"/>
+      <a:lightRig rig="threePt" dir="t"/>
+    </dgm:scene3d>
+    <dgm:sp3d/>
+    <dgm:txPr/>
+    <dgm:style>
+      <a:lnRef idx="1">
+        <a:scrgbClr r="0" g="0" b="0"/>
+      </a:lnRef>
+      <a:fillRef idx="1">
+        <a:scrgbClr r="0" g="0" b="0"/>
+      </a:fillRef>
+      <a:effectRef idx="0">
+        <a:scrgbClr r="0" g="0" b="0"/>
+      </a:effectRef>
+      <a:fontRef idx="minor"/>
+    </dgm:style>
+  </dgm:styleLbl>
+  <dgm:styleLbl name="alignAccFollowNode1">
+    <dgm:scene3d>
+      <a:camera prst="orthographicFront"/>
+      <a:lightRig rig="threePt" dir="t"/>
+    </dgm:scene3d>
+    <dgm:sp3d/>
+    <dgm:txPr/>
+    <dgm:style>
+      <a:lnRef idx="1">
+        <a:scrgbClr r="0" g="0" b="0"/>
+      </a:lnRef>
+      <a:fillRef idx="1">
+        <a:scrgbClr r="0" g="0" b="0"/>
+      </a:fillRef>
+      <a:effectRef idx="0">
+        <a:scrgbClr r="0" g="0" b="0"/>
+      </a:effectRef>
+      <a:fontRef idx="minor"/>
+    </dgm:style>
+  </dgm:styleLbl>
+  <dgm:styleLbl name="bgAccFollowNode1">
+    <dgm:scene3d>
+      <a:camera prst="orthographicFront"/>
+      <a:lightRig rig="threePt" dir="t"/>
+    </dgm:scene3d>
+    <dgm:sp3d/>
+    <dgm:txPr/>
+    <dgm:style>
+      <a:lnRef idx="1">
+        <a:scrgbClr r="0" g="0" b="0"/>
+      </a:lnRef>
+      <a:fillRef idx="1">
+        <a:scrgbClr r="0" g="0" b="0"/>
+      </a:fillRef>
+      <a:effectRef idx="0">
+        <a:scrgbClr r="0" g="0" b="0"/>
+      </a:effectRef>
+      <a:fontRef idx="minor"/>
+    </dgm:style>
+  </dgm:styleLbl>
+  <dgm:styleLbl name="fgAcc0">
+    <dgm:scene3d>
+      <a:camera prst="orthographicFront"/>
+      <a:lightRig rig="threePt" dir="t"/>
+    </dgm:scene3d>
+    <dgm:sp3d/>
+    <dgm:txPr/>
+    <dgm:style>
+      <a:lnRef idx="1">
+        <a:scrgbClr r="0" g="0" b="0"/>
+      </a:lnRef>
+      <a:fillRef idx="1">
+        <a:scrgbClr r="0" g="0" b="0"/>
+      </a:fillRef>
+      <a:effectRef idx="0">
+        <a:scrgbClr r="0" g="0" b="0"/>
+      </a:effectRef>
+      <a:fontRef idx="minor"/>
+    </dgm:style>
+  </dgm:styleLbl>
+  <dgm:styleLbl name="fgAcc2">
+    <dgm:scene3d>
+      <a:camera prst="orthographicFront"/>
+      <a:lightRig rig="threePt" dir="t"/>
+    </dgm:scene3d>
+    <dgm:sp3d/>
+    <dgm:txPr/>
+    <dgm:style>
+      <a:lnRef idx="1">
+        <a:scrgbClr r="0" g="0" b="0"/>
+      </a:lnRef>
+      <a:fillRef idx="1">
+        <a:scrgbClr r="0" g="0" b="0"/>
+      </a:fillRef>
+      <a:effectRef idx="0">
+        <a:scrgbClr r="0" g="0" b="0"/>
+      </a:effectRef>
+      <a:fontRef idx="minor"/>
+    </dgm:style>
+  </dgm:styleLbl>
+  <dgm:styleLbl name="fgAcc3">
+    <dgm:scene3d>
+      <a:camera prst="orthographicFront"/>
+      <a:lightRig rig="threePt" dir="t"/>
+    </dgm:scene3d>
+    <dgm:sp3d/>
+    <dgm:txPr/>
+    <dgm:style>
+      <a:lnRef idx="1">
+        <a:scrgbClr r="0" g="0" b="0"/>
+      </a:lnRef>
+      <a:fillRef idx="1">
+        <a:scrgbClr r="0" g="0" b="0"/>
+      </a:fillRef>
+      <a:effectRef idx="0">
+        <a:scrgbClr r="0" g="0" b="0"/>
+      </a:effectRef>
+      <a:fontRef idx="minor"/>
+    </dgm:style>
+  </dgm:styleLbl>
+  <dgm:styleLbl name="fgAcc4">
+    <dgm:scene3d>
+      <a:camera prst="orthographicFront"/>
+      <a:lightRig rig="threePt" dir="t"/>
+    </dgm:scene3d>
+    <dgm:sp3d/>
+    <dgm:txPr/>
+    <dgm:style>
+      <a:lnRef idx="1">
+        <a:scrgbClr r="0" g="0" b="0"/>
+      </a:lnRef>
+      <a:fillRef idx="1">
+        <a:scrgbClr r="0" g="0" b="0"/>
+      </a:fillRef>
+      <a:effectRef idx="0">
+        <a:scrgbClr r="0" g="0" b="0"/>
+      </a:effectRef>
+      <a:fontRef idx="minor"/>
+    </dgm:style>
+  </dgm:styleLbl>
+  <dgm:styleLbl name="bgShp">
+    <dgm:scene3d>
+      <a:camera prst="orthographicFront"/>
+      <a:lightRig rig="threePt" dir="t"/>
+    </dgm:scene3d>
+    <dgm:sp3d/>
+    <dgm:txPr/>
+    <dgm:style>
+      <a:lnRef idx="0">
+        <a:scrgbClr r="0" g="0" b="0"/>
+      </a:lnRef>
+      <a:fillRef idx="1">
+        <a:scrgbClr r="0" g="0" b="0"/>
+      </a:fillRef>
+      <a:effectRef idx="1">
+        <a:scrgbClr r="0" g="0" b="0"/>
+      </a:effectRef>
+      <a:fontRef idx="minor"/>
+    </dgm:style>
+  </dgm:styleLbl>
+  <dgm:styleLbl name="dkBgShp">
+    <dgm:scene3d>
+      <a:camera prst="orthographicFront"/>
+      <a:lightRig rig="threePt" dir="t"/>
+    </dgm:scene3d>
+    <dgm:sp3d/>
+    <dgm:txPr/>
+    <dgm:style>
+      <a:lnRef idx="0">
+        <a:scrgbClr r="0" g="0" b="0"/>
+      </a:lnRef>
+      <a:fillRef idx="1">
+        <a:scrgbClr r="0" g="0" b="0"/>
+      </a:fillRef>
+      <a:effectRef idx="1">
+        <a:scrgbClr r="0" g="0" b="0"/>
+      </a:effectRef>
+      <a:fontRef idx="minor"/>
+    </dgm:style>
+  </dgm:styleLbl>
+  <dgm:styleLbl name="trBgShp">
+    <dgm:scene3d>
+      <a:camera prst="orthographicFront"/>
+      <a:lightRig rig="threePt" dir="t"/>
+    </dgm:scene3d>
+    <dgm:sp3d/>
+    <dgm:txPr/>
+    <dgm:style>
+      <a:lnRef idx="0">
+        <a:scrgbClr r="0" g="0" b="0"/>
+      </a:lnRef>
+      <a:fillRef idx="1">
+        <a:scrgbClr r="0" g="0" b="0"/>
+      </a:fillRef>
+      <a:effectRef idx="0">
+        <a:scrgbClr r="0" g="0" b="0"/>
+      </a:effectRef>
+      <a:fontRef idx="minor"/>
+    </dgm:style>
+  </dgm:styleLbl>
+  <dgm:styleLbl name="fgShp">
+    <dgm:scene3d>
+      <a:camera prst="orthographicFront"/>
+      <a:lightRig rig="flat" dir="t"/>
+    </dgm:scene3d>
+    <dgm:sp3d prstMaterial="dkEdge">
+      <a:bevelT w="8200" h="38100"/>
+    </dgm:sp3d>
+    <dgm:txPr/>
+    <dgm:style>
+      <a:lnRef idx="1">
+        <a:scrgbClr r="0" g="0" b="0"/>
+      </a:lnRef>
+      <a:fillRef idx="2">
+        <a:scrgbClr r="0" g="0" b="0"/>
+      </a:fillRef>
+      <a:effectRef idx="1">
+        <a:scrgbClr r="0" g="0" b="0"/>
+      </a:effectRef>
+      <a:fontRef idx="minor"/>
+    </dgm:style>
+  </dgm:styleLbl>
+  <dgm:styleLbl name="revTx">
+    <dgm:scene3d>
+      <a:camera prst="orthographicFront"/>
+      <a:lightRig rig="threePt" dir="t"/>
+    </dgm:scene3d>
+    <dgm:sp3d/>
+    <dgm:txPr/>
+    <dgm:style>
+      <a:lnRef idx="0">
+        <a:scrgbClr r="0" g="0" b="0"/>
+      </a:lnRef>
+      <a:fillRef idx="0">
+        <a:scrgbClr r="0" g="0" b="0"/>
+      </a:fillRef>
+      <a:effectRef idx="0">
+        <a:scrgbClr r="0" g="0" b="0"/>
+      </a:effectRef>
+      <a:fontRef idx="minor"/>
+    </dgm:style>
+  </dgm:styleLbl>
+</dgm:styleDef>
+</file>
+
 <file path=ppt/handoutMasters/handoutMaster1.xml><?xml version="1.0" encoding="utf-8"?>
 <p:handoutMaster xmlns:a="http://schemas.openxmlformats.org/drawingml/2006/main" xmlns:r="http://schemas.openxmlformats.org/officeDocument/2006/relationships" xmlns:p="http://schemas.openxmlformats.org/presentationml/2006/main">
   <p:cSld>
@@ -3129,7 +6040,7 @@
           <a:p>
             <a:fld id="{300E0152-FD71-476E-93B4-2748553546FC}" type="datetimeFigureOut">
               <a:rPr lang="fr-FR" smtClean="0"/>
-              <a:t>11/04/2022</a:t>
+              <a:t>15/04/2022</a:t>
             </a:fld>
             <a:endParaRPr lang="fr-FR"/>
           </a:p>
@@ -3307,7 +6218,7 @@
           <a:p>
             <a:fld id="{7E818C28-E326-4E30-9CF2-2C1A4C894E1E}" type="datetimeFigureOut">
               <a:rPr lang="fr-FR" noProof="0" smtClean="0"/>
-              <a:t>11/04/2022</a:t>
+              <a:t>15/04/2022</a:t>
             </a:fld>
             <a:endParaRPr lang="fr-FR" noProof="0"/>
           </a:p>
@@ -3817,7 +6728,7 @@
     </p:spTree>
     <p:extLst>
       <p:ext uri="{BB962C8B-B14F-4D97-AF65-F5344CB8AC3E}">
-        <p14:creationId xmlns:p14="http://schemas.microsoft.com/office/powerpoint/2010/main" val="303939541"/>
+        <p14:creationId xmlns:p14="http://schemas.microsoft.com/office/powerpoint/2010/main" val="1107097846"/>
       </p:ext>
     </p:extLst>
   </p:cSld>
@@ -3901,7 +6812,7 @@
     </p:spTree>
     <p:extLst>
       <p:ext uri="{BB962C8B-B14F-4D97-AF65-F5344CB8AC3E}">
-        <p14:creationId xmlns:p14="http://schemas.microsoft.com/office/powerpoint/2010/main" val="108935256"/>
+        <p14:creationId xmlns:p14="http://schemas.microsoft.com/office/powerpoint/2010/main" val="303939541"/>
       </p:ext>
     </p:extLst>
   </p:cSld>
@@ -3985,7 +6896,7 @@
     </p:spTree>
     <p:extLst>
       <p:ext uri="{BB962C8B-B14F-4D97-AF65-F5344CB8AC3E}">
-        <p14:creationId xmlns:p14="http://schemas.microsoft.com/office/powerpoint/2010/main" val="3179704275"/>
+        <p14:creationId xmlns:p14="http://schemas.microsoft.com/office/powerpoint/2010/main" val="108935256"/>
       </p:ext>
     </p:extLst>
   </p:cSld>
@@ -4060,7 +6971,7 @@
           <a:p>
             <a:fld id="{319E0709-8032-4F3E-A041-680E7FBB13CC}" type="slidenum">
               <a:rPr lang="fr-FR" noProof="0" smtClean="0"/>
-              <a:t>9</a:t>
+              <a:t>6</a:t>
             </a:fld>
             <a:endParaRPr lang="fr-FR" noProof="0"/>
           </a:p>
@@ -4069,7 +6980,7 @@
     </p:spTree>
     <p:extLst>
       <p:ext uri="{BB962C8B-B14F-4D97-AF65-F5344CB8AC3E}">
-        <p14:creationId xmlns:p14="http://schemas.microsoft.com/office/powerpoint/2010/main" val="2705068078"/>
+        <p14:creationId xmlns:p14="http://schemas.microsoft.com/office/powerpoint/2010/main" val="3179704275"/>
       </p:ext>
     </p:extLst>
   </p:cSld>
@@ -4144,7 +7055,91 @@
           <a:p>
             <a:fld id="{319E0709-8032-4F3E-A041-680E7FBB13CC}" type="slidenum">
               <a:rPr lang="fr-FR" noProof="0" smtClean="0"/>
-              <a:t>13</a:t>
+              <a:t>10</a:t>
+            </a:fld>
+            <a:endParaRPr lang="fr-FR" noProof="0"/>
+          </a:p>
+        </p:txBody>
+      </p:sp>
+    </p:spTree>
+    <p:extLst>
+      <p:ext uri="{BB962C8B-B14F-4D97-AF65-F5344CB8AC3E}">
+        <p14:creationId xmlns:p14="http://schemas.microsoft.com/office/powerpoint/2010/main" val="2705068078"/>
+      </p:ext>
+    </p:extLst>
+  </p:cSld>
+  <p:clrMapOvr>
+    <a:masterClrMapping/>
+  </p:clrMapOvr>
+</p:notes>
+</file>
+
+<file path=ppt/notesSlides/notesSlide8.xml><?xml version="1.0" encoding="utf-8"?>
+<p:notes xmlns:a="http://schemas.openxmlformats.org/drawingml/2006/main" xmlns:r="http://schemas.openxmlformats.org/officeDocument/2006/relationships" xmlns:p="http://schemas.openxmlformats.org/presentationml/2006/main">
+  <p:cSld>
+    <p:spTree>
+      <p:nvGrpSpPr>
+        <p:cNvPr id="1" name=""/>
+        <p:cNvGrpSpPr/>
+        <p:nvPr/>
+      </p:nvGrpSpPr>
+      <p:grpSpPr>
+        <a:xfrm>
+          <a:off x="0" y="0"/>
+          <a:ext cx="0" cy="0"/>
+          <a:chOff x="0" y="0"/>
+          <a:chExt cx="0" cy="0"/>
+        </a:xfrm>
+      </p:grpSpPr>
+      <p:sp>
+        <p:nvSpPr>
+          <p:cNvPr id="2" name="Espace réservé de l'image des diapositives 1"/>
+          <p:cNvSpPr>
+            <a:spLocks noGrp="1" noRot="1" noChangeAspect="1"/>
+          </p:cNvSpPr>
+          <p:nvPr>
+            <p:ph type="sldImg"/>
+          </p:nvPr>
+        </p:nvSpPr>
+        <p:spPr/>
+      </p:sp>
+      <p:sp>
+        <p:nvSpPr>
+          <p:cNvPr id="3" name="Espace réservé des notes 2"/>
+          <p:cNvSpPr>
+            <a:spLocks noGrp="1"/>
+          </p:cNvSpPr>
+          <p:nvPr>
+            <p:ph type="body" idx="1"/>
+          </p:nvPr>
+        </p:nvSpPr>
+        <p:spPr/>
+        <p:txBody>
+          <a:bodyPr/>
+          <a:lstStyle/>
+          <a:p>
+            <a:endParaRPr lang="fr-FR"/>
+          </a:p>
+        </p:txBody>
+      </p:sp>
+      <p:sp>
+        <p:nvSpPr>
+          <p:cNvPr id="4" name="Espace réservé du numéro de diapositive 3"/>
+          <p:cNvSpPr>
+            <a:spLocks noGrp="1"/>
+          </p:cNvSpPr>
+          <p:nvPr>
+            <p:ph type="sldNum" sz="quarter" idx="5"/>
+          </p:nvPr>
+        </p:nvSpPr>
+        <p:spPr/>
+        <p:txBody>
+          <a:bodyPr/>
+          <a:lstStyle/>
+          <a:p>
+            <a:fld id="{319E0709-8032-4F3E-A041-680E7FBB13CC}" type="slidenum">
+              <a:rPr lang="fr-FR" noProof="0" smtClean="0"/>
+              <a:t>14</a:t>
             </a:fld>
             <a:endParaRPr lang="fr-FR" noProof="0"/>
           </a:p>
@@ -4352,7 +7347,7 @@
             <a:pPr rtl="0"/>
             <a:fld id="{84D57ED5-9CB3-4471-9B6F-968F3C8F84E1}" type="datetime1">
               <a:rPr lang="fr-FR" noProof="0" smtClean="0"/>
-              <a:t>11/04/2022</a:t>
+              <a:t>15/04/2022</a:t>
             </a:fld>
             <a:endParaRPr lang="fr-FR" noProof="0"/>
           </a:p>
@@ -4694,7 +7689,7 @@
             <a:pPr rtl="0"/>
             <a:fld id="{82C21BD6-09AD-4CE8-91E4-0CCB39C35B1C}" type="datetime1">
               <a:rPr lang="fr-FR" noProof="0" smtClean="0"/>
-              <a:t>11/04/2022</a:t>
+              <a:t>15/04/2022</a:t>
             </a:fld>
             <a:endParaRPr lang="fr-FR" noProof="0"/>
           </a:p>
@@ -5099,7 +8094,7 @@
             <a:pPr rtl="0"/>
             <a:fld id="{3C77B77F-91DD-4C26-904A-477D7569DB10}" type="datetime1">
               <a:rPr lang="fr-FR" noProof="0" smtClean="0"/>
-              <a:t>11/04/2022</a:t>
+              <a:t>15/04/2022</a:t>
             </a:fld>
             <a:endParaRPr lang="fr-FR" noProof="0"/>
           </a:p>
@@ -5439,7 +8434,7 @@
             <a:pPr rtl="0"/>
             <a:fld id="{BF2D40E6-123C-44C7-96E6-E5EB17E95AC5}" type="datetime1">
               <a:rPr lang="fr-FR" noProof="0" smtClean="0"/>
-              <a:t>11/04/2022</a:t>
+              <a:t>15/04/2022</a:t>
             </a:fld>
             <a:endParaRPr lang="fr-FR" noProof="0"/>
           </a:p>
@@ -5764,7 +8759,7 @@
             <a:pPr rtl="0"/>
             <a:fld id="{BF2D40E6-123C-44C7-96E6-E5EB17E95AC5}" type="datetime1">
               <a:rPr lang="fr-FR" noProof="0" smtClean="0"/>
-              <a:t>11/04/2022</a:t>
+              <a:t>15/04/2022</a:t>
             </a:fld>
             <a:endParaRPr lang="fr-FR" noProof="0"/>
           </a:p>
@@ -6165,7 +9160,7 @@
             <a:pPr rtl="0"/>
             <a:fld id="{5E9C6408-3BC8-40DF-BC19-0E01079E3CE3}" type="datetime1">
               <a:rPr lang="fr-FR" noProof="0" smtClean="0"/>
-              <a:t>11/04/2022</a:t>
+              <a:t>15/04/2022</a:t>
             </a:fld>
             <a:endParaRPr lang="fr-FR" noProof="0"/>
           </a:p>
@@ -6426,7 +9421,7 @@
             <a:pPr rtl="0"/>
             <a:fld id="{475489E5-EE2A-4D3B-B34D-823A7028B4FB}" type="datetime1">
               <a:rPr lang="fr-FR" noProof="0" smtClean="0"/>
-              <a:t>11/04/2022</a:t>
+              <a:t>15/04/2022</a:t>
             </a:fld>
             <a:endParaRPr lang="fr-FR" noProof="0"/>
           </a:p>
@@ -6692,7 +9687,7 @@
             <a:pPr rtl="0"/>
             <a:fld id="{CD123ACB-C9EE-4C9E-B8CE-AAAC5E9A0232}" type="datetime1">
               <a:rPr lang="fr-FR" noProof="0" smtClean="0"/>
-              <a:t>11/04/2022</a:t>
+              <a:t>15/04/2022</a:t>
             </a:fld>
             <a:endParaRPr lang="fr-FR" noProof="0"/>
           </a:p>
@@ -6958,7 +9953,7 @@
             <a:pPr rtl="0"/>
             <a:fld id="{6860E4D8-56D9-4E46-AB44-CADDEB05CB81}" type="datetime1">
               <a:rPr lang="fr-FR" noProof="0" smtClean="0"/>
-              <a:t>11/04/2022</a:t>
+              <a:t>15/04/2022</a:t>
             </a:fld>
             <a:endParaRPr lang="fr-FR" noProof="0"/>
           </a:p>
@@ -7291,7 +10286,7 @@
             <a:pPr rtl="0"/>
             <a:fld id="{BF2D40E6-123C-44C7-96E6-E5EB17E95AC5}" type="datetime1">
               <a:rPr lang="fr-FR" noProof="0" smtClean="0"/>
-              <a:t>11/04/2022</a:t>
+              <a:t>15/04/2022</a:t>
             </a:fld>
             <a:endParaRPr lang="fr-FR" noProof="0"/>
           </a:p>
@@ -7619,7 +10614,7 @@
             <a:pPr rtl="0"/>
             <a:fld id="{5ADDB20C-1774-4B16-9666-0BE66B3E81AC}" type="datetime1">
               <a:rPr lang="fr-FR" noProof="0" smtClean="0"/>
-              <a:t>11/04/2022</a:t>
+              <a:t>15/04/2022</a:t>
             </a:fld>
             <a:endParaRPr lang="fr-FR" noProof="0"/>
           </a:p>
@@ -8080,7 +11075,7 @@
             <a:pPr rtl="0"/>
             <a:fld id="{1F37DF42-8FE2-4196-B087-A644399BE082}" type="datetime1">
               <a:rPr lang="fr-FR" noProof="0" smtClean="0"/>
-              <a:t>11/04/2022</a:t>
+              <a:t>15/04/2022</a:t>
             </a:fld>
             <a:endParaRPr lang="fr-FR" noProof="0"/>
           </a:p>
@@ -8289,7 +11284,7 @@
             <a:pPr rtl="0"/>
             <a:fld id="{BF2D40E6-123C-44C7-96E6-E5EB17E95AC5}" type="datetime1">
               <a:rPr lang="fr-FR" noProof="0" smtClean="0"/>
-              <a:t>11/04/2022</a:t>
+              <a:t>15/04/2022</a:t>
             </a:fld>
             <a:endParaRPr lang="fr-FR" noProof="0"/>
           </a:p>
@@ -8471,7 +11466,7 @@
             <a:pPr rtl="0"/>
             <a:fld id="{A9AA5441-00F0-4727-A8C3-46A783FC5724}" type="datetime1">
               <a:rPr lang="fr-FR" noProof="0" smtClean="0"/>
-              <a:t>11/04/2022</a:t>
+              <a:t>15/04/2022</a:t>
             </a:fld>
             <a:endParaRPr lang="fr-FR" noProof="0"/>
           </a:p>
@@ -8808,7 +11803,7 @@
             <a:pPr rtl="0"/>
             <a:fld id="{C032274E-A475-49B8-A4A0-80F13BCA3C3A}" type="datetime1">
               <a:rPr lang="fr-FR" noProof="0" smtClean="0"/>
-              <a:t>11/04/2022</a:t>
+              <a:t>15/04/2022</a:t>
             </a:fld>
             <a:endParaRPr lang="fr-FR" noProof="0"/>
           </a:p>
@@ -9157,7 +12152,7 @@
             <a:pPr rtl="0"/>
             <a:fld id="{F9CED46A-8872-470A-807E-03961E183B93}" type="datetime1">
               <a:rPr lang="fr-FR" noProof="0" smtClean="0"/>
-              <a:t>11/04/2022</a:t>
+              <a:t>15/04/2022</a:t>
             </a:fld>
             <a:endParaRPr lang="fr-FR" noProof="0"/>
           </a:p>
@@ -11215,7 +14210,7 @@
             <a:pPr rtl="0"/>
             <a:fld id="{BF2D40E6-123C-44C7-96E6-E5EB17E95AC5}" type="datetime1">
               <a:rPr lang="fr-FR" noProof="0" smtClean="0"/>
-              <a:t>11/04/2022</a:t>
+              <a:t>15/04/2022</a:t>
             </a:fld>
             <a:endParaRPr lang="fr-FR" noProof="0"/>
           </a:p>
@@ -11849,6 +14844,355 @@
 <file path=ppt/slides/slide10.xml><?xml version="1.0" encoding="utf-8"?>
 <p:sld xmlns:a="http://schemas.openxmlformats.org/drawingml/2006/main" xmlns:r="http://schemas.openxmlformats.org/officeDocument/2006/relationships" xmlns:p="http://schemas.openxmlformats.org/presentationml/2006/main">
   <p:cSld>
+    <p:bg>
+      <p:bgPr>
+        <a:gradFill>
+          <a:gsLst>
+            <a:gs pos="0">
+              <a:schemeClr val="accent1"/>
+            </a:gs>
+            <a:gs pos="71000">
+              <a:schemeClr val="accent3"/>
+            </a:gs>
+          </a:gsLst>
+          <a:lin ang="2700000" scaled="1"/>
+        </a:gradFill>
+        <a:effectLst/>
+      </p:bgPr>
+    </p:bg>
+    <p:spTree>
+      <p:nvGrpSpPr>
+        <p:cNvPr id="1" name=""/>
+        <p:cNvGrpSpPr/>
+        <p:nvPr/>
+      </p:nvGrpSpPr>
+      <p:grpSpPr>
+        <a:xfrm>
+          <a:off x="0" y="0"/>
+          <a:ext cx="0" cy="0"/>
+          <a:chOff x="0" y="0"/>
+          <a:chExt cx="0" cy="0"/>
+        </a:xfrm>
+      </p:grpSpPr>
+      <p:pic>
+        <p:nvPicPr>
+          <p:cNvPr id="5" name="Image 4" descr="points lumineux">
+            <a:extLst>
+              <a:ext uri="{FF2B5EF4-FFF2-40B4-BE49-F238E27FC236}">
+                <a16:creationId xmlns:a16="http://schemas.microsoft.com/office/drawing/2014/main" id="{1A23FE0C-9A67-334E-9B7F-83AA9CF636A8}"/>
+              </a:ext>
+            </a:extLst>
+          </p:cNvPr>
+          <p:cNvPicPr>
+            <a:picLocks noChangeAspect="1"/>
+          </p:cNvPicPr>
+          <p:nvPr/>
+        </p:nvPicPr>
+        <p:blipFill rotWithShape="1">
+          <a:blip r:embed="rId3" cstate="print">
+            <a:duotone>
+              <a:schemeClr val="bg2">
+                <a:shade val="45000"/>
+                <a:satMod val="135000"/>
+              </a:schemeClr>
+              <a:prstClr val="white"/>
+            </a:duotone>
+            <a:alphaModFix amt="40000"/>
+            <a:extLst>
+              <a:ext uri="{28A0092B-C50C-407E-A947-70E740481C1C}">
+                <a14:useLocalDpi xmlns:a14="http://schemas.microsoft.com/office/drawing/2010/main"/>
+              </a:ext>
+            </a:extLst>
+          </a:blip>
+          <a:srcRect/>
+          <a:stretch/>
+        </p:blipFill>
+        <p:spPr>
+          <a:xfrm>
+            <a:off x="0" y="0"/>
+            <a:ext cx="12192000" cy="6857990"/>
+          </a:xfrm>
+          <a:prstGeom prst="rect">
+            <a:avLst/>
+          </a:prstGeom>
+        </p:spPr>
+      </p:pic>
+      <p:sp>
+        <p:nvSpPr>
+          <p:cNvPr id="2" name="Titre 1">
+            <a:extLst>
+              <a:ext uri="{FF2B5EF4-FFF2-40B4-BE49-F238E27FC236}">
+                <a16:creationId xmlns:a16="http://schemas.microsoft.com/office/drawing/2014/main" id="{F266081D-517B-5D43-A7B4-E67DDEDC0B31}"/>
+              </a:ext>
+            </a:extLst>
+          </p:cNvPr>
+          <p:cNvSpPr>
+            <a:spLocks noGrp="1"/>
+          </p:cNvSpPr>
+          <p:nvPr>
+            <p:ph type="ctrTitle"/>
+          </p:nvPr>
+        </p:nvSpPr>
+        <p:spPr>
+          <a:xfrm>
+            <a:off x="274387" y="88282"/>
+            <a:ext cx="12061700" cy="1002192"/>
+          </a:xfrm>
+        </p:spPr>
+        <p:txBody>
+          <a:bodyPr rtlCol="0">
+            <a:normAutofit fontScale="90000"/>
+          </a:bodyPr>
+          <a:lstStyle/>
+          <a:p>
+            <a:pPr rtl="0"/>
+            <a:r>
+              <a:rPr lang="fr-FR" dirty="0"/>
+              <a:t>Architecture du projet avec </a:t>
+            </a:r>
+            <a:r>
+              <a:rPr lang="fr-FR" dirty="0" err="1"/>
+              <a:t>symfony</a:t>
+            </a:r>
+            <a:endParaRPr lang="fr-FR" dirty="0"/>
+          </a:p>
+        </p:txBody>
+      </p:sp>
+      <p:sp>
+        <p:nvSpPr>
+          <p:cNvPr id="7" name="Rectangle 6"/>
+          <p:cNvSpPr/>
+          <p:nvPr/>
+        </p:nvSpPr>
+        <p:spPr>
+          <a:xfrm>
+            <a:off x="3002452" y="1597743"/>
+            <a:ext cx="8926311" cy="5324535"/>
+          </a:xfrm>
+          <a:prstGeom prst="rect">
+            <a:avLst/>
+          </a:prstGeom>
+        </p:spPr>
+        <p:txBody>
+          <a:bodyPr wrap="square">
+            <a:spAutoFit/>
+          </a:bodyPr>
+          <a:lstStyle/>
+          <a:p>
+            <a:r>
+              <a:rPr lang="fr-FR" sz="1600" b="1" dirty="0"/>
+              <a:t>Bin: C</a:t>
+            </a:r>
+            <a:r>
+              <a:rPr lang="fr-FR" sz="1600" dirty="0"/>
+              <a:t>ontient les fichiers de commandes permettant d’effectuer des actions sur un projet Symfony. </a:t>
+            </a:r>
+          </a:p>
+          <a:p>
+            <a:endParaRPr lang="fr-FR" sz="1600" dirty="0"/>
+          </a:p>
+          <a:p>
+            <a:r>
+              <a:rPr lang="fr-FR" sz="1600" b="1" dirty="0"/>
+              <a:t>Config</a:t>
+            </a:r>
+            <a:r>
+              <a:rPr lang="fr-FR" sz="1600" dirty="0"/>
+              <a:t> : Configuration des packages, services et routes (YAML)</a:t>
+            </a:r>
+          </a:p>
+          <a:p>
+            <a:endParaRPr lang="fr-FR" sz="1600" dirty="0"/>
+          </a:p>
+          <a:p>
+            <a:r>
+              <a:rPr lang="fr-FR" sz="1600" b="1" dirty="0"/>
+              <a:t>Migration : </a:t>
+            </a:r>
+            <a:r>
+              <a:rPr lang="fr-FR" sz="1600" dirty="0"/>
+              <a:t>Contient les fichier de migrations Doctrine -&gt; BDD</a:t>
+            </a:r>
+          </a:p>
+          <a:p>
+            <a:endParaRPr lang="fr-FR" sz="1600" dirty="0"/>
+          </a:p>
+          <a:p>
+            <a:r>
+              <a:rPr lang="fr-FR" sz="1600" b="1" dirty="0"/>
+              <a:t>Public</a:t>
+            </a:r>
+            <a:r>
+              <a:rPr lang="fr-FR" sz="1600" dirty="0"/>
+              <a:t> : Point d’entrée de l’application, </a:t>
+            </a:r>
+            <a:r>
+              <a:rPr lang="fr-FR" sz="1600" dirty="0" err="1"/>
+              <a:t>index.php</a:t>
+            </a:r>
+            <a:r>
+              <a:rPr lang="fr-FR" sz="1600" dirty="0"/>
+              <a:t>. Contient les images.</a:t>
+            </a:r>
+          </a:p>
+          <a:p>
+            <a:endParaRPr lang="fr-FR" sz="1600" dirty="0"/>
+          </a:p>
+          <a:p>
+            <a:r>
+              <a:rPr lang="fr-FR" sz="1600" b="1" dirty="0"/>
+              <a:t>SRC</a:t>
+            </a:r>
+            <a:r>
+              <a:rPr lang="fr-FR" sz="1600" dirty="0"/>
+              <a:t> : Cœur du projet  !  Dossier qui contient la logique de votre application.</a:t>
+            </a:r>
+          </a:p>
+          <a:p>
+            <a:endParaRPr lang="fr-FR" sz="1600" dirty="0"/>
+          </a:p>
+          <a:p>
+            <a:r>
+              <a:rPr lang="fr-FR" sz="1600" b="1" dirty="0" err="1"/>
+              <a:t>Templates</a:t>
+            </a:r>
+            <a:r>
+              <a:rPr lang="fr-FR" sz="1600" dirty="0"/>
+              <a:t> : Contient nos </a:t>
+            </a:r>
+            <a:r>
+              <a:rPr lang="fr-FR" sz="1600" dirty="0" err="1"/>
+              <a:t>Views</a:t>
+            </a:r>
+            <a:r>
+              <a:rPr lang="fr-FR" sz="1600" dirty="0"/>
+              <a:t>. Symfony utilise le moteur de Template </a:t>
+            </a:r>
+            <a:r>
+              <a:rPr lang="fr-FR" sz="1600" dirty="0" err="1"/>
+              <a:t>Twig</a:t>
+            </a:r>
+            <a:r>
+              <a:rPr lang="fr-FR" sz="1600" dirty="0"/>
+              <a:t> par défaut</a:t>
+            </a:r>
+            <a:r>
+              <a:rPr lang="fr-FR" sz="1600" dirty="0" smtClean="0"/>
+              <a:t>.</a:t>
+            </a:r>
+          </a:p>
+          <a:p>
+            <a:endParaRPr lang="fr-FR" sz="1600" dirty="0"/>
+          </a:p>
+          <a:p>
+            <a:r>
+              <a:rPr lang="fr-FR" b="1" dirty="0"/>
+              <a:t>Tests </a:t>
+            </a:r>
+            <a:r>
+              <a:rPr lang="fr-FR" dirty="0"/>
+              <a:t>: Contient les fichiers de test pour PHPUNIT</a:t>
+            </a:r>
+          </a:p>
+          <a:p>
+            <a:endParaRPr lang="fr-FR" sz="1600" dirty="0"/>
+          </a:p>
+          <a:p>
+            <a:r>
+              <a:rPr lang="fr-FR" sz="1600" b="1" dirty="0" smtClean="0"/>
+              <a:t>Var </a:t>
+            </a:r>
+            <a:r>
+              <a:rPr lang="fr-FR" sz="1600" b="1" dirty="0"/>
+              <a:t>: C</a:t>
+            </a:r>
+            <a:r>
+              <a:rPr lang="fr-FR" sz="1600" dirty="0"/>
+              <a:t>ache et fichiers de log.</a:t>
+            </a:r>
+          </a:p>
+          <a:p>
+            <a:endParaRPr lang="fr-FR" sz="1600" dirty="0"/>
+          </a:p>
+          <a:p>
+            <a:r>
+              <a:rPr lang="fr-FR" sz="1600" b="1" dirty="0" err="1"/>
+              <a:t>Vendor</a:t>
+            </a:r>
+            <a:r>
+              <a:rPr lang="fr-FR" sz="1600" dirty="0"/>
+              <a:t> : Packages de </a:t>
+            </a:r>
+            <a:r>
+              <a:rPr lang="fr-FR" sz="1600" dirty="0" err="1"/>
+              <a:t>symfony</a:t>
+            </a:r>
+            <a:r>
+              <a:rPr lang="fr-FR" sz="1600" dirty="0"/>
+              <a:t> listés dans le Fichier </a:t>
+            </a:r>
+            <a:r>
+              <a:rPr lang="fr-FR" sz="1600" dirty="0" err="1" smtClean="0"/>
+              <a:t>Composer.json</a:t>
+            </a:r>
+            <a:endParaRPr lang="fr-FR" sz="1600" dirty="0" smtClean="0"/>
+          </a:p>
+          <a:p>
+            <a:endParaRPr lang="fr-FR" sz="1600" dirty="0" smtClean="0"/>
+          </a:p>
+          <a:p>
+            <a:r>
+              <a:rPr lang="fr-FR" b="1" dirty="0"/>
+              <a:t>WEB </a:t>
+            </a:r>
+            <a:r>
+              <a:rPr lang="fr-FR" dirty="0"/>
+              <a:t>: Contient les résultats (rapport de couverture) des tests PHPUNIT</a:t>
+            </a:r>
+          </a:p>
+          <a:p>
+            <a:endParaRPr lang="fr-FR" sz="1600" dirty="0"/>
+          </a:p>
+        </p:txBody>
+      </p:sp>
+      <p:pic>
+        <p:nvPicPr>
+          <p:cNvPr id="6" name="Image 5"/>
+          <p:cNvPicPr/>
+          <p:nvPr/>
+        </p:nvPicPr>
+        <p:blipFill>
+          <a:blip r:embed="rId4"/>
+          <a:stretch>
+            <a:fillRect/>
+          </a:stretch>
+        </p:blipFill>
+        <p:spPr>
+          <a:xfrm>
+            <a:off x="58189" y="1697496"/>
+            <a:ext cx="2886075" cy="2476500"/>
+          </a:xfrm>
+          <a:prstGeom prst="rect">
+            <a:avLst/>
+          </a:prstGeom>
+        </p:spPr>
+      </p:pic>
+    </p:spTree>
+    <p:extLst>
+      <p:ext uri="{BB962C8B-B14F-4D97-AF65-F5344CB8AC3E}">
+        <p14:creationId xmlns:p14="http://schemas.microsoft.com/office/powerpoint/2010/main" val="3031881828"/>
+      </p:ext>
+    </p:extLst>
+  </p:cSld>
+  <p:clrMapOvr>
+    <a:masterClrMapping/>
+  </p:clrMapOvr>
+</p:sld>
+</file>
+
+<file path=ppt/slides/slide11.xml><?xml version="1.0" encoding="utf-8"?>
+<p:sld xmlns:a="http://schemas.openxmlformats.org/drawingml/2006/main" xmlns:r="http://schemas.openxmlformats.org/officeDocument/2006/relationships" xmlns:p="http://schemas.openxmlformats.org/presentationml/2006/main">
+  <p:cSld>
     <p:spTree>
       <p:nvGrpSpPr>
         <p:cNvPr id="1" name=""/>
@@ -11966,7 +15310,7 @@
 </p:sld>
 </file>
 
-<file path=ppt/slides/slide11.xml><?xml version="1.0" encoding="utf-8"?>
+<file path=ppt/slides/slide12.xml><?xml version="1.0" encoding="utf-8"?>
 <p:sld xmlns:a="http://schemas.openxmlformats.org/drawingml/2006/main" xmlns:r="http://schemas.openxmlformats.org/officeDocument/2006/relationships" xmlns:p="http://schemas.openxmlformats.org/presentationml/2006/main">
   <p:cSld>
     <p:spTree>
@@ -12084,7 +15428,7 @@
 </p:sld>
 </file>
 
-<file path=ppt/slides/slide12.xml><?xml version="1.0" encoding="utf-8"?>
+<file path=ppt/slides/slide13.xml><?xml version="1.0" encoding="utf-8"?>
 <p:sld xmlns:a="http://schemas.openxmlformats.org/drawingml/2006/main" xmlns:r="http://schemas.openxmlformats.org/officeDocument/2006/relationships" xmlns:p="http://schemas.openxmlformats.org/presentationml/2006/main">
   <p:cSld>
     <p:spTree>
@@ -12333,7 +15677,7 @@
 </p:sld>
 </file>
 
-<file path=ppt/slides/slide13.xml><?xml version="1.0" encoding="utf-8"?>
+<file path=ppt/slides/slide14.xml><?xml version="1.0" encoding="utf-8"?>
 <p:sld xmlns:a="http://schemas.openxmlformats.org/drawingml/2006/main" xmlns:r="http://schemas.openxmlformats.org/officeDocument/2006/relationships" xmlns:p="http://schemas.openxmlformats.org/presentationml/2006/main">
   <p:cSld>
     <p:bg>
@@ -12559,7 +15903,7 @@
             <p:ph idx="1"/>
             <p:extLst>
               <p:ext uri="{D42A27DB-BD31-4B8C-83A1-F6EECF244321}">
-                <p14:modId xmlns:p14="http://schemas.microsoft.com/office/powerpoint/2010/main" val="2088921774"/>
+                <p14:modId xmlns:p14="http://schemas.microsoft.com/office/powerpoint/2010/main" val="3465209585"/>
               </p:ext>
             </p:extLst>
           </p:nvPr>
@@ -12684,6 +16028,184 @@
           <a:chExt cx="0" cy="0"/>
         </a:xfrm>
       </p:grpSpPr>
+      <p:sp>
+        <p:nvSpPr>
+          <p:cNvPr id="2" name="Titre 1">
+            <a:extLst>
+              <a:ext uri="{FF2B5EF4-FFF2-40B4-BE49-F238E27FC236}">
+                <a16:creationId xmlns:a16="http://schemas.microsoft.com/office/drawing/2014/main" id="{5F3F6C66-D6D7-4A72-9928-967AEA400766}"/>
+              </a:ext>
+            </a:extLst>
+          </p:cNvPr>
+          <p:cNvSpPr>
+            <a:spLocks noGrp="1"/>
+          </p:cNvSpPr>
+          <p:nvPr>
+            <p:ph type="title"/>
+          </p:nvPr>
+        </p:nvSpPr>
+        <p:spPr>
+          <a:xfrm>
+            <a:off x="2592926" y="624110"/>
+            <a:ext cx="5931006" cy="1280890"/>
+          </a:xfrm>
+        </p:spPr>
+        <p:txBody>
+          <a:bodyPr rtlCol="0">
+            <a:normAutofit/>
+          </a:bodyPr>
+          <a:lstStyle/>
+          <a:p>
+            <a:pPr rtl="0"/>
+            <a:r>
+              <a:rPr lang="fr-FR" dirty="0" smtClean="0"/>
+              <a:t>Fonctionnalités attendu</a:t>
+            </a:r>
+            <a:endParaRPr lang="fr-FR" dirty="0"/>
+          </a:p>
+        </p:txBody>
+      </p:sp>
+      <p:graphicFrame>
+        <p:nvGraphicFramePr>
+          <p:cNvPr id="5" name="Espace réservé au contenu 2" descr="Graphique icône liste SmartArt">
+            <a:extLst>
+              <a:ext uri="{FF2B5EF4-FFF2-40B4-BE49-F238E27FC236}">
+                <a16:creationId xmlns:a16="http://schemas.microsoft.com/office/drawing/2014/main" id="{7201ED44-E43F-0F4D-9EE4-135AC6924F3C}"/>
+              </a:ext>
+            </a:extLst>
+          </p:cNvPr>
+          <p:cNvGraphicFramePr>
+            <a:graphicFrameLocks noGrp="1" noChangeAspect="1"/>
+          </p:cNvGraphicFramePr>
+          <p:nvPr>
+            <p:ph idx="1"/>
+            <p:extLst>
+              <p:ext uri="{D42A27DB-BD31-4B8C-83A1-F6EECF244321}">
+                <p14:modId xmlns:p14="http://schemas.microsoft.com/office/powerpoint/2010/main" val="2938224620"/>
+              </p:ext>
+            </p:extLst>
+          </p:nvPr>
+        </p:nvGraphicFramePr>
+        <p:xfrm>
+          <a:off x="2724539" y="2133600"/>
+          <a:ext cx="4833257" cy="3778250"/>
+        </p:xfrm>
+        <a:graphic>
+          <a:graphicData uri="http://schemas.openxmlformats.org/drawingml/2006/diagram">
+            <dgm:relIds xmlns:dgm="http://schemas.openxmlformats.org/drawingml/2006/diagram" xmlns:r="http://schemas.openxmlformats.org/officeDocument/2006/relationships" r:dm="rId3" r:lo="rId4" r:qs="rId5" r:cs="rId6"/>
+          </a:graphicData>
+        </a:graphic>
+      </p:graphicFrame>
+      <p:pic>
+        <p:nvPicPr>
+          <p:cNvPr id="3" name="Image 2"/>
+          <p:cNvPicPr>
+            <a:picLocks noChangeAspect="1"/>
+          </p:cNvPicPr>
+          <p:nvPr/>
+        </p:nvPicPr>
+        <p:blipFill>
+          <a:blip r:embed="rId8"/>
+          <a:stretch>
+            <a:fillRect/>
+          </a:stretch>
+        </p:blipFill>
+        <p:spPr>
+          <a:xfrm>
+            <a:off x="8969105" y="0"/>
+            <a:ext cx="3222895" cy="2329546"/>
+          </a:xfrm>
+          <a:prstGeom prst="rect">
+            <a:avLst/>
+          </a:prstGeom>
+        </p:spPr>
+      </p:pic>
+      <p:pic>
+        <p:nvPicPr>
+          <p:cNvPr id="4" name="Image 3"/>
+          <p:cNvPicPr>
+            <a:picLocks noChangeAspect="1"/>
+          </p:cNvPicPr>
+          <p:nvPr/>
+        </p:nvPicPr>
+        <p:blipFill>
+          <a:blip r:embed="rId9"/>
+          <a:stretch>
+            <a:fillRect/>
+          </a:stretch>
+        </p:blipFill>
+        <p:spPr>
+          <a:xfrm>
+            <a:off x="8969105" y="4709404"/>
+            <a:ext cx="3222895" cy="2148596"/>
+          </a:xfrm>
+          <a:prstGeom prst="rect">
+            <a:avLst/>
+          </a:prstGeom>
+        </p:spPr>
+      </p:pic>
+      <p:pic>
+        <p:nvPicPr>
+          <p:cNvPr id="6" name="Image 5"/>
+          <p:cNvPicPr>
+            <a:picLocks noChangeAspect="1"/>
+          </p:cNvPicPr>
+          <p:nvPr/>
+        </p:nvPicPr>
+        <p:blipFill>
+          <a:blip r:embed="rId10"/>
+          <a:stretch>
+            <a:fillRect/>
+          </a:stretch>
+        </p:blipFill>
+        <p:spPr>
+          <a:xfrm>
+            <a:off x="8969105" y="2329546"/>
+            <a:ext cx="3222895" cy="2460617"/>
+          </a:xfrm>
+          <a:prstGeom prst="rect">
+            <a:avLst/>
+          </a:prstGeom>
+        </p:spPr>
+      </p:pic>
+    </p:spTree>
+    <p:extLst>
+      <p:ext uri="{BB962C8B-B14F-4D97-AF65-F5344CB8AC3E}">
+        <p14:creationId xmlns:p14="http://schemas.microsoft.com/office/powerpoint/2010/main" val="2369152254"/>
+      </p:ext>
+    </p:extLst>
+  </p:cSld>
+  <p:clrMapOvr>
+    <a:masterClrMapping/>
+  </p:clrMapOvr>
+</p:sld>
+</file>
+
+<file path=ppt/slides/slide4.xml><?xml version="1.0" encoding="utf-8"?>
+<p:sld xmlns:a="http://schemas.openxmlformats.org/drawingml/2006/main" xmlns:r="http://schemas.openxmlformats.org/officeDocument/2006/relationships" xmlns:p="http://schemas.openxmlformats.org/presentationml/2006/main">
+  <p:cSld>
+    <p:bg>
+      <p:bgPr>
+        <a:solidFill>
+          <a:schemeClr val="bg2"/>
+        </a:solidFill>
+        <a:effectLst/>
+      </p:bgPr>
+    </p:bg>
+    <p:spTree>
+      <p:nvGrpSpPr>
+        <p:cNvPr id="1" name=""/>
+        <p:cNvGrpSpPr/>
+        <p:nvPr/>
+      </p:nvGrpSpPr>
+      <p:grpSpPr>
+        <a:xfrm>
+          <a:off x="0" y="0"/>
+          <a:ext cx="0" cy="0"/>
+          <a:chOff x="0" y="0"/>
+          <a:chExt cx="0" cy="0"/>
+        </a:xfrm>
+      </p:grpSpPr>
       <p:pic>
         <p:nvPicPr>
           <p:cNvPr id="13" name="Image 12" descr="points lumineux">
@@ -12805,7 +16327,7 @@
 </p:sld>
 </file>
 
-<file path=ppt/slides/slide4.xml><?xml version="1.0" encoding="utf-8"?>
+<file path=ppt/slides/slide5.xml><?xml version="1.0" encoding="utf-8"?>
 <p:sld xmlns:a="http://schemas.openxmlformats.org/drawingml/2006/main" xmlns:r="http://schemas.openxmlformats.org/officeDocument/2006/relationships" xmlns:p="http://schemas.openxmlformats.org/presentationml/2006/main">
   <p:cSld>
     <p:bg>
@@ -12957,7 +16479,7 @@
 </p:sld>
 </file>
 
-<file path=ppt/slides/slide5.xml><?xml version="1.0" encoding="utf-8"?>
+<file path=ppt/slides/slide6.xml><?xml version="1.0" encoding="utf-8"?>
 <p:sld xmlns:a="http://schemas.openxmlformats.org/drawingml/2006/main" xmlns:r="http://schemas.openxmlformats.org/officeDocument/2006/relationships" xmlns:p="http://schemas.openxmlformats.org/presentationml/2006/main">
   <p:cSld>
     <p:bg>
@@ -13091,8 +16613,8 @@
         </p:blipFill>
         <p:spPr>
           <a:xfrm>
-            <a:off x="5699414" y="2612448"/>
-            <a:ext cx="5448300" cy="2381250"/>
+            <a:off x="1601239" y="1631546"/>
+            <a:ext cx="9181277" cy="4012796"/>
           </a:xfrm>
           <a:prstGeom prst="rect">
             <a:avLst/>
@@ -13103,108 +16625,6 @@
     <p:extLst>
       <p:ext uri="{BB962C8B-B14F-4D97-AF65-F5344CB8AC3E}">
         <p14:creationId xmlns:p14="http://schemas.microsoft.com/office/powerpoint/2010/main" val="4063739934"/>
-      </p:ext>
-    </p:extLst>
-  </p:cSld>
-  <p:clrMapOvr>
-    <a:masterClrMapping/>
-  </p:clrMapOvr>
-</p:sld>
-</file>
-
-<file path=ppt/slides/slide6.xml><?xml version="1.0" encoding="utf-8"?>
-<p:sld xmlns:a="http://schemas.openxmlformats.org/drawingml/2006/main" xmlns:r="http://schemas.openxmlformats.org/officeDocument/2006/relationships" xmlns:p="http://schemas.openxmlformats.org/presentationml/2006/main">
-  <p:cSld>
-    <p:spTree>
-      <p:nvGrpSpPr>
-        <p:cNvPr id="1" name=""/>
-        <p:cNvGrpSpPr/>
-        <p:nvPr/>
-      </p:nvGrpSpPr>
-      <p:grpSpPr>
-        <a:xfrm>
-          <a:off x="0" y="0"/>
-          <a:ext cx="0" cy="0"/>
-          <a:chOff x="0" y="0"/>
-          <a:chExt cx="0" cy="0"/>
-        </a:xfrm>
-      </p:grpSpPr>
-      <p:sp>
-        <p:nvSpPr>
-          <p:cNvPr id="5" name="Titre 1">
-            <a:extLst>
-              <a:ext uri="{FF2B5EF4-FFF2-40B4-BE49-F238E27FC236}">
-                <a16:creationId xmlns:a16="http://schemas.microsoft.com/office/drawing/2014/main" id="{23F6D5E8-15CF-4755-910B-1B5A1E777357}"/>
-              </a:ext>
-            </a:extLst>
-          </p:cNvPr>
-          <p:cNvSpPr>
-            <a:spLocks noGrp="1"/>
-          </p:cNvSpPr>
-          <p:nvPr>
-            <p:ph type="title"/>
-          </p:nvPr>
-        </p:nvSpPr>
-        <p:spPr>
-          <a:xfrm>
-            <a:off x="1619182" y="130052"/>
-            <a:ext cx="10572817" cy="1280890"/>
-          </a:xfrm>
-        </p:spPr>
-        <p:txBody>
-          <a:bodyPr rtlCol="0">
-            <a:normAutofit/>
-          </a:bodyPr>
-          <a:lstStyle/>
-          <a:p>
-            <a:pPr rtl="0"/>
-            <a:r>
-              <a:rPr lang="fr-FR" dirty="0"/>
-              <a:t>Gestion du projet : Présentation de </a:t>
-            </a:r>
-            <a:r>
-              <a:rPr lang="fr-FR" dirty="0" err="1"/>
-              <a:t>Github</a:t>
-            </a:r>
-            <a:r>
-              <a:rPr lang="fr-FR" dirty="0"/>
-              <a:t/>
-            </a:r>
-            <a:br>
-              <a:rPr lang="fr-FR" dirty="0"/>
-            </a:br>
-            <a:endParaRPr lang="fr-FR" dirty="0"/>
-          </a:p>
-        </p:txBody>
-      </p:sp>
-      <p:pic>
-        <p:nvPicPr>
-          <p:cNvPr id="2" name="Image 1"/>
-          <p:cNvPicPr>
-            <a:picLocks noChangeAspect="1"/>
-          </p:cNvPicPr>
-          <p:nvPr/>
-        </p:nvPicPr>
-        <p:blipFill>
-          <a:blip r:embed="rId2"/>
-          <a:stretch>
-            <a:fillRect/>
-          </a:stretch>
-        </p:blipFill>
-        <p:spPr>
-          <a:xfrm>
-            <a:off x="1619182" y="1286419"/>
-            <a:ext cx="9802282" cy="4895893"/>
-          </a:xfrm>
-          <a:prstGeom prst="rect">
-            <a:avLst/>
-          </a:prstGeom>
-        </p:spPr>
-      </p:pic>
-    </p:spTree>
-    <p:extLst>
-      <p:ext uri="{BB962C8B-B14F-4D97-AF65-F5344CB8AC3E}">
-        <p14:creationId xmlns:p14="http://schemas.microsoft.com/office/powerpoint/2010/main" val="2467304778"/>
       </p:ext>
     </p:extLst>
   </p:cSld>
@@ -13262,7 +16682,15 @@
             <a:pPr rtl="0"/>
             <a:r>
               <a:rPr lang="fr-FR" dirty="0"/>
-              <a:t>Gestion du projet : découpage des « issues »</a:t>
+              <a:t>Gestion du projet : Présentation de </a:t>
+            </a:r>
+            <a:r>
+              <a:rPr lang="fr-FR" dirty="0" err="1"/>
+              <a:t>Github</a:t>
+            </a:r>
+            <a:r>
+              <a:rPr lang="fr-FR" dirty="0"/>
+              <a:t/>
             </a:r>
             <a:br>
               <a:rPr lang="fr-FR" dirty="0"/>
@@ -13273,7 +16701,7 @@
       </p:sp>
       <p:pic>
         <p:nvPicPr>
-          <p:cNvPr id="3" name="Image 2"/>
+          <p:cNvPr id="2" name="Image 1"/>
           <p:cNvPicPr>
             <a:picLocks noChangeAspect="1"/>
           </p:cNvPicPr>
@@ -13287,8 +16715,8 @@
         </p:blipFill>
         <p:spPr>
           <a:xfrm>
-            <a:off x="1743873" y="900417"/>
-            <a:ext cx="9647747" cy="5768756"/>
+            <a:off x="181079" y="1211605"/>
+            <a:ext cx="11105175" cy="5546642"/>
           </a:xfrm>
           <a:prstGeom prst="rect">
             <a:avLst/>
@@ -13298,7 +16726,7 @@
     </p:spTree>
     <p:extLst>
       <p:ext uri="{BB962C8B-B14F-4D97-AF65-F5344CB8AC3E}">
-        <p14:creationId xmlns:p14="http://schemas.microsoft.com/office/powerpoint/2010/main" val="1309542815"/>
+        <p14:creationId xmlns:p14="http://schemas.microsoft.com/office/powerpoint/2010/main" val="2467304778"/>
       </p:ext>
     </p:extLst>
   </p:cSld>
@@ -13356,6 +16784,100 @@
             <a:pPr rtl="0"/>
             <a:r>
               <a:rPr lang="fr-FR" dirty="0"/>
+              <a:t>Gestion du projet : découpage des « issues »</a:t>
+            </a:r>
+            <a:br>
+              <a:rPr lang="fr-FR" dirty="0"/>
+            </a:br>
+            <a:endParaRPr lang="fr-FR" dirty="0"/>
+          </a:p>
+        </p:txBody>
+      </p:sp>
+      <p:pic>
+        <p:nvPicPr>
+          <p:cNvPr id="3" name="Image 2"/>
+          <p:cNvPicPr>
+            <a:picLocks noChangeAspect="1"/>
+          </p:cNvPicPr>
+          <p:nvPr/>
+        </p:nvPicPr>
+        <p:blipFill>
+          <a:blip r:embed="rId2"/>
+          <a:stretch>
+            <a:fillRect/>
+          </a:stretch>
+        </p:blipFill>
+        <p:spPr>
+          <a:xfrm>
+            <a:off x="1477867" y="1094062"/>
+            <a:ext cx="9445057" cy="5647560"/>
+          </a:xfrm>
+          <a:prstGeom prst="rect">
+            <a:avLst/>
+          </a:prstGeom>
+        </p:spPr>
+      </p:pic>
+    </p:spTree>
+    <p:extLst>
+      <p:ext uri="{BB962C8B-B14F-4D97-AF65-F5344CB8AC3E}">
+        <p14:creationId xmlns:p14="http://schemas.microsoft.com/office/powerpoint/2010/main" val="1309542815"/>
+      </p:ext>
+    </p:extLst>
+  </p:cSld>
+  <p:clrMapOvr>
+    <a:masterClrMapping/>
+  </p:clrMapOvr>
+</p:sld>
+</file>
+
+<file path=ppt/slides/slide9.xml><?xml version="1.0" encoding="utf-8"?>
+<p:sld xmlns:a="http://schemas.openxmlformats.org/drawingml/2006/main" xmlns:r="http://schemas.openxmlformats.org/officeDocument/2006/relationships" xmlns:p="http://schemas.openxmlformats.org/presentationml/2006/main">
+  <p:cSld>
+    <p:spTree>
+      <p:nvGrpSpPr>
+        <p:cNvPr id="1" name=""/>
+        <p:cNvGrpSpPr/>
+        <p:nvPr/>
+      </p:nvGrpSpPr>
+      <p:grpSpPr>
+        <a:xfrm>
+          <a:off x="0" y="0"/>
+          <a:ext cx="0" cy="0"/>
+          <a:chOff x="0" y="0"/>
+          <a:chExt cx="0" cy="0"/>
+        </a:xfrm>
+      </p:grpSpPr>
+      <p:sp>
+        <p:nvSpPr>
+          <p:cNvPr id="5" name="Titre 1">
+            <a:extLst>
+              <a:ext uri="{FF2B5EF4-FFF2-40B4-BE49-F238E27FC236}">
+                <a16:creationId xmlns:a16="http://schemas.microsoft.com/office/drawing/2014/main" id="{23F6D5E8-15CF-4755-910B-1B5A1E777357}"/>
+              </a:ext>
+            </a:extLst>
+          </p:cNvPr>
+          <p:cNvSpPr>
+            <a:spLocks noGrp="1"/>
+          </p:cNvSpPr>
+          <p:nvPr>
+            <p:ph type="title"/>
+          </p:nvPr>
+        </p:nvSpPr>
+        <p:spPr>
+          <a:xfrm>
+            <a:off x="1619182" y="130052"/>
+            <a:ext cx="10572817" cy="1280890"/>
+          </a:xfrm>
+        </p:spPr>
+        <p:txBody>
+          <a:bodyPr rtlCol="0">
+            <a:normAutofit/>
+          </a:bodyPr>
+          <a:lstStyle/>
+          <a:p>
+            <a:pPr rtl="0"/>
+            <a:r>
+              <a:rPr lang="fr-FR" dirty="0"/>
               <a:t>Gestion du projet : Suivi du code</a:t>
             </a:r>
           </a:p>
@@ -13375,8 +16897,8 @@
         </p:blipFill>
         <p:spPr>
           <a:xfrm>
-            <a:off x="418581" y="1276667"/>
-            <a:ext cx="6084570" cy="4304665"/>
+            <a:off x="252325" y="1260185"/>
+            <a:ext cx="6456045" cy="5090739"/>
           </a:xfrm>
           <a:prstGeom prst="rect">
             <a:avLst/>
@@ -13398,7 +16920,7 @@
         <p:spPr>
           <a:xfrm>
             <a:off x="6905590" y="1276667"/>
-            <a:ext cx="4295775" cy="1400175"/>
+            <a:ext cx="4873545" cy="1400175"/>
           </a:xfrm>
           <a:prstGeom prst="rect">
             <a:avLst/>
@@ -13421,8 +16943,8 @@
         </p:blipFill>
         <p:spPr>
           <a:xfrm>
-            <a:off x="6905590" y="2820648"/>
-            <a:ext cx="1800225" cy="1552575"/>
+            <a:off x="6905590" y="2970278"/>
+            <a:ext cx="2300591" cy="1984108"/>
           </a:xfrm>
           <a:prstGeom prst="rect">
             <a:avLst/>
@@ -13433,355 +16955,6 @@
     <p:extLst>
       <p:ext uri="{BB962C8B-B14F-4D97-AF65-F5344CB8AC3E}">
         <p14:creationId xmlns:p14="http://schemas.microsoft.com/office/powerpoint/2010/main" val="3867853593"/>
-      </p:ext>
-    </p:extLst>
-  </p:cSld>
-  <p:clrMapOvr>
-    <a:masterClrMapping/>
-  </p:clrMapOvr>
-</p:sld>
-</file>
-
-<file path=ppt/slides/slide9.xml><?xml version="1.0" encoding="utf-8"?>
-<p:sld xmlns:a="http://schemas.openxmlformats.org/drawingml/2006/main" xmlns:r="http://schemas.openxmlformats.org/officeDocument/2006/relationships" xmlns:p="http://schemas.openxmlformats.org/presentationml/2006/main">
-  <p:cSld>
-    <p:bg>
-      <p:bgPr>
-        <a:gradFill>
-          <a:gsLst>
-            <a:gs pos="0">
-              <a:schemeClr val="accent1"/>
-            </a:gs>
-            <a:gs pos="71000">
-              <a:schemeClr val="accent3"/>
-            </a:gs>
-          </a:gsLst>
-          <a:lin ang="2700000" scaled="1"/>
-        </a:gradFill>
-        <a:effectLst/>
-      </p:bgPr>
-    </p:bg>
-    <p:spTree>
-      <p:nvGrpSpPr>
-        <p:cNvPr id="1" name=""/>
-        <p:cNvGrpSpPr/>
-        <p:nvPr/>
-      </p:nvGrpSpPr>
-      <p:grpSpPr>
-        <a:xfrm>
-          <a:off x="0" y="0"/>
-          <a:ext cx="0" cy="0"/>
-          <a:chOff x="0" y="0"/>
-          <a:chExt cx="0" cy="0"/>
-        </a:xfrm>
-      </p:grpSpPr>
-      <p:pic>
-        <p:nvPicPr>
-          <p:cNvPr id="5" name="Image 4" descr="points lumineux">
-            <a:extLst>
-              <a:ext uri="{FF2B5EF4-FFF2-40B4-BE49-F238E27FC236}">
-                <a16:creationId xmlns:a16="http://schemas.microsoft.com/office/drawing/2014/main" id="{1A23FE0C-9A67-334E-9B7F-83AA9CF636A8}"/>
-              </a:ext>
-            </a:extLst>
-          </p:cNvPr>
-          <p:cNvPicPr>
-            <a:picLocks noChangeAspect="1"/>
-          </p:cNvPicPr>
-          <p:nvPr/>
-        </p:nvPicPr>
-        <p:blipFill rotWithShape="1">
-          <a:blip r:embed="rId3" cstate="print">
-            <a:duotone>
-              <a:schemeClr val="bg2">
-                <a:shade val="45000"/>
-                <a:satMod val="135000"/>
-              </a:schemeClr>
-              <a:prstClr val="white"/>
-            </a:duotone>
-            <a:alphaModFix amt="40000"/>
-            <a:extLst>
-              <a:ext uri="{28A0092B-C50C-407E-A947-70E740481C1C}">
-                <a14:useLocalDpi xmlns:a14="http://schemas.microsoft.com/office/drawing/2010/main"/>
-              </a:ext>
-            </a:extLst>
-          </a:blip>
-          <a:srcRect/>
-          <a:stretch/>
-        </p:blipFill>
-        <p:spPr>
-          <a:xfrm>
-            <a:off x="0" y="0"/>
-            <a:ext cx="12192000" cy="6857990"/>
-          </a:xfrm>
-          <a:prstGeom prst="rect">
-            <a:avLst/>
-          </a:prstGeom>
-        </p:spPr>
-      </p:pic>
-      <p:sp>
-        <p:nvSpPr>
-          <p:cNvPr id="2" name="Titre 1">
-            <a:extLst>
-              <a:ext uri="{FF2B5EF4-FFF2-40B4-BE49-F238E27FC236}">
-                <a16:creationId xmlns:a16="http://schemas.microsoft.com/office/drawing/2014/main" id="{F266081D-517B-5D43-A7B4-E67DDEDC0B31}"/>
-              </a:ext>
-            </a:extLst>
-          </p:cNvPr>
-          <p:cNvSpPr>
-            <a:spLocks noGrp="1"/>
-          </p:cNvSpPr>
-          <p:nvPr>
-            <p:ph type="ctrTitle"/>
-          </p:nvPr>
-        </p:nvSpPr>
-        <p:spPr>
-          <a:xfrm>
-            <a:off x="274387" y="88282"/>
-            <a:ext cx="12061700" cy="1002192"/>
-          </a:xfrm>
-        </p:spPr>
-        <p:txBody>
-          <a:bodyPr rtlCol="0">
-            <a:normAutofit fontScale="90000"/>
-          </a:bodyPr>
-          <a:lstStyle/>
-          <a:p>
-            <a:pPr rtl="0"/>
-            <a:r>
-              <a:rPr lang="fr-FR" dirty="0"/>
-              <a:t>Architecture du projet avec </a:t>
-            </a:r>
-            <a:r>
-              <a:rPr lang="fr-FR" dirty="0" err="1"/>
-              <a:t>symfony</a:t>
-            </a:r>
-            <a:endParaRPr lang="fr-FR" dirty="0"/>
-          </a:p>
-        </p:txBody>
-      </p:sp>
-      <p:sp>
-        <p:nvSpPr>
-          <p:cNvPr id="7" name="Rectangle 6"/>
-          <p:cNvSpPr/>
-          <p:nvPr/>
-        </p:nvSpPr>
-        <p:spPr>
-          <a:xfrm>
-            <a:off x="3002452" y="1597743"/>
-            <a:ext cx="8926311" cy="5324535"/>
-          </a:xfrm>
-          <a:prstGeom prst="rect">
-            <a:avLst/>
-          </a:prstGeom>
-        </p:spPr>
-        <p:txBody>
-          <a:bodyPr wrap="square">
-            <a:spAutoFit/>
-          </a:bodyPr>
-          <a:lstStyle/>
-          <a:p>
-            <a:r>
-              <a:rPr lang="fr-FR" sz="1600" b="1" dirty="0"/>
-              <a:t>Bin: C</a:t>
-            </a:r>
-            <a:r>
-              <a:rPr lang="fr-FR" sz="1600" dirty="0"/>
-              <a:t>ontient les fichiers de commandes permettant d’effectuer des actions sur un projet Symfony. </a:t>
-            </a:r>
-          </a:p>
-          <a:p>
-            <a:endParaRPr lang="fr-FR" sz="1600" dirty="0"/>
-          </a:p>
-          <a:p>
-            <a:r>
-              <a:rPr lang="fr-FR" sz="1600" b="1" dirty="0"/>
-              <a:t>Config</a:t>
-            </a:r>
-            <a:r>
-              <a:rPr lang="fr-FR" sz="1600" dirty="0"/>
-              <a:t> : Configuration des packages, services et routes (YAML)</a:t>
-            </a:r>
-          </a:p>
-          <a:p>
-            <a:endParaRPr lang="fr-FR" sz="1600" dirty="0"/>
-          </a:p>
-          <a:p>
-            <a:r>
-              <a:rPr lang="fr-FR" sz="1600" b="1" dirty="0"/>
-              <a:t>Migration : </a:t>
-            </a:r>
-            <a:r>
-              <a:rPr lang="fr-FR" sz="1600" dirty="0"/>
-              <a:t>Contient les fichier de migrations Doctrine -&gt; BDD</a:t>
-            </a:r>
-          </a:p>
-          <a:p>
-            <a:endParaRPr lang="fr-FR" sz="1600" dirty="0"/>
-          </a:p>
-          <a:p>
-            <a:r>
-              <a:rPr lang="fr-FR" sz="1600" b="1" dirty="0"/>
-              <a:t>Public</a:t>
-            </a:r>
-            <a:r>
-              <a:rPr lang="fr-FR" sz="1600" dirty="0"/>
-              <a:t> : Point d’entrée de l’application, </a:t>
-            </a:r>
-            <a:r>
-              <a:rPr lang="fr-FR" sz="1600" dirty="0" err="1"/>
-              <a:t>index.php</a:t>
-            </a:r>
-            <a:r>
-              <a:rPr lang="fr-FR" sz="1600" dirty="0"/>
-              <a:t>. Contient les images.</a:t>
-            </a:r>
-          </a:p>
-          <a:p>
-            <a:endParaRPr lang="fr-FR" sz="1600" dirty="0"/>
-          </a:p>
-          <a:p>
-            <a:r>
-              <a:rPr lang="fr-FR" sz="1600" b="1" dirty="0"/>
-              <a:t>SRC</a:t>
-            </a:r>
-            <a:r>
-              <a:rPr lang="fr-FR" sz="1600" dirty="0"/>
-              <a:t> : Cœur du projet  !  Dossier qui contient la logique de votre application.</a:t>
-            </a:r>
-          </a:p>
-          <a:p>
-            <a:endParaRPr lang="fr-FR" sz="1600" dirty="0"/>
-          </a:p>
-          <a:p>
-            <a:r>
-              <a:rPr lang="fr-FR" sz="1600" b="1" dirty="0" err="1"/>
-              <a:t>Templates</a:t>
-            </a:r>
-            <a:r>
-              <a:rPr lang="fr-FR" sz="1600" dirty="0"/>
-              <a:t> : Contient nos </a:t>
-            </a:r>
-            <a:r>
-              <a:rPr lang="fr-FR" sz="1600" dirty="0" err="1"/>
-              <a:t>Views</a:t>
-            </a:r>
-            <a:r>
-              <a:rPr lang="fr-FR" sz="1600" dirty="0"/>
-              <a:t>. Symfony utilise le moteur de Template </a:t>
-            </a:r>
-            <a:r>
-              <a:rPr lang="fr-FR" sz="1600" dirty="0" err="1"/>
-              <a:t>Twig</a:t>
-            </a:r>
-            <a:r>
-              <a:rPr lang="fr-FR" sz="1600" dirty="0"/>
-              <a:t> par défaut</a:t>
-            </a:r>
-            <a:r>
-              <a:rPr lang="fr-FR" sz="1600" dirty="0" smtClean="0"/>
-              <a:t>.</a:t>
-            </a:r>
-          </a:p>
-          <a:p>
-            <a:endParaRPr lang="fr-FR" sz="1600" dirty="0"/>
-          </a:p>
-          <a:p>
-            <a:r>
-              <a:rPr lang="fr-FR" b="1" dirty="0"/>
-              <a:t>Tests </a:t>
-            </a:r>
-            <a:r>
-              <a:rPr lang="fr-FR" dirty="0"/>
-              <a:t>: Contient les fichiers de test pour PHPUNIT</a:t>
-            </a:r>
-          </a:p>
-          <a:p>
-            <a:endParaRPr lang="fr-FR" sz="1600" dirty="0"/>
-          </a:p>
-          <a:p>
-            <a:r>
-              <a:rPr lang="fr-FR" sz="1600" b="1" dirty="0" smtClean="0"/>
-              <a:t>Var </a:t>
-            </a:r>
-            <a:r>
-              <a:rPr lang="fr-FR" sz="1600" b="1" dirty="0"/>
-              <a:t>: C</a:t>
-            </a:r>
-            <a:r>
-              <a:rPr lang="fr-FR" sz="1600" dirty="0"/>
-              <a:t>ache et fichiers de log.</a:t>
-            </a:r>
-          </a:p>
-          <a:p>
-            <a:endParaRPr lang="fr-FR" sz="1600" dirty="0"/>
-          </a:p>
-          <a:p>
-            <a:r>
-              <a:rPr lang="fr-FR" sz="1600" b="1" dirty="0" err="1"/>
-              <a:t>Vendor</a:t>
-            </a:r>
-            <a:r>
-              <a:rPr lang="fr-FR" sz="1600" dirty="0"/>
-              <a:t> : Packages de </a:t>
-            </a:r>
-            <a:r>
-              <a:rPr lang="fr-FR" sz="1600" dirty="0" err="1"/>
-              <a:t>symfony</a:t>
-            </a:r>
-            <a:r>
-              <a:rPr lang="fr-FR" sz="1600" dirty="0"/>
-              <a:t> listés dans le Fichier </a:t>
-            </a:r>
-            <a:r>
-              <a:rPr lang="fr-FR" sz="1600" dirty="0" err="1" smtClean="0"/>
-              <a:t>Composer.json</a:t>
-            </a:r>
-            <a:endParaRPr lang="fr-FR" sz="1600" dirty="0" smtClean="0"/>
-          </a:p>
-          <a:p>
-            <a:endParaRPr lang="fr-FR" sz="1600" dirty="0" smtClean="0"/>
-          </a:p>
-          <a:p>
-            <a:r>
-              <a:rPr lang="fr-FR" b="1" dirty="0"/>
-              <a:t>WEB </a:t>
-            </a:r>
-            <a:r>
-              <a:rPr lang="fr-FR" dirty="0"/>
-              <a:t>: Contient les résultats (rapport de couverture) des tests PHPUNIT</a:t>
-            </a:r>
-          </a:p>
-          <a:p>
-            <a:endParaRPr lang="fr-FR" sz="1600" dirty="0"/>
-          </a:p>
-        </p:txBody>
-      </p:sp>
-      <p:pic>
-        <p:nvPicPr>
-          <p:cNvPr id="6" name="Image 5"/>
-          <p:cNvPicPr/>
-          <p:nvPr/>
-        </p:nvPicPr>
-        <p:blipFill>
-          <a:blip r:embed="rId4"/>
-          <a:stretch>
-            <a:fillRect/>
-          </a:stretch>
-        </p:blipFill>
-        <p:spPr>
-          <a:xfrm>
-            <a:off x="58189" y="1697496"/>
-            <a:ext cx="2886075" cy="2476500"/>
-          </a:xfrm>
-          <a:prstGeom prst="rect">
-            <a:avLst/>
-          </a:prstGeom>
-        </p:spPr>
-      </p:pic>
-    </p:spTree>
-    <p:extLst>
-      <p:ext uri="{BB962C8B-B14F-4D97-AF65-F5344CB8AC3E}">
-        <p14:creationId xmlns:p14="http://schemas.microsoft.com/office/powerpoint/2010/main" val="3031881828"/>
       </p:ext>
     </p:extLst>
   </p:cSld>
@@ -14836,20 +18009,20 @@
 </file>
 
 <file path=customXml/item2.xml><?xml version="1.0" encoding="utf-8"?>
-<p:properties xmlns:p="http://schemas.microsoft.com/office/2006/metadata/properties" xmlns:xsi="http://www.w3.org/2001/XMLSchema-instance" xmlns:pc="http://schemas.microsoft.com/office/infopath/2007/PartnerControls">
-  <documentManagement>
-    <MediaServiceKeyPoints xmlns="71af3243-3dd4-4a8d-8c0d-dd76da1f02a5" xsi:nil="true"/>
-  </documentManagement>
-</p:properties>
-</file>
-
-<file path=customXml/item3.xml><?xml version="1.0" encoding="utf-8"?>
 <?mso-contentType ?>
 <FormTemplates xmlns="http://schemas.microsoft.com/sharepoint/v3/contenttype/forms">
   <Display>DocumentLibraryForm</Display>
   <Edit>DocumentLibraryForm</Edit>
   <New>DocumentLibraryForm</New>
 </FormTemplates>
+</file>
+
+<file path=customXml/item3.xml><?xml version="1.0" encoding="utf-8"?>
+<p:properties xmlns:p="http://schemas.microsoft.com/office/2006/metadata/properties" xmlns:xsi="http://www.w3.org/2001/XMLSchema-instance" xmlns:pc="http://schemas.microsoft.com/office/infopath/2007/PartnerControls">
+  <documentManagement>
+    <MediaServiceKeyPoints xmlns="71af3243-3dd4-4a8d-8c0d-dd76da1f02a5" xsi:nil="true"/>
+  </documentManagement>
+</p:properties>
 </file>
 
 <file path=customXml/itemProps1.xml><?xml version="1.0" encoding="utf-8"?>
@@ -14872,6 +18045,14 @@
 </file>
 
 <file path=customXml/itemProps2.xml><?xml version="1.0" encoding="utf-8"?>
+<ds:datastoreItem xmlns:ds="http://schemas.openxmlformats.org/officeDocument/2006/customXml" ds:itemID="{507C3E52-A0B1-49C0-88BD-66B715EE8BB7}">
+  <ds:schemaRefs>
+    <ds:schemaRef ds:uri="http://schemas.microsoft.com/sharepoint/v3/contenttype/forms"/>
+  </ds:schemaRefs>
+</ds:datastoreItem>
+</file>
+
+<file path=customXml/itemProps3.xml><?xml version="1.0" encoding="utf-8"?>
 <ds:datastoreItem xmlns:ds="http://schemas.openxmlformats.org/officeDocument/2006/customXml" ds:itemID="{CCB8F5F2-61AB-4CE6-A5E3-F34B87B0EE42}">
   <ds:schemaRefs>
     <ds:schemaRef ds:uri="http://schemas.microsoft.com/office/2006/documentManagement/types"/>
@@ -14886,12 +18067,4 @@
     <ds:schemaRef ds:uri="http://purl.org/dc/dcmitype/"/>
   </ds:schemaRefs>
 </ds:datastoreItem>
-</file>
-
-<file path=customXml/itemProps3.xml><?xml version="1.0" encoding="utf-8"?>
-<ds:datastoreItem xmlns:ds="http://schemas.openxmlformats.org/officeDocument/2006/customXml" ds:itemID="{507C3E52-A0B1-49C0-88BD-66B715EE8BB7}">
-  <ds:schemaRefs>
-    <ds:schemaRef ds:uri="http://schemas.microsoft.com/sharepoint/v3/contenttype/forms"/>
-  </ds:schemaRefs>
-</ds:datastoreItem>
 </file>